--- a/Einzelaufgabe/TimeKeeper.pptx
+++ b/Einzelaufgabe/TimeKeeper.pptx
@@ -5,7 +5,7 @@
     <p:sldMasterId id="2147483660" r:id="rId1"/>
   </p:sldMasterIdLst>
   <p:notesMasterIdLst>
-    <p:notesMasterId r:id="rId28"/>
+    <p:notesMasterId r:id="rId22"/>
   </p:notesMasterIdLst>
   <p:sldIdLst>
     <p:sldId id="2561" r:id="rId2"/>
@@ -17,23 +17,17 @@
     <p:sldId id="2567" r:id="rId8"/>
     <p:sldId id="2568" r:id="rId9"/>
     <p:sldId id="2569" r:id="rId10"/>
-    <p:sldId id="2570" r:id="rId11"/>
-    <p:sldId id="2571" r:id="rId12"/>
-    <p:sldId id="2572" r:id="rId13"/>
-    <p:sldId id="2573" r:id="rId14"/>
-    <p:sldId id="2574" r:id="rId15"/>
-    <p:sldId id="2575" r:id="rId16"/>
-    <p:sldId id="2576" r:id="rId17"/>
-    <p:sldId id="2577" r:id="rId18"/>
-    <p:sldId id="2578" r:id="rId19"/>
-    <p:sldId id="2579" r:id="rId20"/>
-    <p:sldId id="2580" r:id="rId21"/>
-    <p:sldId id="2581" r:id="rId22"/>
-    <p:sldId id="2582" r:id="rId23"/>
-    <p:sldId id="2583" r:id="rId24"/>
-    <p:sldId id="2584" r:id="rId25"/>
-    <p:sldId id="2585" r:id="rId26"/>
-    <p:sldId id="2586" r:id="rId27"/>
+    <p:sldId id="2574" r:id="rId11"/>
+    <p:sldId id="2575" r:id="rId12"/>
+    <p:sldId id="2576" r:id="rId13"/>
+    <p:sldId id="2577" r:id="rId14"/>
+    <p:sldId id="2578" r:id="rId15"/>
+    <p:sldId id="2579" r:id="rId16"/>
+    <p:sldId id="2580" r:id="rId17"/>
+    <p:sldId id="2581" r:id="rId18"/>
+    <p:sldId id="2584" r:id="rId19"/>
+    <p:sldId id="2585" r:id="rId20"/>
+    <p:sldId id="2586" r:id="rId21"/>
   </p:sldIdLst>
   <p:sldSz cx="12192000" cy="6858000"/>
   <p:notesSz cx="6858000" cy="9144000"/>
@@ -161,16 +155,10 @@
           </p14:sldIdLst>
         </p14:section>
         <p14:section name="Verteiler und Freigabe" id="{CACB4AA8-20C4-4271-9E1F-C7D1E2A5C53B}">
-          <p14:sldIdLst>
-            <p14:sldId id="2570"/>
-            <p14:sldId id="2571"/>
-          </p14:sldIdLst>
+          <p14:sldIdLst/>
         </p14:section>
         <p14:section name="Reviewvermerke und Meeting-Protokolle" id="{7B0CA844-3E62-496D-AE1F-15B7F930D0EC}">
-          <p14:sldIdLst>
-            <p14:sldId id="2572"/>
-            <p14:sldId id="2573"/>
-          </p14:sldIdLst>
+          <p14:sldIdLst/>
         </p14:section>
         <p14:section name="Konzept und Rahmenbedingungen" id="{C1C7F5AE-F418-4F02-A423-7C9C82C5303E}">
           <p14:sldIdLst>
@@ -189,10 +177,7 @@
           </p14:sldIdLst>
         </p14:section>
         <p14:section name="Freigabe / Genehmigung" id="{120F8559-46D1-4958-A21D-403C4F241462}">
-          <p14:sldIdLst>
-            <p14:sldId id="2582"/>
-            <p14:sldId id="2583"/>
-          </p14:sldIdLst>
+          <p14:sldIdLst/>
         </p14:section>
         <p14:section name="Anhang / Ressourcen" id="{B4187D43-1C3F-4B51-8D7D-43B533E72D7D}">
           <p14:sldIdLst>
@@ -206,6 +191,9 @@
           </p14:sldIdLst>
         </p14:section>
       </p14:sectionLst>
+    </p:ext>
+    <p:ext uri="{EFAFB233-063F-42B5-8137-9DF3F51BA10A}">
+      <p15:sldGuideLst xmlns:p15="http://schemas.microsoft.com/office/powerpoint/2012/main"/>
     </p:ext>
   </p:extLst>
 </p:presentation>
@@ -6121,7 +6109,7 @@
           <a:p>
             <a:fld id="{21A72D37-41F0-47CB-90A9-2E6E20A24E35}" type="datetimeFigureOut">
               <a:rPr lang="de-DE" smtClean="0"/>
-              <a:t>21.03.2025</a:t>
+              <a:t>24.03.2025</a:t>
             </a:fld>
             <a:endParaRPr lang="de-DE"/>
           </a:p>
@@ -6527,7 +6515,7 @@
               <a:t>
 ---
 Diese Folie verweist auf Informationen aus der folgenden Datei: https://mthcloud-my.sharepoint.com/personal/michael_lindner_mth-it-service_com/_layouts/15/Doc.aspx?sourcedoc=%7B02949F31-46F2-4540-9486-CB98BC3F9732%7D&amp;file=LastenHeft_TimeKeeper.docx&amp;action=default&amp;mobileredirect=true&amp;DefaultItemOpen=1
-Verteiler für dieses Lastenheft
+Ziele des Anbieters, Ziele und Nutzen des Anwenders, Systemvoraussetzungen
 </a:t>
             </a:r>
           </a:p>
@@ -6559,7 +6547,7 @@
     </p:spTree>
     <p:extLst>
       <p:ext uri="{BB962C8B-B14F-4D97-AF65-F5344CB8AC3E}">
-        <p14:creationId xmlns:p14="http://schemas.microsoft.com/office/powerpoint/2010/main" val="1952541817"/>
+        <p14:creationId xmlns:p14="http://schemas.microsoft.com/office/powerpoint/2010/main" val="3485162492"/>
       </p:ext>
     </p:extLst>
   </p:cSld>
@@ -6615,7 +6603,14 @@
           <a:p>
             <a:r>
               <a:rPr lang="de-DE"/>
-              <a:t>1.2.1   Verteiler für dieses Lastenheft</a:t>
+              <a:t>
+---
+Diese Folie verweist auf Informationen aus der folgenden Datei: https://mthcloud-my.sharepoint.com/personal/michael_lindner_mth-it-service_com/_layouts/15/Doc.aspx?sourcedoc=%7B02949F31-46F2-4540-9486-CB98BC3F9732%7D&amp;file=LastenHeft_TimeKeeper.docx&amp;action=default&amp;mobileredirect=true&amp;DefaultItemOpen=1
+2.1    Ziele des Anbieters
+Das Ziel ist es, alle Veranstaltungsdaten in einer normalisierten Datenbank für zukünftige KI-Auswertungen zu haben.
+Das KI-Modell soll dann in der Lage sein auf Grundlage der Eigenschaften (Disziplin, Strecke, Alter, Monat (der zukünftigen Sportveranstaltung), Höhenmeter (der Strecke) und Stammteilnehmer) eine Vorhersage für die zu erwartete Laufzeit erstellen.
+Diese Datenbank wird dann später genutzt um z.B.: die schnellen Läufer näher an die Startlinie zu stellen und die langsamen hinten. Gleichzeitig wird die geschätzte Laufzeit dem Sportler im Anmeldeportal angezeigt damit er einschätzen kann, ob er innerhalb der Zielschlusszeit ins Ziel kommen kann.
+</a:t>
             </a:r>
           </a:p>
         </p:txBody>
@@ -6646,7 +6641,7 @@
     </p:spTree>
     <p:extLst>
       <p:ext uri="{BB962C8B-B14F-4D97-AF65-F5344CB8AC3E}">
-        <p14:creationId xmlns:p14="http://schemas.microsoft.com/office/powerpoint/2010/main" val="1818496266"/>
+        <p14:creationId xmlns:p14="http://schemas.microsoft.com/office/powerpoint/2010/main" val="3715507157"/>
       </p:ext>
     </p:extLst>
   </p:cSld>
@@ -6705,7 +6700,11 @@
               <a:t>
 ---
 Diese Folie verweist auf Informationen aus der folgenden Datei: https://mthcloud-my.sharepoint.com/personal/michael_lindner_mth-it-service_com/_layouts/15/Doc.aspx?sourcedoc=%7B02949F31-46F2-4540-9486-CB98BC3F9732%7D&amp;file=LastenHeft_TimeKeeper.docx&amp;action=default&amp;mobileredirect=true&amp;DefaultItemOpen=1
-Erstes bis n-tes Review
+2.2    Ziele und Nutzen des Anwenders
+Im folgendem wird der zukünftige Nutzen dargestellt.
+Die Sportteilnehmer können ermitteln, ob sie es schaffen in der vorgegebenen Zielzeit anzukommen.
+Der Veranstalter kann die Starts besser organisieren und kann Verpflegungspunkte und die Besetzung durch Personal besser planen.
+Ziel des Teilprojektes ist erst einmal nur das Erstellen der Datenbank, die die verschiedenen Daten aufnimmt.
 </a:t>
             </a:r>
           </a:p>
@@ -6737,7 +6736,7 @@
     </p:spTree>
     <p:extLst>
       <p:ext uri="{BB962C8B-B14F-4D97-AF65-F5344CB8AC3E}">
-        <p14:creationId xmlns:p14="http://schemas.microsoft.com/office/powerpoint/2010/main" val="2775065662"/>
+        <p14:creationId xmlns:p14="http://schemas.microsoft.com/office/powerpoint/2010/main" val="4188577565"/>
       </p:ext>
     </p:extLst>
   </p:cSld>
@@ -6796,8 +6795,8 @@
               <a:t>
 ---
 Diese Folie verweist auf Informationen aus der folgenden Datei: https://mthcloud-my.sharepoint.com/personal/michael_lindner_mth-it-service_com/_layouts/15/Doc.aspx?sourcedoc=%7B02949F31-46F2-4540-9486-CB98BC3F9732%7D&amp;file=LastenHeft_TimeKeeper.docx&amp;action=default&amp;mobileredirect=true&amp;DefaultItemOpen=1
-1.3.1   Erstes bis n-tes Review
-Das Dokument ist mit der Version 0.1 gültig
+2.3    Systemvoraussetzungen
+Es wird eine relationale Datenbank gesucht. Als vorhandene Betriebssysteminfrastruktur wird Windows Server 2022 Standard eingesetzt
 </a:t>
             </a:r>
           </a:p>
@@ -6829,7 +6828,7 @@
     </p:spTree>
     <p:extLst>
       <p:ext uri="{BB962C8B-B14F-4D97-AF65-F5344CB8AC3E}">
-        <p14:creationId xmlns:p14="http://schemas.microsoft.com/office/powerpoint/2010/main" val="613789237"/>
+        <p14:creationId xmlns:p14="http://schemas.microsoft.com/office/powerpoint/2010/main" val="1768566661"/>
       </p:ext>
     </p:extLst>
   </p:cSld>
@@ -6888,7 +6887,7 @@
               <a:t>
 ---
 Diese Folie verweist auf Informationen aus der folgenden Datei: https://mthcloud-my.sharepoint.com/personal/michael_lindner_mth-it-service_com/_layouts/15/Doc.aspx?sourcedoc=%7B02949F31-46F2-4540-9486-CB98BC3F9732%7D&amp;file=LastenHeft_TimeKeeper.docx&amp;action=default&amp;mobileredirect=true&amp;DefaultItemOpen=1
-Ziele des Anbieters, Ziele und Nutzen des Anwenders, Systemvoraussetzungen
+Datenbankentwurf, Anwendungsfälle, Überführung der Daten
 </a:t>
             </a:r>
           </a:p>
@@ -6920,7 +6919,7 @@
     </p:spTree>
     <p:extLst>
       <p:ext uri="{BB962C8B-B14F-4D97-AF65-F5344CB8AC3E}">
-        <p14:creationId xmlns:p14="http://schemas.microsoft.com/office/powerpoint/2010/main" val="3485162492"/>
+        <p14:creationId xmlns:p14="http://schemas.microsoft.com/office/powerpoint/2010/main" val="1992345074"/>
       </p:ext>
     </p:extLst>
   </p:cSld>
@@ -6979,10 +6978,8 @@
               <a:t>
 ---
 Diese Folie verweist auf Informationen aus der folgenden Datei: https://mthcloud-my.sharepoint.com/personal/michael_lindner_mth-it-service_com/_layouts/15/Doc.aspx?sourcedoc=%7B02949F31-46F2-4540-9486-CB98BC3F9732%7D&amp;file=LastenHeft_TimeKeeper.docx&amp;action=default&amp;mobileredirect=true&amp;DefaultItemOpen=1
-2.1    Ziele des Anbieters
-Das Ziel ist es, alle Veranstaltungsdaten in einer normalisierten Datenbank für zukünftige KI-Auswertungen zu haben.
-Das KI-Modell soll dann in der Lage sein auf Grundlage der Eigenschaften (Disziplin, Strecke, Alter, Monat (der zukünftigen Sportveranstaltung), Höhenmeter (der Strecke) und Stammteilnehmer) eine Vorhersage für die zu erwartete Laufzeit erstellen.
-Diese Datenbank wird dann später genutzt um z.B.: die schnellen Läufer näher an die Startlinie zu stellen und die langsamen hinten. Gleichzeitig wird die geschätzte Laufzeit dem Sportler im Anmeldeportal angezeigt damit er einschätzen kann, ob er innerhalb der Zielschlusszeit ins Ziel kommen kann.
+3   Beschreibung der Anforderungen
+Gesucht wird ein Datenbankentwurf für eine Relationale Datenbank. Im Anhang finden Sie verschiedene Messdaten, die nach Erstellung in die Datenbank überführt werden sollen.
 </a:t>
             </a:r>
           </a:p>
@@ -7014,7 +7011,7 @@
     </p:spTree>
     <p:extLst>
       <p:ext uri="{BB962C8B-B14F-4D97-AF65-F5344CB8AC3E}">
-        <p14:creationId xmlns:p14="http://schemas.microsoft.com/office/powerpoint/2010/main" val="3715507157"/>
+        <p14:creationId xmlns:p14="http://schemas.microsoft.com/office/powerpoint/2010/main" val="481136848"/>
       </p:ext>
     </p:extLst>
   </p:cSld>
@@ -7073,11 +7070,9 @@
               <a:t>
 ---
 Diese Folie verweist auf Informationen aus der folgenden Datei: https://mthcloud-my.sharepoint.com/personal/michael_lindner_mth-it-service_com/_layouts/15/Doc.aspx?sourcedoc=%7B02949F31-46F2-4540-9486-CB98BC3F9732%7D&amp;file=LastenHeft_TimeKeeper.docx&amp;action=default&amp;mobileredirect=true&amp;DefaultItemOpen=1
-2.2    Ziele und Nutzen des Anwenders
-Im folgendem wird der zukünftige Nutzen dargestellt.
-Die Sportteilnehmer können ermitteln, ob sie es schaffen in der vorgegebenen Zielzeit anzukommen.
-Der Veranstalter kann die Starts besser organisieren und kann Verpflegungspunkte und die Besetzung durch Personal besser planen.
-Ziel des Teilprojektes ist erst einmal nur das Erstellen der Datenbank, die die verschiedenen Daten aufnimmt.
+Es sollen zwei Anwendungsfälle berücksichtigt werden.
+„Import des Datensatzes“
+„Lesen aller Messdaten“
 </a:t>
             </a:r>
           </a:p>
@@ -7109,7 +7104,7 @@
     </p:spTree>
     <p:extLst>
       <p:ext uri="{BB962C8B-B14F-4D97-AF65-F5344CB8AC3E}">
-        <p14:creationId xmlns:p14="http://schemas.microsoft.com/office/powerpoint/2010/main" val="4188577565"/>
+        <p14:creationId xmlns:p14="http://schemas.microsoft.com/office/powerpoint/2010/main" val="1766584023"/>
       </p:ext>
     </p:extLst>
   </p:cSld>
@@ -7168,8 +7163,7 @@
               <a:t>
 ---
 Diese Folie verweist auf Informationen aus der folgenden Datei: https://mthcloud-my.sharepoint.com/personal/michael_lindner_mth-it-service_com/_layouts/15/Doc.aspx?sourcedoc=%7B02949F31-46F2-4540-9486-CB98BC3F9732%7D&amp;file=LastenHeft_TimeKeeper.docx&amp;action=default&amp;mobileredirect=true&amp;DefaultItemOpen=1
-2.3    Systemvoraussetzungen
-Es wird eine relationale Datenbank gesucht. Als vorhandene Betriebssysteminfrastruktur wird Windows Server 2022 Standard eingesetzt
+Die Überführung wird im Anschluss durch eine externe Programmierabteilung über Schnittstellen und Importjobs realisiert. Die Programmierer nutzen dann als Ziel die Datenbank, die Sie erstellen sollen.
 </a:t>
             </a:r>
           </a:p>
@@ -7201,7 +7195,7 @@
     </p:spTree>
     <p:extLst>
       <p:ext uri="{BB962C8B-B14F-4D97-AF65-F5344CB8AC3E}">
-        <p14:creationId xmlns:p14="http://schemas.microsoft.com/office/powerpoint/2010/main" val="1768566661"/>
+        <p14:creationId xmlns:p14="http://schemas.microsoft.com/office/powerpoint/2010/main" val="3368638095"/>
       </p:ext>
     </p:extLst>
   </p:cSld>
@@ -7260,7 +7254,7 @@
               <a:t>
 ---
 Diese Folie verweist auf Informationen aus der folgenden Datei: https://mthcloud-my.sharepoint.com/personal/michael_lindner_mth-it-service_com/_layouts/15/Doc.aspx?sourcedoc=%7B02949F31-46F2-4540-9486-CB98BC3F9732%7D&amp;file=LastenHeft_TimeKeeper.docx&amp;action=default&amp;mobileredirect=true&amp;DefaultItemOpen=1
-Datenbankentwurf, Anwendungsfälle, Überführung der Daten
+Messdatenbeispiele von Zeitmesssystemen
 </a:t>
             </a:r>
           </a:p>
@@ -7292,7 +7286,7 @@
     </p:spTree>
     <p:extLst>
       <p:ext uri="{BB962C8B-B14F-4D97-AF65-F5344CB8AC3E}">
-        <p14:creationId xmlns:p14="http://schemas.microsoft.com/office/powerpoint/2010/main" val="1992345074"/>
+        <p14:creationId xmlns:p14="http://schemas.microsoft.com/office/powerpoint/2010/main" val="330536329"/>
       </p:ext>
     </p:extLst>
   </p:cSld>
@@ -7348,12 +7342,7 @@
           <a:p>
             <a:r>
               <a:rPr lang="de-DE"/>
-              <a:t>
----
-Diese Folie verweist auf Informationen aus der folgenden Datei: https://mthcloud-my.sharepoint.com/personal/michael_lindner_mth-it-service_com/_layouts/15/Doc.aspx?sourcedoc=%7B02949F31-46F2-4540-9486-CB98BC3F9732%7D&amp;file=LastenHeft_TimeKeeper.docx&amp;action=default&amp;mobileredirect=true&amp;DefaultItemOpen=1
-3   Beschreibung der Anforderungen
-Gesucht wird ein Datenbankentwurf für eine Relationale Datenbank. Im Anhang finden Sie verschiedene Messdaten, die nach Erstellung in die Datenbank überführt werden sollen.
-</a:t>
+              <a:t>5   Anhang / Ressourcen</a:t>
             </a:r>
           </a:p>
         </p:txBody>
@@ -7384,7 +7373,7 @@
     </p:spTree>
     <p:extLst>
       <p:ext uri="{BB962C8B-B14F-4D97-AF65-F5344CB8AC3E}">
-        <p14:creationId xmlns:p14="http://schemas.microsoft.com/office/powerpoint/2010/main" val="481136848"/>
+        <p14:creationId xmlns:p14="http://schemas.microsoft.com/office/powerpoint/2010/main" val="2252508449"/>
       </p:ext>
     </p:extLst>
   </p:cSld>
@@ -7527,13 +7516,7 @@
           <a:p>
             <a:r>
               <a:rPr lang="de-DE"/>
-              <a:t>
----
-Diese Folie verweist auf Informationen aus der folgenden Datei: https://mthcloud-my.sharepoint.com/personal/michael_lindner_mth-it-service_com/_layouts/15/Doc.aspx?sourcedoc=%7B02949F31-46F2-4540-9486-CB98BC3F9732%7D&amp;file=LastenHeft_TimeKeeper.docx&amp;action=default&amp;mobileredirect=true&amp;DefaultItemOpen=1
-Es sollen zwei Anwendungsfälle berücksichtigt werden.
-„Import des Datensatzes“
-„Lesen aller Messdaten“
-</a:t>
+              <a:t>Zusammenfassend lässt sich sagen, dass TimeKeeper ein vielversprechendes Projekt ist, das darauf abzielt, die Zeitmanagementpraktiken zu revolutionieren. Durch die Implementierung der vorgestellten Anforderungen und Konzepte können wir sicherstellen, dass TimeKeeper den Benutzern einen echten Nutzen bietet.</a:t>
             </a:r>
           </a:p>
         </p:txBody>
@@ -7556,540 +7539,6 @@
             <a:fld id="{AC9C01CF-28CC-45EB-BD49-DE0443939D77}" type="slidenum">
               <a:rPr lang="de-DE" smtClean="0"/>
               <a:t>20</a:t>
-            </a:fld>
-            <a:endParaRPr lang="de-DE"/>
-          </a:p>
-        </p:txBody>
-      </p:sp>
-    </p:spTree>
-    <p:extLst>
-      <p:ext uri="{BB962C8B-B14F-4D97-AF65-F5344CB8AC3E}">
-        <p14:creationId xmlns:p14="http://schemas.microsoft.com/office/powerpoint/2010/main" val="1766584023"/>
-      </p:ext>
-    </p:extLst>
-  </p:cSld>
-  <p:clrMapOvr>
-    <a:masterClrMapping/>
-  </p:clrMapOvr>
-</p:notes>
-</file>
-
-<file path=ppt/notesSlides/notesSlide21.xml><?xml version="1.0" encoding="utf-8"?>
-<p:notes xmlns:a="http://schemas.openxmlformats.org/drawingml/2006/main" xmlns:r="http://schemas.openxmlformats.org/officeDocument/2006/relationships" xmlns:p="http://schemas.openxmlformats.org/presentationml/2006/main">
-  <p:cSld>
-    <p:spTree>
-      <p:nvGrpSpPr>
-        <p:cNvPr id="1" name=""/>
-        <p:cNvGrpSpPr/>
-        <p:nvPr/>
-      </p:nvGrpSpPr>
-      <p:grpSpPr>
-        <a:xfrm>
-          <a:off x="0" y="0"/>
-          <a:ext cx="0" cy="0"/>
-          <a:chOff x="0" y="0"/>
-          <a:chExt cx="0" cy="0"/>
-        </a:xfrm>
-      </p:grpSpPr>
-      <p:sp>
-        <p:nvSpPr>
-          <p:cNvPr id="2" name="Folienbildplatzhalter 1"/>
-          <p:cNvSpPr>
-            <a:spLocks noGrp="1" noRot="1" noChangeAspect="1"/>
-          </p:cNvSpPr>
-          <p:nvPr>
-            <p:ph type="sldImg"/>
-          </p:nvPr>
-        </p:nvSpPr>
-        <p:spPr/>
-      </p:sp>
-      <p:sp>
-        <p:nvSpPr>
-          <p:cNvPr id="3" name="Notizenplatzhalter 2"/>
-          <p:cNvSpPr>
-            <a:spLocks noGrp="1"/>
-          </p:cNvSpPr>
-          <p:nvPr>
-            <p:ph type="body" idx="1"/>
-          </p:nvPr>
-        </p:nvSpPr>
-        <p:spPr/>
-        <p:txBody>
-          <a:bodyPr/>
-          <a:lstStyle/>
-          <a:p>
-            <a:r>
-              <a:rPr lang="de-DE"/>
-              <a:t>
----
-Diese Folie verweist auf Informationen aus der folgenden Datei: https://mthcloud-my.sharepoint.com/personal/michael_lindner_mth-it-service_com/_layouts/15/Doc.aspx?sourcedoc=%7B02949F31-46F2-4540-9486-CB98BC3F9732%7D&amp;file=LastenHeft_TimeKeeper.docx&amp;action=default&amp;mobileredirect=true&amp;DefaultItemOpen=1
-Die Überführung wird im Anschluss durch eine externe Programmierabteilung über Schnittstellen und Importjobs realisiert. Die Programmierer nutzen dann als Ziel die Datenbank, die Sie erstellen sollen.
-</a:t>
-            </a:r>
-          </a:p>
-        </p:txBody>
-      </p:sp>
-      <p:sp>
-        <p:nvSpPr>
-          <p:cNvPr id="4" name="Foliennummernplatzhalter 3"/>
-          <p:cNvSpPr>
-            <a:spLocks noGrp="1"/>
-          </p:cNvSpPr>
-          <p:nvPr>
-            <p:ph type="sldNum" sz="quarter" idx="5"/>
-          </p:nvPr>
-        </p:nvSpPr>
-        <p:spPr/>
-        <p:txBody>
-          <a:bodyPr/>
-          <a:lstStyle/>
-          <a:p>
-            <a:fld id="{AC9C01CF-28CC-45EB-BD49-DE0443939D77}" type="slidenum">
-              <a:rPr lang="de-DE" smtClean="0"/>
-              <a:t>21</a:t>
-            </a:fld>
-            <a:endParaRPr lang="de-DE"/>
-          </a:p>
-        </p:txBody>
-      </p:sp>
-    </p:spTree>
-    <p:extLst>
-      <p:ext uri="{BB962C8B-B14F-4D97-AF65-F5344CB8AC3E}">
-        <p14:creationId xmlns:p14="http://schemas.microsoft.com/office/powerpoint/2010/main" val="3368638095"/>
-      </p:ext>
-    </p:extLst>
-  </p:cSld>
-  <p:clrMapOvr>
-    <a:masterClrMapping/>
-  </p:clrMapOvr>
-</p:notes>
-</file>
-
-<file path=ppt/notesSlides/notesSlide22.xml><?xml version="1.0" encoding="utf-8"?>
-<p:notes xmlns:a="http://schemas.openxmlformats.org/drawingml/2006/main" xmlns:r="http://schemas.openxmlformats.org/officeDocument/2006/relationships" xmlns:p="http://schemas.openxmlformats.org/presentationml/2006/main">
-  <p:cSld>
-    <p:spTree>
-      <p:nvGrpSpPr>
-        <p:cNvPr id="1" name=""/>
-        <p:cNvGrpSpPr/>
-        <p:nvPr/>
-      </p:nvGrpSpPr>
-      <p:grpSpPr>
-        <a:xfrm>
-          <a:off x="0" y="0"/>
-          <a:ext cx="0" cy="0"/>
-          <a:chOff x="0" y="0"/>
-          <a:chExt cx="0" cy="0"/>
-        </a:xfrm>
-      </p:grpSpPr>
-      <p:sp>
-        <p:nvSpPr>
-          <p:cNvPr id="2" name="Folienbildplatzhalter 1"/>
-          <p:cNvSpPr>
-            <a:spLocks noGrp="1" noRot="1" noChangeAspect="1"/>
-          </p:cNvSpPr>
-          <p:nvPr>
-            <p:ph type="sldImg"/>
-          </p:nvPr>
-        </p:nvSpPr>
-        <p:spPr/>
-      </p:sp>
-      <p:sp>
-        <p:nvSpPr>
-          <p:cNvPr id="3" name="Notizenplatzhalter 2"/>
-          <p:cNvSpPr>
-            <a:spLocks noGrp="1"/>
-          </p:cNvSpPr>
-          <p:nvPr>
-            <p:ph type="body" idx="1"/>
-          </p:nvPr>
-        </p:nvSpPr>
-        <p:spPr/>
-        <p:txBody>
-          <a:bodyPr/>
-          <a:lstStyle/>
-          <a:p>
-            <a:r>
-              <a:rPr lang="de-DE"/>
-              <a:t>
----
-Diese Folie verweist auf Informationen aus der folgenden Datei: https://mthcloud-my.sharepoint.com/personal/michael_lindner_mth-it-service_com/_layouts/15/Doc.aspx?sourcedoc=%7B02949F31-46F2-4540-9486-CB98BC3F9732%7D&amp;file=LastenHeft_TimeKeeper.docx&amp;action=default&amp;mobileredirect=true&amp;DefaultItemOpen=1
-Genehmigung
-</a:t>
-            </a:r>
-          </a:p>
-        </p:txBody>
-      </p:sp>
-      <p:sp>
-        <p:nvSpPr>
-          <p:cNvPr id="4" name="Foliennummernplatzhalter 3"/>
-          <p:cNvSpPr>
-            <a:spLocks noGrp="1"/>
-          </p:cNvSpPr>
-          <p:nvPr>
-            <p:ph type="sldNum" sz="quarter" idx="5"/>
-          </p:nvPr>
-        </p:nvSpPr>
-        <p:spPr/>
-        <p:txBody>
-          <a:bodyPr/>
-          <a:lstStyle/>
-          <a:p>
-            <a:fld id="{AC9C01CF-28CC-45EB-BD49-DE0443939D77}" type="slidenum">
-              <a:rPr lang="de-DE" smtClean="0"/>
-              <a:t>22</a:t>
-            </a:fld>
-            <a:endParaRPr lang="de-DE"/>
-          </a:p>
-        </p:txBody>
-      </p:sp>
-    </p:spTree>
-    <p:extLst>
-      <p:ext uri="{BB962C8B-B14F-4D97-AF65-F5344CB8AC3E}">
-        <p14:creationId xmlns:p14="http://schemas.microsoft.com/office/powerpoint/2010/main" val="4046122982"/>
-      </p:ext>
-    </p:extLst>
-  </p:cSld>
-  <p:clrMapOvr>
-    <a:masterClrMapping/>
-  </p:clrMapOvr>
-</p:notes>
-</file>
-
-<file path=ppt/notesSlides/notesSlide23.xml><?xml version="1.0" encoding="utf-8"?>
-<p:notes xmlns:a="http://schemas.openxmlformats.org/drawingml/2006/main" xmlns:r="http://schemas.openxmlformats.org/officeDocument/2006/relationships" xmlns:p="http://schemas.openxmlformats.org/presentationml/2006/main">
-  <p:cSld>
-    <p:spTree>
-      <p:nvGrpSpPr>
-        <p:cNvPr id="1" name=""/>
-        <p:cNvGrpSpPr/>
-        <p:nvPr/>
-      </p:nvGrpSpPr>
-      <p:grpSpPr>
-        <a:xfrm>
-          <a:off x="0" y="0"/>
-          <a:ext cx="0" cy="0"/>
-          <a:chOff x="0" y="0"/>
-          <a:chExt cx="0" cy="0"/>
-        </a:xfrm>
-      </p:grpSpPr>
-      <p:sp>
-        <p:nvSpPr>
-          <p:cNvPr id="2" name="Folienbildplatzhalter 1"/>
-          <p:cNvSpPr>
-            <a:spLocks noGrp="1" noRot="1" noChangeAspect="1"/>
-          </p:cNvSpPr>
-          <p:nvPr>
-            <p:ph type="sldImg"/>
-          </p:nvPr>
-        </p:nvSpPr>
-        <p:spPr/>
-      </p:sp>
-      <p:sp>
-        <p:nvSpPr>
-          <p:cNvPr id="3" name="Notizenplatzhalter 2"/>
-          <p:cNvSpPr>
-            <a:spLocks noGrp="1"/>
-          </p:cNvSpPr>
-          <p:nvPr>
-            <p:ph type="body" idx="1"/>
-          </p:nvPr>
-        </p:nvSpPr>
-        <p:spPr/>
-        <p:txBody>
-          <a:bodyPr/>
-          <a:lstStyle/>
-          <a:p>
-            <a:r>
-              <a:rPr lang="de-DE"/>
-              <a:t>4   Freigabe / Genehmigung</a:t>
-            </a:r>
-          </a:p>
-        </p:txBody>
-      </p:sp>
-      <p:sp>
-        <p:nvSpPr>
-          <p:cNvPr id="4" name="Foliennummernplatzhalter 3"/>
-          <p:cNvSpPr>
-            <a:spLocks noGrp="1"/>
-          </p:cNvSpPr>
-          <p:nvPr>
-            <p:ph type="sldNum" sz="quarter" idx="5"/>
-          </p:nvPr>
-        </p:nvSpPr>
-        <p:spPr/>
-        <p:txBody>
-          <a:bodyPr/>
-          <a:lstStyle/>
-          <a:p>
-            <a:fld id="{AC9C01CF-28CC-45EB-BD49-DE0443939D77}" type="slidenum">
-              <a:rPr lang="de-DE" smtClean="0"/>
-              <a:t>23</a:t>
-            </a:fld>
-            <a:endParaRPr lang="de-DE"/>
-          </a:p>
-        </p:txBody>
-      </p:sp>
-    </p:spTree>
-    <p:extLst>
-      <p:ext uri="{BB962C8B-B14F-4D97-AF65-F5344CB8AC3E}">
-        <p14:creationId xmlns:p14="http://schemas.microsoft.com/office/powerpoint/2010/main" val="2473470277"/>
-      </p:ext>
-    </p:extLst>
-  </p:cSld>
-  <p:clrMapOvr>
-    <a:masterClrMapping/>
-  </p:clrMapOvr>
-</p:notes>
-</file>
-
-<file path=ppt/notesSlides/notesSlide24.xml><?xml version="1.0" encoding="utf-8"?>
-<p:notes xmlns:a="http://schemas.openxmlformats.org/drawingml/2006/main" xmlns:r="http://schemas.openxmlformats.org/officeDocument/2006/relationships" xmlns:p="http://schemas.openxmlformats.org/presentationml/2006/main">
-  <p:cSld>
-    <p:spTree>
-      <p:nvGrpSpPr>
-        <p:cNvPr id="1" name=""/>
-        <p:cNvGrpSpPr/>
-        <p:nvPr/>
-      </p:nvGrpSpPr>
-      <p:grpSpPr>
-        <a:xfrm>
-          <a:off x="0" y="0"/>
-          <a:ext cx="0" cy="0"/>
-          <a:chOff x="0" y="0"/>
-          <a:chExt cx="0" cy="0"/>
-        </a:xfrm>
-      </p:grpSpPr>
-      <p:sp>
-        <p:nvSpPr>
-          <p:cNvPr id="2" name="Folienbildplatzhalter 1"/>
-          <p:cNvSpPr>
-            <a:spLocks noGrp="1" noRot="1" noChangeAspect="1"/>
-          </p:cNvSpPr>
-          <p:nvPr>
-            <p:ph type="sldImg"/>
-          </p:nvPr>
-        </p:nvSpPr>
-        <p:spPr/>
-      </p:sp>
-      <p:sp>
-        <p:nvSpPr>
-          <p:cNvPr id="3" name="Notizenplatzhalter 2"/>
-          <p:cNvSpPr>
-            <a:spLocks noGrp="1"/>
-          </p:cNvSpPr>
-          <p:nvPr>
-            <p:ph type="body" idx="1"/>
-          </p:nvPr>
-        </p:nvSpPr>
-        <p:spPr/>
-        <p:txBody>
-          <a:bodyPr/>
-          <a:lstStyle/>
-          <a:p>
-            <a:r>
-              <a:rPr lang="de-DE"/>
-              <a:t>
----
-Diese Folie verweist auf Informationen aus der folgenden Datei: https://mthcloud-my.sharepoint.com/personal/michael_lindner_mth-it-service_com/_layouts/15/Doc.aspx?sourcedoc=%7B02949F31-46F2-4540-9486-CB98BC3F9732%7D&amp;file=LastenHeft_TimeKeeper.docx&amp;action=default&amp;mobileredirect=true&amp;DefaultItemOpen=1
-Messdatenbeispiele von Zeitmesssystemen
-</a:t>
-            </a:r>
-          </a:p>
-        </p:txBody>
-      </p:sp>
-      <p:sp>
-        <p:nvSpPr>
-          <p:cNvPr id="4" name="Foliennummernplatzhalter 3"/>
-          <p:cNvSpPr>
-            <a:spLocks noGrp="1"/>
-          </p:cNvSpPr>
-          <p:nvPr>
-            <p:ph type="sldNum" sz="quarter" idx="5"/>
-          </p:nvPr>
-        </p:nvSpPr>
-        <p:spPr/>
-        <p:txBody>
-          <a:bodyPr/>
-          <a:lstStyle/>
-          <a:p>
-            <a:fld id="{AC9C01CF-28CC-45EB-BD49-DE0443939D77}" type="slidenum">
-              <a:rPr lang="de-DE" smtClean="0"/>
-              <a:t>24</a:t>
-            </a:fld>
-            <a:endParaRPr lang="de-DE"/>
-          </a:p>
-        </p:txBody>
-      </p:sp>
-    </p:spTree>
-    <p:extLst>
-      <p:ext uri="{BB962C8B-B14F-4D97-AF65-F5344CB8AC3E}">
-        <p14:creationId xmlns:p14="http://schemas.microsoft.com/office/powerpoint/2010/main" val="330536329"/>
-      </p:ext>
-    </p:extLst>
-  </p:cSld>
-  <p:clrMapOvr>
-    <a:masterClrMapping/>
-  </p:clrMapOvr>
-</p:notes>
-</file>
-
-<file path=ppt/notesSlides/notesSlide25.xml><?xml version="1.0" encoding="utf-8"?>
-<p:notes xmlns:a="http://schemas.openxmlformats.org/drawingml/2006/main" xmlns:r="http://schemas.openxmlformats.org/officeDocument/2006/relationships" xmlns:p="http://schemas.openxmlformats.org/presentationml/2006/main">
-  <p:cSld>
-    <p:spTree>
-      <p:nvGrpSpPr>
-        <p:cNvPr id="1" name=""/>
-        <p:cNvGrpSpPr/>
-        <p:nvPr/>
-      </p:nvGrpSpPr>
-      <p:grpSpPr>
-        <a:xfrm>
-          <a:off x="0" y="0"/>
-          <a:ext cx="0" cy="0"/>
-          <a:chOff x="0" y="0"/>
-          <a:chExt cx="0" cy="0"/>
-        </a:xfrm>
-      </p:grpSpPr>
-      <p:sp>
-        <p:nvSpPr>
-          <p:cNvPr id="2" name="Folienbildplatzhalter 1"/>
-          <p:cNvSpPr>
-            <a:spLocks noGrp="1" noRot="1" noChangeAspect="1"/>
-          </p:cNvSpPr>
-          <p:nvPr>
-            <p:ph type="sldImg"/>
-          </p:nvPr>
-        </p:nvSpPr>
-        <p:spPr/>
-      </p:sp>
-      <p:sp>
-        <p:nvSpPr>
-          <p:cNvPr id="3" name="Notizenplatzhalter 2"/>
-          <p:cNvSpPr>
-            <a:spLocks noGrp="1"/>
-          </p:cNvSpPr>
-          <p:nvPr>
-            <p:ph type="body" idx="1"/>
-          </p:nvPr>
-        </p:nvSpPr>
-        <p:spPr/>
-        <p:txBody>
-          <a:bodyPr/>
-          <a:lstStyle/>
-          <a:p>
-            <a:r>
-              <a:rPr lang="de-DE"/>
-              <a:t>5   Anhang / Ressourcen</a:t>
-            </a:r>
-          </a:p>
-        </p:txBody>
-      </p:sp>
-      <p:sp>
-        <p:nvSpPr>
-          <p:cNvPr id="4" name="Foliennummernplatzhalter 3"/>
-          <p:cNvSpPr>
-            <a:spLocks noGrp="1"/>
-          </p:cNvSpPr>
-          <p:nvPr>
-            <p:ph type="sldNum" sz="quarter" idx="5"/>
-          </p:nvPr>
-        </p:nvSpPr>
-        <p:spPr/>
-        <p:txBody>
-          <a:bodyPr/>
-          <a:lstStyle/>
-          <a:p>
-            <a:fld id="{AC9C01CF-28CC-45EB-BD49-DE0443939D77}" type="slidenum">
-              <a:rPr lang="de-DE" smtClean="0"/>
-              <a:t>25</a:t>
-            </a:fld>
-            <a:endParaRPr lang="de-DE"/>
-          </a:p>
-        </p:txBody>
-      </p:sp>
-    </p:spTree>
-    <p:extLst>
-      <p:ext uri="{BB962C8B-B14F-4D97-AF65-F5344CB8AC3E}">
-        <p14:creationId xmlns:p14="http://schemas.microsoft.com/office/powerpoint/2010/main" val="2252508449"/>
-      </p:ext>
-    </p:extLst>
-  </p:cSld>
-  <p:clrMapOvr>
-    <a:masterClrMapping/>
-  </p:clrMapOvr>
-</p:notes>
-</file>
-
-<file path=ppt/notesSlides/notesSlide26.xml><?xml version="1.0" encoding="utf-8"?>
-<p:notes xmlns:a="http://schemas.openxmlformats.org/drawingml/2006/main" xmlns:r="http://schemas.openxmlformats.org/officeDocument/2006/relationships" xmlns:p="http://schemas.openxmlformats.org/presentationml/2006/main">
-  <p:cSld>
-    <p:spTree>
-      <p:nvGrpSpPr>
-        <p:cNvPr id="1" name=""/>
-        <p:cNvGrpSpPr/>
-        <p:nvPr/>
-      </p:nvGrpSpPr>
-      <p:grpSpPr>
-        <a:xfrm>
-          <a:off x="0" y="0"/>
-          <a:ext cx="0" cy="0"/>
-          <a:chOff x="0" y="0"/>
-          <a:chExt cx="0" cy="0"/>
-        </a:xfrm>
-      </p:grpSpPr>
-      <p:sp>
-        <p:nvSpPr>
-          <p:cNvPr id="2" name="Folienbildplatzhalter 1"/>
-          <p:cNvSpPr>
-            <a:spLocks noGrp="1" noRot="1" noChangeAspect="1"/>
-          </p:cNvSpPr>
-          <p:nvPr>
-            <p:ph type="sldImg"/>
-          </p:nvPr>
-        </p:nvSpPr>
-        <p:spPr/>
-      </p:sp>
-      <p:sp>
-        <p:nvSpPr>
-          <p:cNvPr id="3" name="Notizenplatzhalter 2"/>
-          <p:cNvSpPr>
-            <a:spLocks noGrp="1"/>
-          </p:cNvSpPr>
-          <p:nvPr>
-            <p:ph type="body" idx="1"/>
-          </p:nvPr>
-        </p:nvSpPr>
-        <p:spPr/>
-        <p:txBody>
-          <a:bodyPr/>
-          <a:lstStyle/>
-          <a:p>
-            <a:r>
-              <a:rPr lang="de-DE"/>
-              <a:t>Zusammenfassend lässt sich sagen, dass TimeKeeper ein vielversprechendes Projekt ist, das darauf abzielt, die Zeitmanagementpraktiken zu revolutionieren. Durch die Implementierung der vorgestellten Anforderungen und Konzepte können wir sicherstellen, dass TimeKeeper den Benutzern einen echten Nutzen bietet.</a:t>
-            </a:r>
-          </a:p>
-        </p:txBody>
-      </p:sp>
-      <p:sp>
-        <p:nvSpPr>
-          <p:cNvPr id="4" name="Foliennummernplatzhalter 3"/>
-          <p:cNvSpPr>
-            <a:spLocks noGrp="1"/>
-          </p:cNvSpPr>
-          <p:nvPr>
-            <p:ph type="sldNum" sz="quarter" idx="5"/>
-          </p:nvPr>
-        </p:nvSpPr>
-        <p:spPr/>
-        <p:txBody>
-          <a:bodyPr/>
-          <a:lstStyle/>
-          <a:p>
-            <a:fld id="{AC9C01CF-28CC-45EB-BD49-DE0443939D77}" type="slidenum">
-              <a:rPr lang="de-DE" smtClean="0"/>
-              <a:t>26</a:t>
             </a:fld>
             <a:endParaRPr lang="de-DE"/>
           </a:p>
@@ -8897,7 +8346,7 @@
           <a:p>
             <a:fld id="{D1D1EADE-8E88-4C7C-8AC5-FB148DE4940E}" type="datetime1">
               <a:rPr lang="en-US" smtClean="0"/>
-              <a:t>3/21/2025</a:t>
+              <a:t>3/24/2025</a:t>
             </a:fld>
             <a:endParaRPr lang="en-US"/>
           </a:p>
@@ -9097,7 +8546,7 @@
           <a:p>
             <a:fld id="{EC3C8B9C-477D-492A-96AD-1FC2CC997A73}" type="datetime1">
               <a:rPr lang="en-US" smtClean="0"/>
-              <a:t>3/21/2025</a:t>
+              <a:t>3/24/2025</a:t>
             </a:fld>
             <a:endParaRPr lang="en-US"/>
           </a:p>
@@ -9307,7 +8756,7 @@
           <a:p>
             <a:fld id="{42D3AED5-E26D-4E29-B1B3-7847B6779594}" type="datetime1">
               <a:rPr lang="en-US" smtClean="0"/>
-              <a:t>3/21/2025</a:t>
+              <a:t>3/24/2025</a:t>
             </a:fld>
             <a:endParaRPr lang="en-US"/>
           </a:p>
@@ -9507,7 +8956,7 @@
           <a:p>
             <a:fld id="{157B6794-849E-4626-908B-D15793550EFB}" type="datetime1">
               <a:rPr lang="en-US" smtClean="0"/>
-              <a:t>3/21/2025</a:t>
+              <a:t>3/24/2025</a:t>
             </a:fld>
             <a:endParaRPr lang="en-US"/>
           </a:p>
@@ -9783,7 +9232,7 @@
           <a:p>
             <a:fld id="{63DB64E7-5594-42A3-ADBF-E95A7ACEAD64}" type="datetime1">
               <a:rPr lang="en-US" smtClean="0"/>
-              <a:t>3/21/2025</a:t>
+              <a:t>3/24/2025</a:t>
             </a:fld>
             <a:endParaRPr lang="en-US"/>
           </a:p>
@@ -10056,7 +9505,7 @@
           <a:p>
             <a:fld id="{18462B0B-D248-4FFB-8695-AD7FA4B1284A}" type="datetime1">
               <a:rPr lang="en-US" smtClean="0"/>
-              <a:t>3/21/2025</a:t>
+              <a:t>3/24/2025</a:t>
             </a:fld>
             <a:endParaRPr lang="en-US"/>
           </a:p>
@@ -10479,7 +9928,7 @@
           <a:p>
             <a:fld id="{D0378EFB-9159-4510-B73F-4F0409ADE937}" type="datetime1">
               <a:rPr lang="en-US" smtClean="0"/>
-              <a:t>3/21/2025</a:t>
+              <a:t>3/24/2025</a:t>
             </a:fld>
             <a:endParaRPr lang="en-US"/>
           </a:p>
@@ -10621,7 +10070,7 @@
           <a:p>
             <a:fld id="{89BC9412-2452-4BED-A324-9D8C115361AD}" type="datetime1">
               <a:rPr lang="en-US" smtClean="0"/>
-              <a:t>3/21/2025</a:t>
+              <a:t>3/24/2025</a:t>
             </a:fld>
             <a:endParaRPr lang="en-US"/>
           </a:p>
@@ -10734,7 +10183,7 @@
           <a:p>
             <a:fld id="{F5318F62-D251-40E8-A23C-F4CFE9FEAB41}" type="datetime1">
               <a:rPr lang="en-US" smtClean="0"/>
-              <a:t>3/21/2025</a:t>
+              <a:t>3/24/2025</a:t>
             </a:fld>
             <a:endParaRPr lang="en-US"/>
           </a:p>
@@ -11047,7 +10496,7 @@
           <a:p>
             <a:fld id="{44F76144-149E-4874-93A5-554A0357CF82}" type="datetime1">
               <a:rPr lang="en-US" smtClean="0"/>
-              <a:t>3/21/2025</a:t>
+              <a:t>3/24/2025</a:t>
             </a:fld>
             <a:endParaRPr lang="en-US"/>
           </a:p>
@@ -11340,7 +10789,7 @@
           <a:p>
             <a:fld id="{50BA65D8-0540-4835-AE5C-25D29DBA01BE}" type="datetime1">
               <a:rPr lang="en-US" smtClean="0"/>
-              <a:t>3/21/2025</a:t>
+              <a:t>3/24/2025</a:t>
             </a:fld>
             <a:endParaRPr lang="en-US"/>
           </a:p>
@@ -11582,7 +11031,7 @@
           <a:p>
             <a:fld id="{E31BA835-12AC-4E8F-955A-EA3F4DE2791F}" type="datetime1">
               <a:rPr lang="en-US" smtClean="0"/>
-              <a:t>3/21/2025</a:t>
+              <a:t>3/24/2025</a:t>
             </a:fld>
             <a:endParaRPr lang="en-US"/>
           </a:p>
@@ -12425,8 +11874,15 @@
               </a:lnSpc>
             </a:pPr>
             <a:r>
-              <a:rPr lang="de-DE" sz="5100"/>
-              <a:t>Erstellen einer Präsentation zum Thema TimeKeeper</a:t>
+              <a:rPr lang="de-DE" sz="5100" dirty="0" err="1"/>
+              <a:t>TimeKeeper</a:t>
+            </a:r>
+            <a:br>
+              <a:rPr lang="de-DE" sz="5100" dirty="0"/>
+            </a:br>
+            <a:r>
+              <a:rPr lang="de-DE" sz="2400" dirty="0"/>
+              <a:t>Sportzeitmessung</a:t>
             </a:r>
           </a:p>
         </p:txBody>
@@ -12903,2029 +12359,6 @@
           <p:cNvPr id="2" name="Titel 1">
             <a:extLst>
               <a:ext uri="{FF2B5EF4-FFF2-40B4-BE49-F238E27FC236}">
-                <a16:creationId xmlns:a16="http://schemas.microsoft.com/office/drawing/2014/main" id="{B1E6870C-3891-05F4-D582-BCDAFE7D6C30}"/>
-              </a:ext>
-            </a:extLst>
-          </p:cNvPr>
-          <p:cNvSpPr>
-            <a:spLocks noGrp="1"/>
-          </p:cNvSpPr>
-          <p:nvPr>
-            <p:ph type="ctrTitle"/>
-          </p:nvPr>
-        </p:nvSpPr>
-        <p:spPr>
-          <a:xfrm>
-            <a:off x="695324" y="1145308"/>
-            <a:ext cx="7600263" cy="4860947"/>
-          </a:xfrm>
-        </p:spPr>
-        <p:txBody>
-          <a:bodyPr anchor="b">
-            <a:normAutofit/>
-          </a:bodyPr>
-          <a:lstStyle/>
-          <a:p>
-            <a:r>
-              <a:rPr lang="de-DE" sz="7600"/>
-              <a:t>Verteiler und Freigabe</a:t>
-            </a:r>
-          </a:p>
-        </p:txBody>
-      </p:sp>
-      <p:cxnSp>
-        <p:nvCxnSpPr>
-          <p:cNvPr id="9" name="Straight Connector 8">
-            <a:extLst>
-              <a:ext uri="{FF2B5EF4-FFF2-40B4-BE49-F238E27FC236}">
-                <a16:creationId xmlns:a16="http://schemas.microsoft.com/office/drawing/2014/main" id="{67CEFA70-4D11-644F-D4FB-AFFE8747ECCA}"/>
-              </a:ext>
-              <a:ext uri="{C183D7F6-B498-43B3-948B-1728B52AA6E4}">
-                <adec:decorative xmlns:adec="http://schemas.microsoft.com/office/drawing/2017/decorative" val="1"/>
-              </a:ext>
-            </a:extLst>
-          </p:cNvPr>
-          <p:cNvCxnSpPr>
-            <a:cxnSpLocks noGrp="1" noRot="1" noChangeAspect="1" noMove="1" noResize="1" noEditPoints="1" noAdjustHandles="1" noChangeArrowheads="1" noChangeShapeType="1"/>
-          </p:cNvCxnSpPr>
-          <p:nvPr>
-            <p:extLst>
-              <p:ext uri="{386F3935-93C4-4BCD-93E2-E3B085C9AB24}">
-                <p16:designElem xmlns:p16="http://schemas.microsoft.com/office/powerpoint/2015/main" val="1"/>
-              </p:ext>
-            </p:extLst>
-          </p:nvPr>
-        </p:nvCxnSpPr>
-        <p:spPr>
-          <a:xfrm>
-            <a:off x="800100" y="6142781"/>
-            <a:ext cx="7554201" cy="0"/>
-          </a:xfrm>
-          <a:prstGeom prst="line">
-            <a:avLst/>
-          </a:prstGeom>
-          <a:ln w="12700">
-            <a:solidFill>
-              <a:schemeClr val="tx1"/>
-            </a:solidFill>
-          </a:ln>
-        </p:spPr>
-        <p:style>
-          <a:lnRef idx="1">
-            <a:schemeClr val="accent1"/>
-          </a:lnRef>
-          <a:fillRef idx="0">
-            <a:schemeClr val="accent1"/>
-          </a:fillRef>
-          <a:effectRef idx="0">
-            <a:schemeClr val="accent1"/>
-          </a:effectRef>
-          <a:fontRef idx="minor">
-            <a:schemeClr val="tx1"/>
-          </a:fontRef>
-        </p:style>
-      </p:cxnSp>
-    </p:spTree>
-    <p:extLst>
-      <p:ext uri="{BB962C8B-B14F-4D97-AF65-F5344CB8AC3E}">
-        <p14:creationId xmlns:p14="http://schemas.microsoft.com/office/powerpoint/2010/main" val="1553589593"/>
-      </p:ext>
-    </p:extLst>
-  </p:cSld>
-  <p:clrMapOvr>
-    <a:masterClrMapping/>
-  </p:clrMapOvr>
-  <p:transition>
-    <p:fade/>
-  </p:transition>
-  <p:timing>
-    <p:tnLst>
-      <p:par>
-        <p:cTn id="1" dur="indefinite" restart="never" nodeType="tmRoot">
-          <p:childTnLst>
-            <p:seq concurrent="1" nextAc="seek">
-              <p:cTn id="2" dur="indefinite" nodeType="mainSeq">
-                <p:childTnLst>
-                  <p:par>
-                    <p:cTn id="3" fill="hold">
-                      <p:stCondLst>
-                        <p:cond delay="indefinite"/>
-                        <p:cond evt="onBegin" delay="0">
-                          <p:tn val="2"/>
-                        </p:cond>
-                      </p:stCondLst>
-                      <p:childTnLst>
-                        <p:par>
-                          <p:cTn id="4" fill="hold">
-                            <p:stCondLst>
-                              <p:cond delay="0"/>
-                            </p:stCondLst>
-                            <p:childTnLst>
-                              <p:par>
-                                <p:cTn id="5" presetID="10" presetClass="entr" presetSubtype="0" fill="hold" grpId="0" nodeType="withEffect">
-                                  <p:stCondLst>
-                                    <p:cond delay="500"/>
-                                  </p:stCondLst>
-                                  <p:iterate>
-                                    <p:tmPct val="10000"/>
-                                  </p:iterate>
-                                  <p:childTnLst>
-                                    <p:set>
-                                      <p:cBhvr>
-                                        <p:cTn id="6" dur="1" fill="hold">
-                                          <p:stCondLst>
-                                            <p:cond delay="0"/>
-                                          </p:stCondLst>
-                                        </p:cTn>
-                                        <p:tgtEl>
-                                          <p:spTgt spid="2"/>
-                                        </p:tgtEl>
-                                        <p:attrNameLst>
-                                          <p:attrName>style.visibility</p:attrName>
-                                        </p:attrNameLst>
-                                      </p:cBhvr>
-                                      <p:to>
-                                        <p:strVal val="visible"/>
-                                      </p:to>
-                                    </p:set>
-                                    <p:animEffect transition="in" filter="fade">
-                                      <p:cBhvr>
-                                        <p:cTn id="7" dur="700"/>
-                                        <p:tgtEl>
-                                          <p:spTgt spid="2"/>
-                                        </p:tgtEl>
-                                      </p:cBhvr>
-                                    </p:animEffect>
-                                  </p:childTnLst>
-                                </p:cTn>
-                              </p:par>
-                            </p:childTnLst>
-                          </p:cTn>
-                        </p:par>
-                      </p:childTnLst>
-                    </p:cTn>
-                  </p:par>
-                </p:childTnLst>
-              </p:cTn>
-              <p:prevCondLst>
-                <p:cond evt="onPrev" delay="0">
-                  <p:tgtEl>
-                    <p:sldTgt/>
-                  </p:tgtEl>
-                </p:cond>
-              </p:prevCondLst>
-              <p:nextCondLst>
-                <p:cond evt="onNext" delay="0">
-                  <p:tgtEl>
-                    <p:sldTgt/>
-                  </p:tgtEl>
-                </p:cond>
-              </p:nextCondLst>
-            </p:seq>
-          </p:childTnLst>
-        </p:cTn>
-      </p:par>
-    </p:tnLst>
-    <p:bldLst>
-      <p:bldP spid="2" grpId="0"/>
-    </p:bldLst>
-  </p:timing>
-</p:sld>
-</file>
-
-<file path=ppt/slides/slide11.xml><?xml version="1.0" encoding="utf-8"?>
-<p:sld xmlns:a="http://schemas.openxmlformats.org/drawingml/2006/main" xmlns:r="http://schemas.openxmlformats.org/officeDocument/2006/relationships" xmlns:p="http://schemas.openxmlformats.org/presentationml/2006/main">
-  <p:cSld>
-    <p:bg>
-      <p:bgPr>
-        <a:solidFill>
-          <a:schemeClr val="bg1"/>
-        </a:solidFill>
-        <a:effectLst/>
-      </p:bgPr>
-    </p:bg>
-    <p:spTree>
-      <p:nvGrpSpPr>
-        <p:cNvPr id="1" name=""/>
-        <p:cNvGrpSpPr/>
-        <p:nvPr/>
-      </p:nvGrpSpPr>
-      <p:grpSpPr>
-        <a:xfrm>
-          <a:off x="0" y="0"/>
-          <a:ext cx="0" cy="0"/>
-          <a:chOff x="0" y="0"/>
-          <a:chExt cx="0" cy="0"/>
-        </a:xfrm>
-      </p:grpSpPr>
-      <p:sp useBgFill="1">
-        <p:nvSpPr>
-          <p:cNvPr id="10" name="Rectangle 9">
-            <a:extLst>
-              <a:ext uri="{FF2B5EF4-FFF2-40B4-BE49-F238E27FC236}">
-                <a16:creationId xmlns:a16="http://schemas.microsoft.com/office/drawing/2014/main" id="{F68B2C62-7648-4430-90D5-AE0F252AF113}"/>
-              </a:ext>
-              <a:ext uri="{C183D7F6-B498-43B3-948B-1728B52AA6E4}">
-                <adec:decorative xmlns:adec="http://schemas.microsoft.com/office/drawing/2017/decorative" val="1"/>
-              </a:ext>
-            </a:extLst>
-          </p:cNvPr>
-          <p:cNvSpPr>
-            <a:spLocks noGrp="1" noRot="1" noChangeAspect="1" noMove="1" noResize="1" noEditPoints="1" noAdjustHandles="1" noChangeArrowheads="1" noChangeShapeType="1" noTextEdit="1"/>
-          </p:cNvSpPr>
-          <p:nvPr>
-            <p:extLst>
-              <p:ext uri="{386F3935-93C4-4BCD-93E2-E3B085C9AB24}">
-                <p16:designElem xmlns:p16="http://schemas.microsoft.com/office/powerpoint/2015/main" val="1"/>
-              </p:ext>
-            </p:extLst>
-          </p:nvPr>
-        </p:nvSpPr>
-        <p:spPr>
-          <a:xfrm>
-            <a:off x="0" y="0"/>
-            <a:ext cx="12192000" cy="6858000"/>
-          </a:xfrm>
-          <a:prstGeom prst="rect">
-            <a:avLst/>
-          </a:prstGeom>
-          <a:ln w="12700" cap="flat" cmpd="sng" algn="ctr">
-            <a:noFill/>
-            <a:prstDash val="solid"/>
-            <a:miter lim="800000"/>
-          </a:ln>
-          <a:effectLst/>
-          <a:extLst>
-            <a:ext uri="{91240B29-F687-4F45-9708-019B960494DF}">
-              <a14:hiddenLine xmlns:a14="http://schemas.microsoft.com/office/drawing/2010/main" w="12700" cap="flat" cmpd="sng" algn="ctr">
-                <a:solidFill>
-                  <a:schemeClr val="accent1">
-                    <a:shade val="50000"/>
-                  </a:schemeClr>
-                </a:solidFill>
-                <a:prstDash val="solid"/>
-                <a:miter lim="800000"/>
-              </a14:hiddenLine>
-            </a:ext>
-          </a:extLst>
-        </p:spPr>
-        <p:style>
-          <a:lnRef idx="2">
-            <a:schemeClr val="accent1">
-              <a:shade val="50000"/>
-            </a:schemeClr>
-          </a:lnRef>
-          <a:fillRef idx="1">
-            <a:schemeClr val="accent1"/>
-          </a:fillRef>
-          <a:effectRef idx="0">
-            <a:schemeClr val="accent1"/>
-          </a:effectRef>
-          <a:fontRef idx="minor">
-            <a:schemeClr val="lt1"/>
-          </a:fontRef>
-        </p:style>
-        <p:txBody>
-          <a:bodyPr rtlCol="0" anchor="ctr"/>
-          <a:lstStyle/>
-          <a:p>
-            <a:pPr algn="ctr"/>
-            <a:endParaRPr lang="en-US"/>
-          </a:p>
-        </p:txBody>
-      </p:sp>
-      <p:sp>
-        <p:nvSpPr>
-          <p:cNvPr id="2" name="Titel 1">
-            <a:extLst>
-              <a:ext uri="{FF2B5EF4-FFF2-40B4-BE49-F238E27FC236}">
-                <a16:creationId xmlns:a16="http://schemas.microsoft.com/office/drawing/2014/main" id="{2D50C194-E462-161A-B3C9-A9DB1B3A4216}"/>
-              </a:ext>
-            </a:extLst>
-          </p:cNvPr>
-          <p:cNvSpPr>
-            <a:spLocks noGrp="1"/>
-          </p:cNvSpPr>
-          <p:nvPr>
-            <p:ph type="title"/>
-          </p:nvPr>
-        </p:nvSpPr>
-        <p:spPr>
-          <a:xfrm>
-            <a:off x="700087" y="909638"/>
-            <a:ext cx="10691813" cy="1155618"/>
-          </a:xfrm>
-        </p:spPr>
-        <p:txBody>
-          <a:bodyPr>
-            <a:normAutofit/>
-          </a:bodyPr>
-          <a:lstStyle/>
-          <a:p>
-            <a:r>
-              <a:rPr lang="de-DE"/>
-              <a:t>Verteiler für dieses Lastenheft</a:t>
-            </a:r>
-          </a:p>
-        </p:txBody>
-      </p:sp>
-      <p:cxnSp>
-        <p:nvCxnSpPr>
-          <p:cNvPr id="12" name="Straight Connector 11">
-            <a:extLst>
-              <a:ext uri="{FF2B5EF4-FFF2-40B4-BE49-F238E27FC236}">
-                <a16:creationId xmlns:a16="http://schemas.microsoft.com/office/drawing/2014/main" id="{AAD0195E-7F27-4D06-9427-0C121D721A14}"/>
-              </a:ext>
-              <a:ext uri="{C183D7F6-B498-43B3-948B-1728B52AA6E4}">
-                <adec:decorative xmlns:adec="http://schemas.microsoft.com/office/drawing/2017/decorative" val="1"/>
-              </a:ext>
-            </a:extLst>
-          </p:cNvPr>
-          <p:cNvCxnSpPr>
-            <a:cxnSpLocks noGrp="1" noRot="1" noChangeAspect="1" noMove="1" noResize="1" noEditPoints="1" noAdjustHandles="1" noChangeArrowheads="1" noChangeShapeType="1"/>
-          </p:cNvCxnSpPr>
-          <p:nvPr>
-            <p:extLst>
-              <p:ext uri="{386F3935-93C4-4BCD-93E2-E3B085C9AB24}">
-                <p16:designElem xmlns:p16="http://schemas.microsoft.com/office/powerpoint/2015/main" val="1"/>
-              </p:ext>
-            </p:extLst>
-          </p:nvPr>
-        </p:nvCxnSpPr>
-        <p:spPr>
-          <a:xfrm>
-            <a:off x="800100" y="723900"/>
-            <a:ext cx="10591800" cy="0"/>
-          </a:xfrm>
-          <a:prstGeom prst="line">
-            <a:avLst/>
-          </a:prstGeom>
-          <a:ln w="44450">
-            <a:solidFill>
-              <a:schemeClr val="tx1"/>
-            </a:solidFill>
-          </a:ln>
-        </p:spPr>
-        <p:style>
-          <a:lnRef idx="1">
-            <a:schemeClr val="accent1"/>
-          </a:lnRef>
-          <a:fillRef idx="0">
-            <a:schemeClr val="accent1"/>
-          </a:fillRef>
-          <a:effectRef idx="0">
-            <a:schemeClr val="accent1"/>
-          </a:effectRef>
-          <a:fontRef idx="minor">
-            <a:schemeClr val="tx1"/>
-          </a:fontRef>
-        </p:style>
-      </p:cxnSp>
-      <p:cxnSp>
-        <p:nvCxnSpPr>
-          <p:cNvPr id="14" name="Straight Connector 13">
-            <a:extLst>
-              <a:ext uri="{FF2B5EF4-FFF2-40B4-BE49-F238E27FC236}">
-                <a16:creationId xmlns:a16="http://schemas.microsoft.com/office/drawing/2014/main" id="{9D74C2FC-3228-4FC1-B97B-87AD35508D91}"/>
-              </a:ext>
-              <a:ext uri="{C183D7F6-B498-43B3-948B-1728B52AA6E4}">
-                <adec:decorative xmlns:adec="http://schemas.microsoft.com/office/drawing/2017/decorative" val="1"/>
-              </a:ext>
-            </a:extLst>
-          </p:cNvPr>
-          <p:cNvCxnSpPr>
-            <a:cxnSpLocks noGrp="1" noRot="1" noChangeAspect="1" noMove="1" noResize="1" noEditPoints="1" noAdjustHandles="1" noChangeArrowheads="1" noChangeShapeType="1"/>
-          </p:cNvCxnSpPr>
-          <p:nvPr>
-            <p:extLst>
-              <p:ext uri="{386F3935-93C4-4BCD-93E2-E3B085C9AB24}">
-                <p16:designElem xmlns:p16="http://schemas.microsoft.com/office/powerpoint/2015/main" val="1"/>
-              </p:ext>
-            </p:extLst>
-          </p:nvPr>
-        </p:nvCxnSpPr>
-        <p:spPr>
-          <a:xfrm>
-            <a:off x="800100" y="6142781"/>
-            <a:ext cx="10591800" cy="0"/>
-          </a:xfrm>
-          <a:prstGeom prst="line">
-            <a:avLst/>
-          </a:prstGeom>
-          <a:ln w="12700">
-            <a:solidFill>
-              <a:schemeClr val="tx1"/>
-            </a:solidFill>
-          </a:ln>
-        </p:spPr>
-        <p:style>
-          <a:lnRef idx="1">
-            <a:schemeClr val="accent1"/>
-          </a:lnRef>
-          <a:fillRef idx="0">
-            <a:schemeClr val="accent1"/>
-          </a:fillRef>
-          <a:effectRef idx="0">
-            <a:schemeClr val="accent1"/>
-          </a:effectRef>
-          <a:fontRef idx="minor">
-            <a:schemeClr val="tx1"/>
-          </a:fontRef>
-        </p:style>
-      </p:cxnSp>
-      <p:graphicFrame>
-        <p:nvGraphicFramePr>
-          <p:cNvPr id="5" name="Inhaltsplatzhalter 4">
-            <a:extLst>
-              <a:ext uri="{FF2B5EF4-FFF2-40B4-BE49-F238E27FC236}">
-                <a16:creationId xmlns:a16="http://schemas.microsoft.com/office/drawing/2014/main" id="{B0BF947F-1321-4B7A-BBBE-117C2D6C01BA}"/>
-              </a:ext>
-            </a:extLst>
-          </p:cNvPr>
-          <p:cNvGraphicFramePr>
-            <a:graphicFrameLocks noGrp="1"/>
-          </p:cNvGraphicFramePr>
-          <p:nvPr>
-            <p:ph idx="1"/>
-            <p:extLst>
-              <p:ext uri="{D42A27DB-BD31-4B8C-83A1-F6EECF244321}">
-                <p14:modId xmlns:p14="http://schemas.microsoft.com/office/powerpoint/2010/main" val="2574452584"/>
-              </p:ext>
-            </p:extLst>
-          </p:nvPr>
-        </p:nvGraphicFramePr>
-        <p:xfrm>
-          <a:off x="700088" y="2271007"/>
-          <a:ext cx="10691812" cy="3643135"/>
-        </p:xfrm>
-        <a:graphic>
-          <a:graphicData uri="http://schemas.openxmlformats.org/drawingml/2006/table">
-            <a:tbl>
-              <a:tblPr firstRow="1" firstCol="1" lastRow="1" lastCol="1" bandRow="1" bandCol="1">
-                <a:tableStyleId>{5C22544A-7EE6-4342-B048-85BDC9FD1C3A}</a:tableStyleId>
-              </a:tblPr>
-              <a:tblGrid>
-                <a:gridCol w="2556355">
-                  <a:extLst>
-                    <a:ext uri="{9D8B030D-6E8A-4147-A177-3AD203B41FA5}">
-                      <a16:colId xmlns:a16="http://schemas.microsoft.com/office/drawing/2014/main" val="3717245978"/>
-                    </a:ext>
-                  </a:extLst>
-                </a:gridCol>
-                <a:gridCol w="1830368">
-                  <a:extLst>
-                    <a:ext uri="{9D8B030D-6E8A-4147-A177-3AD203B41FA5}">
-                      <a16:colId xmlns:a16="http://schemas.microsoft.com/office/drawing/2014/main" val="56108928"/>
-                    </a:ext>
-                  </a:extLst>
-                </a:gridCol>
-                <a:gridCol w="1786369">
-                  <a:extLst>
-                    <a:ext uri="{9D8B030D-6E8A-4147-A177-3AD203B41FA5}">
-                      <a16:colId xmlns:a16="http://schemas.microsoft.com/office/drawing/2014/main" val="3264511808"/>
-                    </a:ext>
-                  </a:extLst>
-                </a:gridCol>
-                <a:gridCol w="1588373">
-                  <a:extLst>
-                    <a:ext uri="{9D8B030D-6E8A-4147-A177-3AD203B41FA5}">
-                      <a16:colId xmlns:a16="http://schemas.microsoft.com/office/drawing/2014/main" val="579332656"/>
-                    </a:ext>
-                  </a:extLst>
-                </a:gridCol>
-                <a:gridCol w="2930349">
-                  <a:extLst>
-                    <a:ext uri="{9D8B030D-6E8A-4147-A177-3AD203B41FA5}">
-                      <a16:colId xmlns:a16="http://schemas.microsoft.com/office/drawing/2014/main" val="4253618959"/>
-                    </a:ext>
-                  </a:extLst>
-                </a:gridCol>
-              </a:tblGrid>
-              <a:tr h="1013743">
-                <a:tc>
-                  <a:txBody>
-                    <a:bodyPr/>
-                    <a:lstStyle/>
-                    <a:p>
-                      <a:pPr>
-                        <a:buNone/>
-                      </a:pPr>
-                      <a:r>
-                        <a:rPr lang="de-DE" sz="3100">
-                          <a:effectLst/>
-                        </a:rPr>
-                        <a:t>Rolle / Rollen</a:t>
-                      </a:r>
-                    </a:p>
-                  </a:txBody>
-                  <a:tcPr marL="118798" marR="118798" marT="0" marB="0" anchor="ctr"/>
-                </a:tc>
-                <a:tc>
-                  <a:txBody>
-                    <a:bodyPr/>
-                    <a:lstStyle/>
-                    <a:p>
-                      <a:pPr>
-                        <a:buNone/>
-                      </a:pPr>
-                      <a:r>
-                        <a:rPr lang="de-DE" sz="3100">
-                          <a:effectLst/>
-                        </a:rPr>
-                        <a:t>Name</a:t>
-                      </a:r>
-                    </a:p>
-                  </a:txBody>
-                  <a:tcPr marL="118798" marR="118798" marT="0" marB="0" anchor="ctr"/>
-                </a:tc>
-                <a:tc>
-                  <a:txBody>
-                    <a:bodyPr/>
-                    <a:lstStyle/>
-                    <a:p>
-                      <a:pPr>
-                        <a:buNone/>
-                      </a:pPr>
-                      <a:r>
-                        <a:rPr lang="de-DE" sz="3100">
-                          <a:effectLst/>
-                        </a:rPr>
-                        <a:t>Telefon</a:t>
-                      </a:r>
-                    </a:p>
-                  </a:txBody>
-                  <a:tcPr marL="118798" marR="118798" marT="0" marB="0" anchor="ctr"/>
-                </a:tc>
-                <a:tc>
-                  <a:txBody>
-                    <a:bodyPr/>
-                    <a:lstStyle/>
-                    <a:p>
-                      <a:pPr>
-                        <a:buNone/>
-                      </a:pPr>
-                      <a:r>
-                        <a:rPr lang="de-DE" sz="3100">
-                          <a:effectLst/>
-                        </a:rPr>
-                        <a:t>E-Mail</a:t>
-                      </a:r>
-                    </a:p>
-                  </a:txBody>
-                  <a:tcPr marL="118798" marR="118798" marT="0" marB="0" anchor="ctr"/>
-                </a:tc>
-                <a:tc>
-                  <a:txBody>
-                    <a:bodyPr/>
-                    <a:lstStyle/>
-                    <a:p>
-                      <a:pPr>
-                        <a:buNone/>
-                      </a:pPr>
-                      <a:r>
-                        <a:rPr lang="de-DE" sz="3100">
-                          <a:effectLst/>
-                        </a:rPr>
-                        <a:t>Bemerkungen</a:t>
-                      </a:r>
-                    </a:p>
-                  </a:txBody>
-                  <a:tcPr marL="118798" marR="118798" marT="0" marB="0" anchor="ctr"/>
-                </a:tc>
-                <a:extLst>
-                  <a:ext uri="{0D108BD9-81ED-4DB2-BD59-A6C34878D82A}">
-                    <a16:rowId xmlns:a16="http://schemas.microsoft.com/office/drawing/2014/main" val="1924782212"/>
-                  </a:ext>
-                </a:extLst>
-              </a:tr>
-              <a:tr h="1013743">
-                <a:tc>
-                  <a:txBody>
-                    <a:bodyPr/>
-                    <a:lstStyle/>
-                    <a:p>
-                      <a:pPr>
-                        <a:buNone/>
-                      </a:pPr>
-                      <a:r>
-                        <a:rPr lang="de-DE" sz="3100">
-                          <a:effectLst/>
-                        </a:rPr>
-                        <a:t>Projektleiter</a:t>
-                      </a:r>
-                    </a:p>
-                  </a:txBody>
-                  <a:tcPr marL="118798" marR="118798" marT="0" marB="0" anchor="ctr"/>
-                </a:tc>
-                <a:tc>
-                  <a:txBody>
-                    <a:bodyPr/>
-                    <a:lstStyle/>
-                    <a:p>
-                      <a:pPr>
-                        <a:buNone/>
-                      </a:pPr>
-                      <a:r>
-                        <a:rPr lang="de-DE" sz="3100">
-                          <a:effectLst/>
-                        </a:rPr>
-                        <a:t>Michael Lindner</a:t>
-                      </a:r>
-                    </a:p>
-                  </a:txBody>
-                  <a:tcPr marL="118798" marR="118798" marT="0" marB="0" anchor="ctr"/>
-                </a:tc>
-                <a:tc>
-                  <a:txBody>
-                    <a:bodyPr/>
-                    <a:lstStyle/>
-                    <a:p>
-                      <a:pPr>
-                        <a:buNone/>
-                      </a:pPr>
-                      <a:r>
-                        <a:rPr lang="de-DE" sz="3100">
-                          <a:effectLst/>
-                        </a:rPr>
-                        <a:t> </a:t>
-                      </a:r>
-                    </a:p>
-                  </a:txBody>
-                  <a:tcPr marL="118798" marR="118798" marT="0" marB="0" anchor="ctr"/>
-                </a:tc>
-                <a:tc>
-                  <a:txBody>
-                    <a:bodyPr/>
-                    <a:lstStyle/>
-                    <a:p>
-                      <a:pPr>
-                        <a:buNone/>
-                      </a:pPr>
-                      <a:r>
-                        <a:rPr lang="de-DE" sz="3100">
-                          <a:effectLst/>
-                        </a:rPr>
-                        <a:t> </a:t>
-                      </a:r>
-                    </a:p>
-                  </a:txBody>
-                  <a:tcPr marL="118798" marR="118798" marT="0" marB="0" anchor="ctr"/>
-                </a:tc>
-                <a:tc>
-                  <a:txBody>
-                    <a:bodyPr/>
-                    <a:lstStyle/>
-                    <a:p>
-                      <a:pPr>
-                        <a:buNone/>
-                      </a:pPr>
-                      <a:r>
-                        <a:rPr lang="de-DE" sz="3100">
-                          <a:effectLst/>
-                        </a:rPr>
-                        <a:t> </a:t>
-                      </a:r>
-                    </a:p>
-                  </a:txBody>
-                  <a:tcPr marL="118798" marR="118798" marT="0" marB="0" anchor="ctr"/>
-                </a:tc>
-                <a:extLst>
-                  <a:ext uri="{0D108BD9-81ED-4DB2-BD59-A6C34878D82A}">
-                    <a16:rowId xmlns:a16="http://schemas.microsoft.com/office/drawing/2014/main" val="830151719"/>
-                  </a:ext>
-                </a:extLst>
-              </a:tr>
-              <a:tr h="538551">
-                <a:tc>
-                  <a:txBody>
-                    <a:bodyPr/>
-                    <a:lstStyle/>
-                    <a:p>
-                      <a:pPr>
-                        <a:buNone/>
-                      </a:pPr>
-                      <a:r>
-                        <a:rPr lang="de-DE" sz="3100">
-                          <a:effectLst/>
-                        </a:rPr>
-                        <a:t> </a:t>
-                      </a:r>
-                    </a:p>
-                  </a:txBody>
-                  <a:tcPr marL="118798" marR="118798" marT="0" marB="0" anchor="ctr"/>
-                </a:tc>
-                <a:tc>
-                  <a:txBody>
-                    <a:bodyPr/>
-                    <a:lstStyle/>
-                    <a:p>
-                      <a:pPr>
-                        <a:buNone/>
-                      </a:pPr>
-                      <a:r>
-                        <a:rPr lang="de-DE" sz="3100">
-                          <a:effectLst/>
-                        </a:rPr>
-                        <a:t> </a:t>
-                      </a:r>
-                    </a:p>
-                  </a:txBody>
-                  <a:tcPr marL="118798" marR="118798" marT="0" marB="0" anchor="ctr"/>
-                </a:tc>
-                <a:tc>
-                  <a:txBody>
-                    <a:bodyPr/>
-                    <a:lstStyle/>
-                    <a:p>
-                      <a:pPr>
-                        <a:buNone/>
-                      </a:pPr>
-                      <a:r>
-                        <a:rPr lang="de-DE" sz="3100">
-                          <a:effectLst/>
-                        </a:rPr>
-                        <a:t> </a:t>
-                      </a:r>
-                    </a:p>
-                  </a:txBody>
-                  <a:tcPr marL="118798" marR="118798" marT="0" marB="0" anchor="ctr"/>
-                </a:tc>
-                <a:tc>
-                  <a:txBody>
-                    <a:bodyPr/>
-                    <a:lstStyle/>
-                    <a:p>
-                      <a:pPr>
-                        <a:buNone/>
-                      </a:pPr>
-                      <a:r>
-                        <a:rPr lang="de-DE" sz="3100">
-                          <a:effectLst/>
-                        </a:rPr>
-                        <a:t> </a:t>
-                      </a:r>
-                    </a:p>
-                  </a:txBody>
-                  <a:tcPr marL="118798" marR="118798" marT="0" marB="0" anchor="ctr"/>
-                </a:tc>
-                <a:tc>
-                  <a:txBody>
-                    <a:bodyPr/>
-                    <a:lstStyle/>
-                    <a:p>
-                      <a:pPr>
-                        <a:buNone/>
-                      </a:pPr>
-                      <a:r>
-                        <a:rPr lang="de-DE" sz="3100">
-                          <a:effectLst/>
-                        </a:rPr>
-                        <a:t> </a:t>
-                      </a:r>
-                    </a:p>
-                  </a:txBody>
-                  <a:tcPr marL="118798" marR="118798" marT="0" marB="0" anchor="ctr"/>
-                </a:tc>
-                <a:extLst>
-                  <a:ext uri="{0D108BD9-81ED-4DB2-BD59-A6C34878D82A}">
-                    <a16:rowId xmlns:a16="http://schemas.microsoft.com/office/drawing/2014/main" val="2643542531"/>
-                  </a:ext>
-                </a:extLst>
-              </a:tr>
-              <a:tr h="538551">
-                <a:tc>
-                  <a:txBody>
-                    <a:bodyPr/>
-                    <a:lstStyle/>
-                    <a:p>
-                      <a:pPr>
-                        <a:buNone/>
-                      </a:pPr>
-                      <a:r>
-                        <a:rPr lang="de-DE" sz="3100">
-                          <a:effectLst/>
-                        </a:rPr>
-                        <a:t> </a:t>
-                      </a:r>
-                    </a:p>
-                  </a:txBody>
-                  <a:tcPr marL="118798" marR="118798" marT="0" marB="0" anchor="ctr"/>
-                </a:tc>
-                <a:tc>
-                  <a:txBody>
-                    <a:bodyPr/>
-                    <a:lstStyle/>
-                    <a:p>
-                      <a:pPr>
-                        <a:buNone/>
-                      </a:pPr>
-                      <a:r>
-                        <a:rPr lang="de-DE" sz="3100">
-                          <a:effectLst/>
-                        </a:rPr>
-                        <a:t> </a:t>
-                      </a:r>
-                    </a:p>
-                  </a:txBody>
-                  <a:tcPr marL="118798" marR="118798" marT="0" marB="0" anchor="ctr"/>
-                </a:tc>
-                <a:tc>
-                  <a:txBody>
-                    <a:bodyPr/>
-                    <a:lstStyle/>
-                    <a:p>
-                      <a:pPr>
-                        <a:buNone/>
-                      </a:pPr>
-                      <a:r>
-                        <a:rPr lang="de-DE" sz="3100">
-                          <a:effectLst/>
-                        </a:rPr>
-                        <a:t> </a:t>
-                      </a:r>
-                    </a:p>
-                  </a:txBody>
-                  <a:tcPr marL="118798" marR="118798" marT="0" marB="0" anchor="ctr"/>
-                </a:tc>
-                <a:tc>
-                  <a:txBody>
-                    <a:bodyPr/>
-                    <a:lstStyle/>
-                    <a:p>
-                      <a:pPr>
-                        <a:buNone/>
-                      </a:pPr>
-                      <a:r>
-                        <a:rPr lang="de-DE" sz="3100">
-                          <a:effectLst/>
-                        </a:rPr>
-                        <a:t> </a:t>
-                      </a:r>
-                    </a:p>
-                  </a:txBody>
-                  <a:tcPr marL="118798" marR="118798" marT="0" marB="0" anchor="ctr"/>
-                </a:tc>
-                <a:tc>
-                  <a:txBody>
-                    <a:bodyPr/>
-                    <a:lstStyle/>
-                    <a:p>
-                      <a:pPr>
-                        <a:buNone/>
-                      </a:pPr>
-                      <a:r>
-                        <a:rPr lang="de-DE" sz="3100">
-                          <a:effectLst/>
-                        </a:rPr>
-                        <a:t> </a:t>
-                      </a:r>
-                    </a:p>
-                  </a:txBody>
-                  <a:tcPr marL="118798" marR="118798" marT="0" marB="0" anchor="ctr"/>
-                </a:tc>
-                <a:extLst>
-                  <a:ext uri="{0D108BD9-81ED-4DB2-BD59-A6C34878D82A}">
-                    <a16:rowId xmlns:a16="http://schemas.microsoft.com/office/drawing/2014/main" val="2779632464"/>
-                  </a:ext>
-                </a:extLst>
-              </a:tr>
-              <a:tr h="538551">
-                <a:tc>
-                  <a:txBody>
-                    <a:bodyPr/>
-                    <a:lstStyle/>
-                    <a:p>
-                      <a:pPr>
-                        <a:buNone/>
-                      </a:pPr>
-                      <a:r>
-                        <a:rPr lang="de-DE" sz="3100">
-                          <a:effectLst/>
-                        </a:rPr>
-                        <a:t> </a:t>
-                      </a:r>
-                    </a:p>
-                  </a:txBody>
-                  <a:tcPr marL="118798" marR="118798" marT="0" marB="0" anchor="ctr"/>
-                </a:tc>
-                <a:tc>
-                  <a:txBody>
-                    <a:bodyPr/>
-                    <a:lstStyle/>
-                    <a:p>
-                      <a:pPr>
-                        <a:buNone/>
-                      </a:pPr>
-                      <a:r>
-                        <a:rPr lang="de-DE" sz="3100">
-                          <a:effectLst/>
-                        </a:rPr>
-                        <a:t> </a:t>
-                      </a:r>
-                    </a:p>
-                  </a:txBody>
-                  <a:tcPr marL="118798" marR="118798" marT="0" marB="0" anchor="ctr"/>
-                </a:tc>
-                <a:tc>
-                  <a:txBody>
-                    <a:bodyPr/>
-                    <a:lstStyle/>
-                    <a:p>
-                      <a:pPr>
-                        <a:buNone/>
-                      </a:pPr>
-                      <a:r>
-                        <a:rPr lang="de-DE" sz="3100">
-                          <a:effectLst/>
-                        </a:rPr>
-                        <a:t> </a:t>
-                      </a:r>
-                    </a:p>
-                  </a:txBody>
-                  <a:tcPr marL="118798" marR="118798" marT="0" marB="0" anchor="ctr"/>
-                </a:tc>
-                <a:tc>
-                  <a:txBody>
-                    <a:bodyPr/>
-                    <a:lstStyle/>
-                    <a:p>
-                      <a:pPr>
-                        <a:buNone/>
-                      </a:pPr>
-                      <a:r>
-                        <a:rPr lang="de-DE" sz="3100">
-                          <a:effectLst/>
-                        </a:rPr>
-                        <a:t> </a:t>
-                      </a:r>
-                    </a:p>
-                  </a:txBody>
-                  <a:tcPr marL="118798" marR="118798" marT="0" marB="0" anchor="ctr"/>
-                </a:tc>
-                <a:tc>
-                  <a:txBody>
-                    <a:bodyPr/>
-                    <a:lstStyle/>
-                    <a:p>
-                      <a:pPr>
-                        <a:buNone/>
-                      </a:pPr>
-                      <a:r>
-                        <a:rPr lang="de-DE" sz="3100">
-                          <a:effectLst/>
-                        </a:rPr>
-                        <a:t> </a:t>
-                      </a:r>
-                    </a:p>
-                  </a:txBody>
-                  <a:tcPr marL="118798" marR="118798" marT="0" marB="0" anchor="ctr"/>
-                </a:tc>
-                <a:extLst>
-                  <a:ext uri="{0D108BD9-81ED-4DB2-BD59-A6C34878D82A}">
-                    <a16:rowId xmlns:a16="http://schemas.microsoft.com/office/drawing/2014/main" val="358702074"/>
-                  </a:ext>
-                </a:extLst>
-              </a:tr>
-            </a:tbl>
-          </a:graphicData>
-        </a:graphic>
-      </p:graphicFrame>
-    </p:spTree>
-    <p:extLst>
-      <p:ext uri="{BB962C8B-B14F-4D97-AF65-F5344CB8AC3E}">
-        <p14:creationId xmlns:p14="http://schemas.microsoft.com/office/powerpoint/2010/main" val="2962734997"/>
-      </p:ext>
-    </p:extLst>
-  </p:cSld>
-  <p:clrMapOvr>
-    <a:masterClrMapping/>
-  </p:clrMapOvr>
-  <p:transition>
-    <p:fade/>
-  </p:transition>
-</p:sld>
-</file>
-
-<file path=ppt/slides/slide12.xml><?xml version="1.0" encoding="utf-8"?>
-<p:sld xmlns:a="http://schemas.openxmlformats.org/drawingml/2006/main" xmlns:r="http://schemas.openxmlformats.org/officeDocument/2006/relationships" xmlns:p="http://schemas.openxmlformats.org/presentationml/2006/main">
-  <p:cSld>
-    <p:bg>
-      <p:bgPr>
-        <a:solidFill>
-          <a:schemeClr val="bg1"/>
-        </a:solidFill>
-        <a:effectLst/>
-      </p:bgPr>
-    </p:bg>
-    <p:spTree>
-      <p:nvGrpSpPr>
-        <p:cNvPr id="1" name=""/>
-        <p:cNvGrpSpPr/>
-        <p:nvPr/>
-      </p:nvGrpSpPr>
-      <p:grpSpPr>
-        <a:xfrm>
-          <a:off x="0" y="0"/>
-          <a:ext cx="0" cy="0"/>
-          <a:chOff x="0" y="0"/>
-          <a:chExt cx="0" cy="0"/>
-        </a:xfrm>
-      </p:grpSpPr>
-      <p:sp useBgFill="1">
-        <p:nvSpPr>
-          <p:cNvPr id="7" name="Rectangle 6">
-            <a:extLst>
-              <a:ext uri="{FF2B5EF4-FFF2-40B4-BE49-F238E27FC236}">
-                <a16:creationId xmlns:a16="http://schemas.microsoft.com/office/drawing/2014/main" id="{DEF92653-5D6D-47E6-8744-0DAF76E049C4}"/>
-              </a:ext>
-              <a:ext uri="{C183D7F6-B498-43B3-948B-1728B52AA6E4}">
-                <adec:decorative xmlns:adec="http://schemas.microsoft.com/office/drawing/2017/decorative" val="1"/>
-              </a:ext>
-            </a:extLst>
-          </p:cNvPr>
-          <p:cNvSpPr>
-            <a:spLocks noGrp="1" noRot="1" noChangeAspect="1" noMove="1" noResize="1" noEditPoints="1" noAdjustHandles="1" noChangeArrowheads="1" noChangeShapeType="1" noTextEdit="1"/>
-          </p:cNvSpPr>
-          <p:nvPr>
-            <p:extLst>
-              <p:ext uri="{386F3935-93C4-4BCD-93E2-E3B085C9AB24}">
-                <p16:designElem xmlns:p16="http://schemas.microsoft.com/office/powerpoint/2015/main" val="1"/>
-              </p:ext>
-            </p:extLst>
-          </p:nvPr>
-        </p:nvSpPr>
-        <p:spPr>
-          <a:xfrm>
-            <a:off x="0" y="0"/>
-            <a:ext cx="12192000" cy="6858000"/>
-          </a:xfrm>
-          <a:prstGeom prst="rect">
-            <a:avLst/>
-          </a:prstGeom>
-          <a:ln w="12700" cap="flat" cmpd="sng" algn="ctr">
-            <a:noFill/>
-            <a:prstDash val="solid"/>
-            <a:miter lim="800000"/>
-          </a:ln>
-          <a:effectLst/>
-        </p:spPr>
-        <p:style>
-          <a:lnRef idx="2">
-            <a:schemeClr val="accent1">
-              <a:shade val="50000"/>
-            </a:schemeClr>
-          </a:lnRef>
-          <a:fillRef idx="1">
-            <a:schemeClr val="accent1"/>
-          </a:fillRef>
-          <a:effectRef idx="0">
-            <a:schemeClr val="accent1"/>
-          </a:effectRef>
-          <a:fontRef idx="minor">
-            <a:schemeClr val="lt1"/>
-          </a:fontRef>
-        </p:style>
-        <p:txBody>
-          <a:bodyPr rtlCol="0" anchor="ctr"/>
-          <a:lstStyle/>
-          <a:p>
-            <a:pPr marL="0" marR="0" lvl="0" indent="0" algn="ctr" defTabSz="914400" rtl="0" eaLnBrk="1" fontAlgn="auto" latinLnBrk="0" hangingPunct="1">
-              <a:lnSpc>
-                <a:spcPct val="100000"/>
-              </a:lnSpc>
-              <a:spcBef>
-                <a:spcPts val="0"/>
-              </a:spcBef>
-              <a:spcAft>
-                <a:spcPts val="0"/>
-              </a:spcAft>
-              <a:buClrTx/>
-              <a:buSzTx/>
-              <a:buFontTx/>
-              <a:buNone/>
-              <a:tabLst/>
-              <a:defRPr/>
-            </a:pPr>
-            <a:endParaRPr kumimoji="0" lang="en-US" sz="1800" b="0" i="0" u="none" strike="noStrike" kern="1200" cap="none" spc="0" normalizeH="0" baseline="0" noProof="0">
-              <a:ln>
-                <a:noFill/>
-              </a:ln>
-              <a:solidFill>
-                <a:srgbClr val="FFFFFF"/>
-              </a:solidFill>
-              <a:effectLst/>
-              <a:uLnTx/>
-              <a:uFillTx/>
-              <a:latin typeface="Calisto MT"/>
-              <a:ea typeface="+mn-ea"/>
-              <a:cs typeface="+mn-cs"/>
-            </a:endParaRPr>
-          </a:p>
-        </p:txBody>
-      </p:sp>
-      <p:sp>
-        <p:nvSpPr>
-          <p:cNvPr id="2" name="Titel 1">
-            <a:extLst>
-              <a:ext uri="{FF2B5EF4-FFF2-40B4-BE49-F238E27FC236}">
-                <a16:creationId xmlns:a16="http://schemas.microsoft.com/office/drawing/2014/main" id="{39B25398-C2EC-A8D3-EB96-9ED58C16C117}"/>
-              </a:ext>
-            </a:extLst>
-          </p:cNvPr>
-          <p:cNvSpPr>
-            <a:spLocks noGrp="1"/>
-          </p:cNvSpPr>
-          <p:nvPr>
-            <p:ph type="ctrTitle"/>
-          </p:nvPr>
-        </p:nvSpPr>
-        <p:spPr>
-          <a:xfrm>
-            <a:off x="695324" y="1145308"/>
-            <a:ext cx="7600263" cy="4860947"/>
-          </a:xfrm>
-        </p:spPr>
-        <p:txBody>
-          <a:bodyPr anchor="b">
-            <a:normAutofit/>
-          </a:bodyPr>
-          <a:lstStyle/>
-          <a:p>
-            <a:r>
-              <a:rPr lang="de-DE" sz="7000"/>
-              <a:t>Reviewvermerke und Meeting-Protokolle</a:t>
-            </a:r>
-          </a:p>
-        </p:txBody>
-      </p:sp>
-      <p:cxnSp>
-        <p:nvCxnSpPr>
-          <p:cNvPr id="9" name="Straight Connector 8">
-            <a:extLst>
-              <a:ext uri="{FF2B5EF4-FFF2-40B4-BE49-F238E27FC236}">
-                <a16:creationId xmlns:a16="http://schemas.microsoft.com/office/drawing/2014/main" id="{67CEFA70-4D11-644F-D4FB-AFFE8747ECCA}"/>
-              </a:ext>
-              <a:ext uri="{C183D7F6-B498-43B3-948B-1728B52AA6E4}">
-                <adec:decorative xmlns:adec="http://schemas.microsoft.com/office/drawing/2017/decorative" val="1"/>
-              </a:ext>
-            </a:extLst>
-          </p:cNvPr>
-          <p:cNvCxnSpPr>
-            <a:cxnSpLocks noGrp="1" noRot="1" noChangeAspect="1" noMove="1" noResize="1" noEditPoints="1" noAdjustHandles="1" noChangeArrowheads="1" noChangeShapeType="1"/>
-          </p:cNvCxnSpPr>
-          <p:nvPr>
-            <p:extLst>
-              <p:ext uri="{386F3935-93C4-4BCD-93E2-E3B085C9AB24}">
-                <p16:designElem xmlns:p16="http://schemas.microsoft.com/office/powerpoint/2015/main" val="1"/>
-              </p:ext>
-            </p:extLst>
-          </p:nvPr>
-        </p:nvCxnSpPr>
-        <p:spPr>
-          <a:xfrm>
-            <a:off x="800100" y="6142781"/>
-            <a:ext cx="7554201" cy="0"/>
-          </a:xfrm>
-          <a:prstGeom prst="line">
-            <a:avLst/>
-          </a:prstGeom>
-          <a:ln w="12700">
-            <a:solidFill>
-              <a:schemeClr val="tx1"/>
-            </a:solidFill>
-          </a:ln>
-        </p:spPr>
-        <p:style>
-          <a:lnRef idx="1">
-            <a:schemeClr val="accent1"/>
-          </a:lnRef>
-          <a:fillRef idx="0">
-            <a:schemeClr val="accent1"/>
-          </a:fillRef>
-          <a:effectRef idx="0">
-            <a:schemeClr val="accent1"/>
-          </a:effectRef>
-          <a:fontRef idx="minor">
-            <a:schemeClr val="tx1"/>
-          </a:fontRef>
-        </p:style>
-      </p:cxnSp>
-    </p:spTree>
-    <p:extLst>
-      <p:ext uri="{BB962C8B-B14F-4D97-AF65-F5344CB8AC3E}">
-        <p14:creationId xmlns:p14="http://schemas.microsoft.com/office/powerpoint/2010/main" val="1880518455"/>
-      </p:ext>
-    </p:extLst>
-  </p:cSld>
-  <p:clrMapOvr>
-    <a:masterClrMapping/>
-  </p:clrMapOvr>
-  <p:transition>
-    <p:fade/>
-  </p:transition>
-  <p:timing>
-    <p:tnLst>
-      <p:par>
-        <p:cTn id="1" dur="indefinite" restart="never" nodeType="tmRoot">
-          <p:childTnLst>
-            <p:seq concurrent="1" nextAc="seek">
-              <p:cTn id="2" dur="indefinite" nodeType="mainSeq">
-                <p:childTnLst>
-                  <p:par>
-                    <p:cTn id="3" fill="hold">
-                      <p:stCondLst>
-                        <p:cond delay="indefinite"/>
-                        <p:cond evt="onBegin" delay="0">
-                          <p:tn val="2"/>
-                        </p:cond>
-                      </p:stCondLst>
-                      <p:childTnLst>
-                        <p:par>
-                          <p:cTn id="4" fill="hold">
-                            <p:stCondLst>
-                              <p:cond delay="0"/>
-                            </p:stCondLst>
-                            <p:childTnLst>
-                              <p:par>
-                                <p:cTn id="5" presetID="10" presetClass="entr" presetSubtype="0" fill="hold" grpId="0" nodeType="withEffect">
-                                  <p:stCondLst>
-                                    <p:cond delay="500"/>
-                                  </p:stCondLst>
-                                  <p:iterate type="lt">
-                                    <p:tmPct val="10000"/>
-                                  </p:iterate>
-                                  <p:childTnLst>
-                                    <p:set>
-                                      <p:cBhvr>
-                                        <p:cTn id="6" dur="1" fill="hold">
-                                          <p:stCondLst>
-                                            <p:cond delay="0"/>
-                                          </p:stCondLst>
-                                        </p:cTn>
-                                        <p:tgtEl>
-                                          <p:spTgt spid="2"/>
-                                        </p:tgtEl>
-                                        <p:attrNameLst>
-                                          <p:attrName>style.visibility</p:attrName>
-                                        </p:attrNameLst>
-                                      </p:cBhvr>
-                                      <p:to>
-                                        <p:strVal val="visible"/>
-                                      </p:to>
-                                    </p:set>
-                                    <p:animEffect transition="in" filter="fade">
-                                      <p:cBhvr>
-                                        <p:cTn id="7" dur="400"/>
-                                        <p:tgtEl>
-                                          <p:spTgt spid="2"/>
-                                        </p:tgtEl>
-                                      </p:cBhvr>
-                                    </p:animEffect>
-                                  </p:childTnLst>
-                                </p:cTn>
-                              </p:par>
-                            </p:childTnLst>
-                          </p:cTn>
-                        </p:par>
-                      </p:childTnLst>
-                    </p:cTn>
-                  </p:par>
-                </p:childTnLst>
-              </p:cTn>
-              <p:prevCondLst>
-                <p:cond evt="onPrev" delay="0">
-                  <p:tgtEl>
-                    <p:sldTgt/>
-                  </p:tgtEl>
-                </p:cond>
-              </p:prevCondLst>
-              <p:nextCondLst>
-                <p:cond evt="onNext" delay="0">
-                  <p:tgtEl>
-                    <p:sldTgt/>
-                  </p:tgtEl>
-                </p:cond>
-              </p:nextCondLst>
-            </p:seq>
-          </p:childTnLst>
-        </p:cTn>
-      </p:par>
-    </p:tnLst>
-    <p:bldLst>
-      <p:bldP spid="2" grpId="0"/>
-    </p:bldLst>
-  </p:timing>
-</p:sld>
-</file>
-
-<file path=ppt/slides/slide13.xml><?xml version="1.0" encoding="utf-8"?>
-<p:sld xmlns:a="http://schemas.openxmlformats.org/drawingml/2006/main" xmlns:r="http://schemas.openxmlformats.org/officeDocument/2006/relationships" xmlns:p="http://schemas.openxmlformats.org/presentationml/2006/main">
-  <p:cSld>
-    <p:bg>
-      <p:bgPr>
-        <a:solidFill>
-          <a:schemeClr val="bg1"/>
-        </a:solidFill>
-        <a:effectLst/>
-      </p:bgPr>
-    </p:bg>
-    <p:spTree>
-      <p:nvGrpSpPr>
-        <p:cNvPr id="1" name=""/>
-        <p:cNvGrpSpPr/>
-        <p:nvPr/>
-      </p:nvGrpSpPr>
-      <p:grpSpPr>
-        <a:xfrm>
-          <a:off x="0" y="0"/>
-          <a:ext cx="0" cy="0"/>
-          <a:chOff x="0" y="0"/>
-          <a:chExt cx="0" cy="0"/>
-        </a:xfrm>
-      </p:grpSpPr>
-      <p:cxnSp>
-        <p:nvCxnSpPr>
-          <p:cNvPr id="10" name="Straight Connector 9">
-            <a:extLst>
-              <a:ext uri="{FF2B5EF4-FFF2-40B4-BE49-F238E27FC236}">
-                <a16:creationId xmlns:a16="http://schemas.microsoft.com/office/drawing/2014/main" id="{F64F9B95-9045-48D2-B9F3-2927E98F54AA}"/>
-              </a:ext>
-              <a:ext uri="{C183D7F6-B498-43B3-948B-1728B52AA6E4}">
-                <adec:decorative xmlns:adec="http://schemas.microsoft.com/office/drawing/2017/decorative" val="1"/>
-              </a:ext>
-            </a:extLst>
-          </p:cNvPr>
-          <p:cNvCxnSpPr>
-            <a:cxnSpLocks noGrp="1" noRot="1" noChangeAspect="1" noMove="1" noResize="1" noEditPoints="1" noAdjustHandles="1" noChangeArrowheads="1" noChangeShapeType="1"/>
-          </p:cNvCxnSpPr>
-          <p:nvPr>
-            <p:extLst>
-              <p:ext uri="{386F3935-93C4-4BCD-93E2-E3B085C9AB24}">
-                <p16:designElem xmlns:p16="http://schemas.microsoft.com/office/powerpoint/2015/main" val="1"/>
-              </p:ext>
-            </p:extLst>
-          </p:nvPr>
-        </p:nvCxnSpPr>
-        <p:spPr>
-          <a:xfrm>
-            <a:off x="800100" y="723900"/>
-            <a:ext cx="10591800" cy="0"/>
-          </a:xfrm>
-          <a:prstGeom prst="line">
-            <a:avLst/>
-          </a:prstGeom>
-          <a:ln w="44450">
-            <a:solidFill>
-              <a:schemeClr val="tx1"/>
-            </a:solidFill>
-          </a:ln>
-        </p:spPr>
-        <p:style>
-          <a:lnRef idx="1">
-            <a:schemeClr val="accent1"/>
-          </a:lnRef>
-          <a:fillRef idx="0">
-            <a:schemeClr val="accent1"/>
-          </a:fillRef>
-          <a:effectRef idx="0">
-            <a:schemeClr val="accent1"/>
-          </a:effectRef>
-          <a:fontRef idx="minor">
-            <a:schemeClr val="tx1"/>
-          </a:fontRef>
-        </p:style>
-      </p:cxnSp>
-      <p:cxnSp>
-        <p:nvCxnSpPr>
-          <p:cNvPr id="12" name="Straight Connector 11">
-            <a:extLst>
-              <a:ext uri="{FF2B5EF4-FFF2-40B4-BE49-F238E27FC236}">
-                <a16:creationId xmlns:a16="http://schemas.microsoft.com/office/drawing/2014/main" id="{085AA86F-6A4D-4BCB-A045-D992CDC2959B}"/>
-              </a:ext>
-              <a:ext uri="{C183D7F6-B498-43B3-948B-1728B52AA6E4}">
-                <adec:decorative xmlns:adec="http://schemas.microsoft.com/office/drawing/2017/decorative" val="1"/>
-              </a:ext>
-            </a:extLst>
-          </p:cNvPr>
-          <p:cNvCxnSpPr>
-            <a:cxnSpLocks noGrp="1" noRot="1" noChangeAspect="1" noMove="1" noResize="1" noEditPoints="1" noAdjustHandles="1" noChangeArrowheads="1" noChangeShapeType="1"/>
-          </p:cNvCxnSpPr>
-          <p:nvPr>
-            <p:extLst>
-              <p:ext uri="{386F3935-93C4-4BCD-93E2-E3B085C9AB24}">
-                <p16:designElem xmlns:p16="http://schemas.microsoft.com/office/powerpoint/2015/main" val="1"/>
-              </p:ext>
-            </p:extLst>
-          </p:nvPr>
-        </p:nvCxnSpPr>
-        <p:spPr>
-          <a:xfrm>
-            <a:off x="800100" y="6142781"/>
-            <a:ext cx="10591800" cy="0"/>
-          </a:xfrm>
-          <a:prstGeom prst="line">
-            <a:avLst/>
-          </a:prstGeom>
-          <a:ln w="12700">
-            <a:solidFill>
-              <a:schemeClr val="tx1"/>
-            </a:solidFill>
-          </a:ln>
-        </p:spPr>
-        <p:style>
-          <a:lnRef idx="1">
-            <a:schemeClr val="accent1"/>
-          </a:lnRef>
-          <a:fillRef idx="0">
-            <a:schemeClr val="accent1"/>
-          </a:fillRef>
-          <a:effectRef idx="0">
-            <a:schemeClr val="accent1"/>
-          </a:effectRef>
-          <a:fontRef idx="minor">
-            <a:schemeClr val="tx1"/>
-          </a:fontRef>
-        </p:style>
-      </p:cxnSp>
-      <p:sp useBgFill="1">
-        <p:nvSpPr>
-          <p:cNvPr id="14" name="Rectangle 13">
-            <a:extLst>
-              <a:ext uri="{FF2B5EF4-FFF2-40B4-BE49-F238E27FC236}">
-                <a16:creationId xmlns:a16="http://schemas.microsoft.com/office/drawing/2014/main" id="{E49D7415-2F11-44C2-B6AA-13A25B6814B9}"/>
-              </a:ext>
-              <a:ext uri="{C183D7F6-B498-43B3-948B-1728B52AA6E4}">
-                <adec:decorative xmlns:adec="http://schemas.microsoft.com/office/drawing/2017/decorative" val="1"/>
-              </a:ext>
-            </a:extLst>
-          </p:cNvPr>
-          <p:cNvSpPr>
-            <a:spLocks noGrp="1" noRot="1" noChangeAspect="1" noMove="1" noResize="1" noEditPoints="1" noAdjustHandles="1" noChangeArrowheads="1" noChangeShapeType="1" noTextEdit="1"/>
-          </p:cNvSpPr>
-          <p:nvPr>
-            <p:extLst>
-              <p:ext uri="{386F3935-93C4-4BCD-93E2-E3B085C9AB24}">
-                <p16:designElem xmlns:p16="http://schemas.microsoft.com/office/powerpoint/2015/main" val="1"/>
-              </p:ext>
-            </p:extLst>
-          </p:nvPr>
-        </p:nvSpPr>
-        <p:spPr>
-          <a:xfrm>
-            <a:off x="0" y="0"/>
-            <a:ext cx="12192000" cy="6858000"/>
-          </a:xfrm>
-          <a:prstGeom prst="rect">
-            <a:avLst/>
-          </a:prstGeom>
-          <a:ln w="12700" cap="flat" cmpd="sng" algn="ctr">
-            <a:noFill/>
-            <a:prstDash val="solid"/>
-            <a:miter lim="800000"/>
-          </a:ln>
-          <a:effectLst/>
-          <a:extLst>
-            <a:ext uri="{91240B29-F687-4F45-9708-019B960494DF}">
-              <a14:hiddenLine xmlns:a14="http://schemas.microsoft.com/office/drawing/2010/main" w="12700" cap="flat" cmpd="sng" algn="ctr">
-                <a:solidFill>
-                  <a:schemeClr val="accent1">
-                    <a:shade val="50000"/>
-                  </a:schemeClr>
-                </a:solidFill>
-                <a:prstDash val="solid"/>
-                <a:miter lim="800000"/>
-              </a14:hiddenLine>
-            </a:ext>
-          </a:extLst>
-        </p:spPr>
-        <p:style>
-          <a:lnRef idx="2">
-            <a:schemeClr val="accent1">
-              <a:shade val="50000"/>
-            </a:schemeClr>
-          </a:lnRef>
-          <a:fillRef idx="1">
-            <a:schemeClr val="accent1"/>
-          </a:fillRef>
-          <a:effectRef idx="0">
-            <a:schemeClr val="accent1"/>
-          </a:effectRef>
-          <a:fontRef idx="minor">
-            <a:schemeClr val="lt1"/>
-          </a:fontRef>
-        </p:style>
-        <p:txBody>
-          <a:bodyPr rtlCol="0" anchor="ctr"/>
-          <a:lstStyle/>
-          <a:p>
-            <a:pPr algn="ctr"/>
-            <a:endParaRPr lang="en-US"/>
-          </a:p>
-        </p:txBody>
-      </p:sp>
-      <p:sp>
-        <p:nvSpPr>
-          <p:cNvPr id="2" name="Titel 1">
-            <a:extLst>
-              <a:ext uri="{FF2B5EF4-FFF2-40B4-BE49-F238E27FC236}">
-                <a16:creationId xmlns:a16="http://schemas.microsoft.com/office/drawing/2014/main" id="{EDC13635-754A-35F7-2058-040517BAA84F}"/>
-              </a:ext>
-            </a:extLst>
-          </p:cNvPr>
-          <p:cNvSpPr>
-            <a:spLocks noGrp="1"/>
-          </p:cNvSpPr>
-          <p:nvPr>
-            <p:ph type="title"/>
-          </p:nvPr>
-        </p:nvSpPr>
-        <p:spPr>
-          <a:xfrm>
-            <a:off x="700088" y="909637"/>
-            <a:ext cx="6400800" cy="1307592"/>
-          </a:xfrm>
-        </p:spPr>
-        <p:txBody>
-          <a:bodyPr vert="horz" lIns="91440" tIns="45720" rIns="91440" bIns="45720" rtlCol="0" anchor="t">
-            <a:normAutofit/>
-          </a:bodyPr>
-          <a:lstStyle/>
-          <a:p>
-            <a:r>
-              <a:rPr lang="en-US"/>
-              <a:t>Erstes bis n-tes Review</a:t>
-            </a:r>
-          </a:p>
-        </p:txBody>
-      </p:sp>
-      <p:cxnSp>
-        <p:nvCxnSpPr>
-          <p:cNvPr id="16" name="Straight Connector 15">
-            <a:extLst>
-              <a:ext uri="{FF2B5EF4-FFF2-40B4-BE49-F238E27FC236}">
-                <a16:creationId xmlns:a16="http://schemas.microsoft.com/office/drawing/2014/main" id="{8E813B4C-6731-0B72-5252-A79AB0E20B58}"/>
-              </a:ext>
-              <a:ext uri="{C183D7F6-B498-43B3-948B-1728B52AA6E4}">
-                <adec:decorative xmlns:adec="http://schemas.microsoft.com/office/drawing/2017/decorative" val="1"/>
-              </a:ext>
-            </a:extLst>
-          </p:cNvPr>
-          <p:cNvCxnSpPr>
-            <a:cxnSpLocks noGrp="1" noRot="1" noChangeAspect="1" noMove="1" noResize="1" noEditPoints="1" noAdjustHandles="1" noChangeArrowheads="1" noChangeShapeType="1"/>
-          </p:cNvCxnSpPr>
-          <p:nvPr>
-            <p:extLst>
-              <p:ext uri="{386F3935-93C4-4BCD-93E2-E3B085C9AB24}">
-                <p16:designElem xmlns:p16="http://schemas.microsoft.com/office/powerpoint/2015/main" val="1"/>
-              </p:ext>
-            </p:extLst>
-          </p:nvPr>
-        </p:nvCxnSpPr>
-        <p:spPr>
-          <a:xfrm>
-            <a:off x="804672" y="723900"/>
-            <a:ext cx="10588752" cy="0"/>
-          </a:xfrm>
-          <a:prstGeom prst="line">
-            <a:avLst/>
-          </a:prstGeom>
-          <a:ln w="44450">
-            <a:solidFill>
-              <a:schemeClr val="tx1"/>
-            </a:solidFill>
-          </a:ln>
-        </p:spPr>
-        <p:style>
-          <a:lnRef idx="1">
-            <a:schemeClr val="accent1"/>
-          </a:lnRef>
-          <a:fillRef idx="0">
-            <a:schemeClr val="accent1"/>
-          </a:fillRef>
-          <a:effectRef idx="0">
-            <a:schemeClr val="accent1"/>
-          </a:effectRef>
-          <a:fontRef idx="minor">
-            <a:schemeClr val="tx1"/>
-          </a:fontRef>
-        </p:style>
-      </p:cxnSp>
-      <p:sp>
-        <p:nvSpPr>
-          <p:cNvPr id="4" name="Inhaltsplatzhalter 3">
-            <a:extLst>
-              <a:ext uri="{FF2B5EF4-FFF2-40B4-BE49-F238E27FC236}">
-                <a16:creationId xmlns:a16="http://schemas.microsoft.com/office/drawing/2014/main" id="{7A6D9E92-993B-98D9-540F-C94CBDB98DBC}"/>
-              </a:ext>
-            </a:extLst>
-          </p:cNvPr>
-          <p:cNvSpPr>
-            <a:spLocks noGrp="1"/>
-          </p:cNvSpPr>
-          <p:nvPr>
-            <p:ph sz="half" idx="2"/>
-            <p:extLst>
-              <p:ext uri="{E7BDC344-281C-4309-B0C6-D0EE65EED2A8}">
-                <p202:designPr xmlns:p202="http://schemas.microsoft.com/office/powerpoint/2020/02/main">
-                  <p202:designTagLst>
-                    <p202:designTag name="ARCH:1:CLS" val="InformationBlock"/>
-                    <p202:designTag name="ARCH:1:VSVAR" val="TitledTextBox"/>
-                  </p202:designTagLst>
-                </p202:designPr>
-              </p:ext>
-            </p:extLst>
-          </p:nvPr>
-        </p:nvSpPr>
-        <p:spPr>
-          <a:xfrm>
-            <a:off x="700088" y="2221992"/>
-            <a:ext cx="6400800" cy="3739896"/>
-          </a:xfrm>
-        </p:spPr>
-        <p:txBody>
-          <a:bodyPr>
-            <a:normAutofit/>
-          </a:bodyPr>
-          <a:lstStyle/>
-          <a:p>
-            <a:pPr marL="0" indent="0">
-              <a:spcBef>
-                <a:spcPts val="2500"/>
-              </a:spcBef>
-              <a:buNone/>
-            </a:pPr>
-            <a:r>
-              <a:rPr lang="de-DE" sz="1400" b="1"/>
-              <a:t>Dokumentenüberprüfung</a:t>
-            </a:r>
-          </a:p>
-          <a:p>
-            <a:pPr marL="0" lvl="1" indent="0">
-              <a:buNone/>
-            </a:pPr>
-            <a:r>
-              <a:rPr lang="de-DE" sz="1400"/>
-              <a:t>Der Prozess der Dokumentenüberprüfung umfasst mehrere Überarbeitungen, um die Qualität und Genauigkeit sicherzustellen.</a:t>
-            </a:r>
-          </a:p>
-          <a:p>
-            <a:pPr marL="0" indent="0">
-              <a:spcBef>
-                <a:spcPts val="2500"/>
-              </a:spcBef>
-              <a:buNone/>
-            </a:pPr>
-            <a:r>
-              <a:rPr lang="de-DE" sz="1400" b="1"/>
-              <a:t>Versionskontrolle</a:t>
-            </a:r>
-          </a:p>
-          <a:p>
-            <a:pPr marL="0" lvl="1" indent="0">
-              <a:buNone/>
-            </a:pPr>
-            <a:r>
-              <a:rPr lang="de-DE" sz="1400"/>
-              <a:t>Versionskontrolle ist entscheidend für die Nachverfolgung von Änderungen und die Gewährleistung der Integrität des Dokuments.</a:t>
-            </a:r>
-          </a:p>
-          <a:p>
-            <a:pPr marL="0" indent="0">
-              <a:spcBef>
-                <a:spcPts val="2500"/>
-              </a:spcBef>
-              <a:buNone/>
-            </a:pPr>
-            <a:r>
-              <a:rPr lang="de-DE" sz="1400" b="1"/>
-              <a:t>Gültigkeitsbereich</a:t>
-            </a:r>
-          </a:p>
-          <a:p>
-            <a:pPr marL="0" lvl="1" indent="0">
-              <a:buNone/>
-            </a:pPr>
-            <a:r>
-              <a:rPr lang="de-DE" sz="1400"/>
-              <a:t>Das Dokument ist gültig mit der Version 0.1 und sollte regelmäßig aktualisiert werden, um die Relevanz zu gewährleisten.</a:t>
-            </a:r>
-          </a:p>
-        </p:txBody>
-      </p:sp>
-      <p:pic>
-        <p:nvPicPr>
-          <p:cNvPr id="5" name="Inhaltsplatzhalter 4" descr="Dateiordner Dokumentendaten Internet Netzwerksicherheit">
-            <a:extLst>
-              <a:ext uri="{FF2B5EF4-FFF2-40B4-BE49-F238E27FC236}">
-                <a16:creationId xmlns:a16="http://schemas.microsoft.com/office/drawing/2014/main" id="{40EE5A5B-D9E2-41C5-9992-920D763626D6}"/>
-              </a:ext>
-            </a:extLst>
-          </p:cNvPr>
-          <p:cNvPicPr>
-            <a:picLocks noGrp="1" noChangeAspect="1"/>
-          </p:cNvPicPr>
-          <p:nvPr>
-            <p:ph sz="half" idx="1"/>
-          </p:nvPr>
-        </p:nvPicPr>
-        <p:blipFill>
-          <a:blip r:embed="rId3"/>
-          <a:stretch>
-            <a:fillRect/>
-          </a:stretch>
-        </p:blipFill>
-        <p:spPr>
-          <a:xfrm>
-            <a:off x="7487920" y="3400335"/>
-            <a:ext cx="3903980" cy="2605906"/>
-          </a:xfrm>
-          <a:prstGeom prst="rect">
-            <a:avLst/>
-          </a:prstGeom>
-        </p:spPr>
-      </p:pic>
-      <p:cxnSp>
-        <p:nvCxnSpPr>
-          <p:cNvPr id="18" name="Straight Connector 17">
-            <a:extLst>
-              <a:ext uri="{FF2B5EF4-FFF2-40B4-BE49-F238E27FC236}">
-                <a16:creationId xmlns:a16="http://schemas.microsoft.com/office/drawing/2014/main" id="{6E0E8146-6E65-2E6C-0C86-547E3C925406}"/>
-              </a:ext>
-              <a:ext uri="{C183D7F6-B498-43B3-948B-1728B52AA6E4}">
-                <adec:decorative xmlns:adec="http://schemas.microsoft.com/office/drawing/2017/decorative" val="1"/>
-              </a:ext>
-            </a:extLst>
-          </p:cNvPr>
-          <p:cNvCxnSpPr>
-            <a:cxnSpLocks noGrp="1" noRot="1" noChangeAspect="1" noMove="1" noResize="1" noEditPoints="1" noAdjustHandles="1" noChangeArrowheads="1" noChangeShapeType="1"/>
-          </p:cNvCxnSpPr>
-          <p:nvPr>
-            <p:extLst>
-              <p:ext uri="{386F3935-93C4-4BCD-93E2-E3B085C9AB24}">
-                <p16:designElem xmlns:p16="http://schemas.microsoft.com/office/powerpoint/2015/main" val="1"/>
-              </p:ext>
-            </p:extLst>
-          </p:nvPr>
-        </p:nvCxnSpPr>
-        <p:spPr>
-          <a:xfrm>
-            <a:off x="809065" y="6145599"/>
-            <a:ext cx="10582835" cy="0"/>
-          </a:xfrm>
-          <a:prstGeom prst="line">
-            <a:avLst/>
-          </a:prstGeom>
-          <a:ln w="12700">
-            <a:solidFill>
-              <a:schemeClr val="tx1"/>
-            </a:solidFill>
-          </a:ln>
-        </p:spPr>
-        <p:style>
-          <a:lnRef idx="1">
-            <a:schemeClr val="accent1"/>
-          </a:lnRef>
-          <a:fillRef idx="0">
-            <a:schemeClr val="accent1"/>
-          </a:fillRef>
-          <a:effectRef idx="0">
-            <a:schemeClr val="accent1"/>
-          </a:effectRef>
-          <a:fontRef idx="minor">
-            <a:schemeClr val="tx1"/>
-          </a:fontRef>
-        </p:style>
-      </p:cxnSp>
-    </p:spTree>
-    <p:extLst>
-      <p:ext uri="{BB962C8B-B14F-4D97-AF65-F5344CB8AC3E}">
-        <p14:creationId xmlns:p14="http://schemas.microsoft.com/office/powerpoint/2010/main" val="2539037871"/>
-      </p:ext>
-    </p:extLst>
-  </p:cSld>
-  <p:clrMapOvr>
-    <a:masterClrMapping/>
-  </p:clrMapOvr>
-  <p:transition>
-    <p:fade/>
-  </p:transition>
-  <p:timing>
-    <p:tnLst>
-      <p:par>
-        <p:cTn id="1" dur="indefinite" restart="never" nodeType="tmRoot">
-          <p:childTnLst>
-            <p:seq concurrent="1" nextAc="seek">
-              <p:cTn id="2" dur="indefinite" nodeType="mainSeq">
-                <p:childTnLst>
-                  <p:par>
-                    <p:cTn id="3" fill="hold">
-                      <p:stCondLst>
-                        <p:cond delay="indefinite"/>
-                        <p:cond evt="onBegin" delay="0">
-                          <p:tn val="2"/>
-                        </p:cond>
-                      </p:stCondLst>
-                      <p:childTnLst>
-                        <p:par>
-                          <p:cTn id="4" fill="hold">
-                            <p:stCondLst>
-                              <p:cond delay="0"/>
-                            </p:stCondLst>
-                            <p:childTnLst>
-                              <p:par>
-                                <p:cTn id="5" presetID="10" presetClass="entr" presetSubtype="0" fill="hold" grpId="0" nodeType="withEffect">
-                                  <p:stCondLst>
-                                    <p:cond delay="250"/>
-                                  </p:stCondLst>
-                                  <p:iterate>
-                                    <p:tmPct val="10000"/>
-                                  </p:iterate>
-                                  <p:childTnLst>
-                                    <p:set>
-                                      <p:cBhvr>
-                                        <p:cTn id="6" dur="1" fill="hold">
-                                          <p:stCondLst>
-                                            <p:cond delay="0"/>
-                                          </p:stCondLst>
-                                        </p:cTn>
-                                        <p:tgtEl>
-                                          <p:spTgt spid="4"/>
-                                        </p:tgtEl>
-                                        <p:attrNameLst>
-                                          <p:attrName>style.visibility</p:attrName>
-                                        </p:attrNameLst>
-                                      </p:cBhvr>
-                                      <p:to>
-                                        <p:strVal val="visible"/>
-                                      </p:to>
-                                    </p:set>
-                                    <p:animEffect transition="in" filter="fade">
-                                      <p:cBhvr>
-                                        <p:cTn id="7" dur="500"/>
-                                        <p:tgtEl>
-                                          <p:spTgt spid="4"/>
-                                        </p:tgtEl>
-                                      </p:cBhvr>
-                                    </p:animEffect>
-                                  </p:childTnLst>
-                                </p:cTn>
-                              </p:par>
-                            </p:childTnLst>
-                          </p:cTn>
-                        </p:par>
-                      </p:childTnLst>
-                    </p:cTn>
-                  </p:par>
-                </p:childTnLst>
-              </p:cTn>
-              <p:prevCondLst>
-                <p:cond evt="onPrev" delay="0">
-                  <p:tgtEl>
-                    <p:sldTgt/>
-                  </p:tgtEl>
-                </p:cond>
-              </p:prevCondLst>
-              <p:nextCondLst>
-                <p:cond evt="onNext" delay="0">
-                  <p:tgtEl>
-                    <p:sldTgt/>
-                  </p:tgtEl>
-                </p:cond>
-              </p:nextCondLst>
-            </p:seq>
-          </p:childTnLst>
-        </p:cTn>
-      </p:par>
-    </p:tnLst>
-    <p:bldLst>
-      <p:bldP spid="4" grpId="0"/>
-    </p:bldLst>
-  </p:timing>
-</p:sld>
-</file>
-
-<file path=ppt/slides/slide14.xml><?xml version="1.0" encoding="utf-8"?>
-<p:sld xmlns:a="http://schemas.openxmlformats.org/drawingml/2006/main" xmlns:r="http://schemas.openxmlformats.org/officeDocument/2006/relationships" xmlns:p="http://schemas.openxmlformats.org/presentationml/2006/main">
-  <p:cSld>
-    <p:bg>
-      <p:bgPr>
-        <a:solidFill>
-          <a:schemeClr val="bg1"/>
-        </a:solidFill>
-        <a:effectLst/>
-      </p:bgPr>
-    </p:bg>
-    <p:spTree>
-      <p:nvGrpSpPr>
-        <p:cNvPr id="1" name=""/>
-        <p:cNvGrpSpPr/>
-        <p:nvPr/>
-      </p:nvGrpSpPr>
-      <p:grpSpPr>
-        <a:xfrm>
-          <a:off x="0" y="0"/>
-          <a:ext cx="0" cy="0"/>
-          <a:chOff x="0" y="0"/>
-          <a:chExt cx="0" cy="0"/>
-        </a:xfrm>
-      </p:grpSpPr>
-      <p:sp useBgFill="1">
-        <p:nvSpPr>
-          <p:cNvPr id="7" name="Rectangle 6">
-            <a:extLst>
-              <a:ext uri="{FF2B5EF4-FFF2-40B4-BE49-F238E27FC236}">
-                <a16:creationId xmlns:a16="http://schemas.microsoft.com/office/drawing/2014/main" id="{DEF92653-5D6D-47E6-8744-0DAF76E049C4}"/>
-              </a:ext>
-              <a:ext uri="{C183D7F6-B498-43B3-948B-1728B52AA6E4}">
-                <adec:decorative xmlns:adec="http://schemas.microsoft.com/office/drawing/2017/decorative" val="1"/>
-              </a:ext>
-            </a:extLst>
-          </p:cNvPr>
-          <p:cNvSpPr>
-            <a:spLocks noGrp="1" noRot="1" noChangeAspect="1" noMove="1" noResize="1" noEditPoints="1" noAdjustHandles="1" noChangeArrowheads="1" noChangeShapeType="1" noTextEdit="1"/>
-          </p:cNvSpPr>
-          <p:nvPr>
-            <p:extLst>
-              <p:ext uri="{386F3935-93C4-4BCD-93E2-E3B085C9AB24}">
-                <p16:designElem xmlns:p16="http://schemas.microsoft.com/office/powerpoint/2015/main" val="1"/>
-              </p:ext>
-            </p:extLst>
-          </p:nvPr>
-        </p:nvSpPr>
-        <p:spPr>
-          <a:xfrm>
-            <a:off x="0" y="0"/>
-            <a:ext cx="12192000" cy="6858000"/>
-          </a:xfrm>
-          <a:prstGeom prst="rect">
-            <a:avLst/>
-          </a:prstGeom>
-          <a:ln w="12700" cap="flat" cmpd="sng" algn="ctr">
-            <a:noFill/>
-            <a:prstDash val="solid"/>
-            <a:miter lim="800000"/>
-          </a:ln>
-          <a:effectLst/>
-        </p:spPr>
-        <p:style>
-          <a:lnRef idx="2">
-            <a:schemeClr val="accent1">
-              <a:shade val="50000"/>
-            </a:schemeClr>
-          </a:lnRef>
-          <a:fillRef idx="1">
-            <a:schemeClr val="accent1"/>
-          </a:fillRef>
-          <a:effectRef idx="0">
-            <a:schemeClr val="accent1"/>
-          </a:effectRef>
-          <a:fontRef idx="minor">
-            <a:schemeClr val="lt1"/>
-          </a:fontRef>
-        </p:style>
-        <p:txBody>
-          <a:bodyPr rtlCol="0" anchor="ctr"/>
-          <a:lstStyle/>
-          <a:p>
-            <a:pPr marL="0" marR="0" lvl="0" indent="0" algn="ctr" defTabSz="914400" rtl="0" eaLnBrk="1" fontAlgn="auto" latinLnBrk="0" hangingPunct="1">
-              <a:lnSpc>
-                <a:spcPct val="100000"/>
-              </a:lnSpc>
-              <a:spcBef>
-                <a:spcPts val="0"/>
-              </a:spcBef>
-              <a:spcAft>
-                <a:spcPts val="0"/>
-              </a:spcAft>
-              <a:buClrTx/>
-              <a:buSzTx/>
-              <a:buFontTx/>
-              <a:buNone/>
-              <a:tabLst/>
-              <a:defRPr/>
-            </a:pPr>
-            <a:endParaRPr kumimoji="0" lang="en-US" sz="1800" b="0" i="0" u="none" strike="noStrike" kern="1200" cap="none" spc="0" normalizeH="0" baseline="0" noProof="0">
-              <a:ln>
-                <a:noFill/>
-              </a:ln>
-              <a:solidFill>
-                <a:srgbClr val="FFFFFF"/>
-              </a:solidFill>
-              <a:effectLst/>
-              <a:uLnTx/>
-              <a:uFillTx/>
-              <a:latin typeface="Calisto MT"/>
-              <a:ea typeface="+mn-ea"/>
-              <a:cs typeface="+mn-cs"/>
-            </a:endParaRPr>
-          </a:p>
-        </p:txBody>
-      </p:sp>
-      <p:sp>
-        <p:nvSpPr>
-          <p:cNvPr id="2" name="Titel 1">
-            <a:extLst>
-              <a:ext uri="{FF2B5EF4-FFF2-40B4-BE49-F238E27FC236}">
                 <a16:creationId xmlns:a16="http://schemas.microsoft.com/office/drawing/2014/main" id="{779DF2FD-CFC9-A59C-80F0-19C281DE309B}"/>
               </a:ext>
             </a:extLst>
@@ -15116,7 +12549,7 @@
 </p:sld>
 </file>
 
-<file path=ppt/slides/slide15.xml><?xml version="1.0" encoding="utf-8"?>
+<file path=ppt/slides/slide11.xml><?xml version="1.0" encoding="utf-8"?>
 <p:sld xmlns:a="http://schemas.openxmlformats.org/drawingml/2006/main" xmlns:r="http://schemas.openxmlformats.org/officeDocument/2006/relationships" xmlns:p="http://schemas.openxmlformats.org/presentationml/2006/main">
   <p:cSld>
     <p:bg>
@@ -15408,37 +12841,6 @@
           </a:fontRef>
         </p:style>
       </p:cxnSp>
-      <p:pic>
-        <p:nvPicPr>
-          <p:cNvPr id="5" name="Inhaltsplatzhalter 4" descr="Finanz- und Börsendaten.">
-            <a:extLst>
-              <a:ext uri="{FF2B5EF4-FFF2-40B4-BE49-F238E27FC236}">
-                <a16:creationId xmlns:a16="http://schemas.microsoft.com/office/drawing/2014/main" id="{518803F8-3E6A-42FB-AA92-EB39918A03E6}"/>
-              </a:ext>
-            </a:extLst>
-          </p:cNvPr>
-          <p:cNvPicPr>
-            <a:picLocks noGrp="1" noChangeAspect="1"/>
-          </p:cNvPicPr>
-          <p:nvPr>
-            <p:ph sz="half" idx="1"/>
-          </p:nvPr>
-        </p:nvPicPr>
-        <p:blipFill>
-          <a:blip r:embed="rId3"/>
-          <a:srcRect l="11480" r="-3" b="-3"/>
-          <a:stretch/>
-        </p:blipFill>
-        <p:spPr>
-          <a:xfrm>
-            <a:off x="804672" y="3044952"/>
-            <a:ext cx="3941064" cy="2971800"/>
-          </a:xfrm>
-          <a:prstGeom prst="rect">
-            <a:avLst/>
-          </a:prstGeom>
-        </p:spPr>
-      </p:pic>
       <p:sp>
         <p:nvSpPr>
           <p:cNvPr id="4" name="Inhaltsplatzhalter 3">
@@ -15614,6 +13016,36 @@
           </a:fontRef>
         </p:style>
       </p:cxnSp>
+      <p:pic>
+        <p:nvPicPr>
+          <p:cNvPr id="8" name="Grafik 7">
+            <a:extLst>
+              <a:ext uri="{FF2B5EF4-FFF2-40B4-BE49-F238E27FC236}">
+                <a16:creationId xmlns:a16="http://schemas.microsoft.com/office/drawing/2014/main" id="{E2535B76-9238-FC3A-CFF7-F6A089044686}"/>
+              </a:ext>
+            </a:extLst>
+          </p:cNvPr>
+          <p:cNvPicPr>
+            <a:picLocks noChangeAspect="1"/>
+          </p:cNvPicPr>
+          <p:nvPr/>
+        </p:nvPicPr>
+        <p:blipFill>
+          <a:blip r:embed="rId3"/>
+          <a:stretch>
+            <a:fillRect/>
+          </a:stretch>
+        </p:blipFill>
+        <p:spPr>
+          <a:xfrm>
+            <a:off x="595677" y="2666267"/>
+            <a:ext cx="4475943" cy="2517354"/>
+          </a:xfrm>
+          <a:prstGeom prst="rect">
+            <a:avLst/>
+          </a:prstGeom>
+        </p:spPr>
+      </p:pic>
     </p:spTree>
     <p:extLst>
       <p:ext uri="{BB962C8B-B14F-4D97-AF65-F5344CB8AC3E}">
@@ -15722,7 +13154,7 @@
 </p:sld>
 </file>
 
-<file path=ppt/slides/slide16.xml><?xml version="1.0" encoding="utf-8"?>
+<file path=ppt/slides/slide12.xml><?xml version="1.0" encoding="utf-8"?>
 <p:sld xmlns:a="http://schemas.openxmlformats.org/drawingml/2006/main" xmlns:r="http://schemas.openxmlformats.org/officeDocument/2006/relationships" xmlns:p="http://schemas.openxmlformats.org/presentationml/2006/main">
   <p:cSld>
     <p:bg>
@@ -16312,7 +13744,7 @@
 </p:sld>
 </file>
 
-<file path=ppt/slides/slide17.xml><?xml version="1.0" encoding="utf-8"?>
+<file path=ppt/slides/slide13.xml><?xml version="1.0" encoding="utf-8"?>
 <p:sld xmlns:a="http://schemas.openxmlformats.org/drawingml/2006/main" xmlns:r="http://schemas.openxmlformats.org/officeDocument/2006/relationships" xmlns:p="http://schemas.openxmlformats.org/presentationml/2006/main">
   <p:cSld>
     <p:bg>
@@ -16881,7 +14313,7 @@
 </p:sld>
 </file>
 
-<file path=ppt/slides/slide18.xml><?xml version="1.0" encoding="utf-8"?>
+<file path=ppt/slides/slide14.xml><?xml version="1.0" encoding="utf-8"?>
 <p:sld xmlns:a="http://schemas.openxmlformats.org/drawingml/2006/main" xmlns:r="http://schemas.openxmlformats.org/officeDocument/2006/relationships" xmlns:p="http://schemas.openxmlformats.org/presentationml/2006/main">
   <p:cSld>
     <p:bg>
@@ -17193,7 +14625,7 @@
 </p:sld>
 </file>
 
-<file path=ppt/slides/slide19.xml><?xml version="1.0" encoding="utf-8"?>
+<file path=ppt/slides/slide15.xml><?xml version="1.0" encoding="utf-8"?>
 <p:sld xmlns:a="http://schemas.openxmlformats.org/drawingml/2006/main" xmlns:r="http://schemas.openxmlformats.org/officeDocument/2006/relationships" xmlns:p="http://schemas.openxmlformats.org/presentationml/2006/main">
   <p:cSld>
     <p:bg>
@@ -17778,618 +15210,7 @@
 </p:sld>
 </file>
 
-<file path=ppt/slides/slide2.xml><?xml version="1.0" encoding="utf-8"?>
-<p:sld xmlns:a="http://schemas.openxmlformats.org/drawingml/2006/main" xmlns:r="http://schemas.openxmlformats.org/officeDocument/2006/relationships" xmlns:p="http://schemas.openxmlformats.org/presentationml/2006/main">
-  <p:cSld>
-    <p:bg>
-      <p:bgPr>
-        <a:solidFill>
-          <a:schemeClr val="bg1"/>
-        </a:solidFill>
-        <a:effectLst/>
-      </p:bgPr>
-    </p:bg>
-    <p:spTree>
-      <p:nvGrpSpPr>
-        <p:cNvPr id="1" name=""/>
-        <p:cNvGrpSpPr/>
-        <p:nvPr/>
-      </p:nvGrpSpPr>
-      <p:grpSpPr>
-        <a:xfrm>
-          <a:off x="0" y="0"/>
-          <a:ext cx="0" cy="0"/>
-          <a:chOff x="0" y="0"/>
-          <a:chExt cx="0" cy="0"/>
-        </a:xfrm>
-      </p:grpSpPr>
-      <p:cxnSp>
-        <p:nvCxnSpPr>
-          <p:cNvPr id="10" name="Straight Connector 9">
-            <a:extLst>
-              <a:ext uri="{FF2B5EF4-FFF2-40B4-BE49-F238E27FC236}">
-                <a16:creationId xmlns:a16="http://schemas.microsoft.com/office/drawing/2014/main" id="{F64F9B95-9045-48D2-B9F3-2927E98F54AA}"/>
-              </a:ext>
-              <a:ext uri="{C183D7F6-B498-43B3-948B-1728B52AA6E4}">
-                <adec:decorative xmlns:adec="http://schemas.microsoft.com/office/drawing/2017/decorative" val="1"/>
-              </a:ext>
-            </a:extLst>
-          </p:cNvPr>
-          <p:cNvCxnSpPr>
-            <a:cxnSpLocks noGrp="1" noRot="1" noChangeAspect="1" noMove="1" noResize="1" noEditPoints="1" noAdjustHandles="1" noChangeArrowheads="1" noChangeShapeType="1"/>
-          </p:cNvCxnSpPr>
-          <p:nvPr>
-            <p:extLst>
-              <p:ext uri="{386F3935-93C4-4BCD-93E2-E3B085C9AB24}">
-                <p16:designElem xmlns:p16="http://schemas.microsoft.com/office/powerpoint/2015/main" val="1"/>
-              </p:ext>
-            </p:extLst>
-          </p:nvPr>
-        </p:nvCxnSpPr>
-        <p:spPr>
-          <a:xfrm>
-            <a:off x="800100" y="723900"/>
-            <a:ext cx="10591800" cy="0"/>
-          </a:xfrm>
-          <a:prstGeom prst="line">
-            <a:avLst/>
-          </a:prstGeom>
-          <a:ln w="44450">
-            <a:solidFill>
-              <a:schemeClr val="tx1"/>
-            </a:solidFill>
-          </a:ln>
-        </p:spPr>
-        <p:style>
-          <a:lnRef idx="1">
-            <a:schemeClr val="accent1"/>
-          </a:lnRef>
-          <a:fillRef idx="0">
-            <a:schemeClr val="accent1"/>
-          </a:fillRef>
-          <a:effectRef idx="0">
-            <a:schemeClr val="accent1"/>
-          </a:effectRef>
-          <a:fontRef idx="minor">
-            <a:schemeClr val="tx1"/>
-          </a:fontRef>
-        </p:style>
-      </p:cxnSp>
-      <p:cxnSp>
-        <p:nvCxnSpPr>
-          <p:cNvPr id="12" name="Straight Connector 11">
-            <a:extLst>
-              <a:ext uri="{FF2B5EF4-FFF2-40B4-BE49-F238E27FC236}">
-                <a16:creationId xmlns:a16="http://schemas.microsoft.com/office/drawing/2014/main" id="{085AA86F-6A4D-4BCB-A045-D992CDC2959B}"/>
-              </a:ext>
-              <a:ext uri="{C183D7F6-B498-43B3-948B-1728B52AA6E4}">
-                <adec:decorative xmlns:adec="http://schemas.microsoft.com/office/drawing/2017/decorative" val="1"/>
-              </a:ext>
-            </a:extLst>
-          </p:cNvPr>
-          <p:cNvCxnSpPr>
-            <a:cxnSpLocks noGrp="1" noRot="1" noChangeAspect="1" noMove="1" noResize="1" noEditPoints="1" noAdjustHandles="1" noChangeArrowheads="1" noChangeShapeType="1"/>
-          </p:cNvCxnSpPr>
-          <p:nvPr>
-            <p:extLst>
-              <p:ext uri="{386F3935-93C4-4BCD-93E2-E3B085C9AB24}">
-                <p16:designElem xmlns:p16="http://schemas.microsoft.com/office/powerpoint/2015/main" val="1"/>
-              </p:ext>
-            </p:extLst>
-          </p:nvPr>
-        </p:nvCxnSpPr>
-        <p:spPr>
-          <a:xfrm>
-            <a:off x="800100" y="6142781"/>
-            <a:ext cx="10591800" cy="0"/>
-          </a:xfrm>
-          <a:prstGeom prst="line">
-            <a:avLst/>
-          </a:prstGeom>
-          <a:ln w="12700">
-            <a:solidFill>
-              <a:schemeClr val="tx1"/>
-            </a:solidFill>
-          </a:ln>
-        </p:spPr>
-        <p:style>
-          <a:lnRef idx="1">
-            <a:schemeClr val="accent1"/>
-          </a:lnRef>
-          <a:fillRef idx="0">
-            <a:schemeClr val="accent1"/>
-          </a:fillRef>
-          <a:effectRef idx="0">
-            <a:schemeClr val="accent1"/>
-          </a:effectRef>
-          <a:fontRef idx="minor">
-            <a:schemeClr val="tx1"/>
-          </a:fontRef>
-        </p:style>
-      </p:cxnSp>
-      <p:sp useBgFill="1">
-        <p:nvSpPr>
-          <p:cNvPr id="14" name="Rectangle 13">
-            <a:extLst>
-              <a:ext uri="{FF2B5EF4-FFF2-40B4-BE49-F238E27FC236}">
-                <a16:creationId xmlns:a16="http://schemas.microsoft.com/office/drawing/2014/main" id="{E49D7415-2F11-44C2-B6AA-13A25B6814B9}"/>
-              </a:ext>
-              <a:ext uri="{C183D7F6-B498-43B3-948B-1728B52AA6E4}">
-                <adec:decorative xmlns:adec="http://schemas.microsoft.com/office/drawing/2017/decorative" val="1"/>
-              </a:ext>
-            </a:extLst>
-          </p:cNvPr>
-          <p:cNvSpPr>
-            <a:spLocks noGrp="1" noRot="1" noChangeAspect="1" noMove="1" noResize="1" noEditPoints="1" noAdjustHandles="1" noChangeArrowheads="1" noChangeShapeType="1" noTextEdit="1"/>
-          </p:cNvSpPr>
-          <p:nvPr>
-            <p:extLst>
-              <p:ext uri="{386F3935-93C4-4BCD-93E2-E3B085C9AB24}">
-                <p16:designElem xmlns:p16="http://schemas.microsoft.com/office/powerpoint/2015/main" val="1"/>
-              </p:ext>
-            </p:extLst>
-          </p:nvPr>
-        </p:nvSpPr>
-        <p:spPr>
-          <a:xfrm>
-            <a:off x="0" y="0"/>
-            <a:ext cx="12192000" cy="6858000"/>
-          </a:xfrm>
-          <a:prstGeom prst="rect">
-            <a:avLst/>
-          </a:prstGeom>
-          <a:ln w="12700" cap="flat" cmpd="sng" algn="ctr">
-            <a:noFill/>
-            <a:prstDash val="solid"/>
-            <a:miter lim="800000"/>
-          </a:ln>
-          <a:effectLst/>
-          <a:extLst>
-            <a:ext uri="{91240B29-F687-4F45-9708-019B960494DF}">
-              <a14:hiddenLine xmlns:a14="http://schemas.microsoft.com/office/drawing/2010/main" w="12700" cap="flat" cmpd="sng" algn="ctr">
-                <a:solidFill>
-                  <a:schemeClr val="accent1">
-                    <a:shade val="50000"/>
-                  </a:schemeClr>
-                </a:solidFill>
-                <a:prstDash val="solid"/>
-                <a:miter lim="800000"/>
-              </a14:hiddenLine>
-            </a:ext>
-          </a:extLst>
-        </p:spPr>
-        <p:style>
-          <a:lnRef idx="2">
-            <a:schemeClr val="accent1">
-              <a:shade val="50000"/>
-            </a:schemeClr>
-          </a:lnRef>
-          <a:fillRef idx="1">
-            <a:schemeClr val="accent1"/>
-          </a:fillRef>
-          <a:effectRef idx="0">
-            <a:schemeClr val="accent1"/>
-          </a:effectRef>
-          <a:fontRef idx="minor">
-            <a:schemeClr val="lt1"/>
-          </a:fontRef>
-        </p:style>
-        <p:txBody>
-          <a:bodyPr rtlCol="0" anchor="ctr"/>
-          <a:lstStyle/>
-          <a:p>
-            <a:pPr algn="ctr"/>
-            <a:endParaRPr lang="en-US"/>
-          </a:p>
-        </p:txBody>
-      </p:sp>
-      <p:sp>
-        <p:nvSpPr>
-          <p:cNvPr id="2" name="Titel 1">
-            <a:extLst>
-              <a:ext uri="{FF2B5EF4-FFF2-40B4-BE49-F238E27FC236}">
-                <a16:creationId xmlns:a16="http://schemas.microsoft.com/office/drawing/2014/main" id="{1EDBED82-89DE-CF0D-9037-7617DF9C9789}"/>
-              </a:ext>
-            </a:extLst>
-          </p:cNvPr>
-          <p:cNvSpPr>
-            <a:spLocks noGrp="1"/>
-          </p:cNvSpPr>
-          <p:nvPr>
-            <p:ph type="title"/>
-          </p:nvPr>
-        </p:nvSpPr>
-        <p:spPr>
-          <a:xfrm>
-            <a:off x="704088" y="914401"/>
-            <a:ext cx="6766560" cy="1307592"/>
-          </a:xfrm>
-        </p:spPr>
-        <p:txBody>
-          <a:bodyPr vert="horz" lIns="91440" tIns="45720" rIns="91440" bIns="45720" rtlCol="0" anchor="t">
-            <a:normAutofit/>
-          </a:bodyPr>
-          <a:lstStyle/>
-          <a:p>
-            <a:r>
-              <a:rPr lang="en-US"/>
-              <a:t>Agenda der Präsentation</a:t>
-            </a:r>
-          </a:p>
-        </p:txBody>
-      </p:sp>
-      <p:cxnSp>
-        <p:nvCxnSpPr>
-          <p:cNvPr id="16" name="Straight Connector 15">
-            <a:extLst>
-              <a:ext uri="{FF2B5EF4-FFF2-40B4-BE49-F238E27FC236}">
-                <a16:creationId xmlns:a16="http://schemas.microsoft.com/office/drawing/2014/main" id="{D2E57F3D-33BE-4306-87E6-245763719516}"/>
-              </a:ext>
-              <a:ext uri="{C183D7F6-B498-43B3-948B-1728B52AA6E4}">
-                <adec:decorative xmlns:adec="http://schemas.microsoft.com/office/drawing/2017/decorative" val="1"/>
-              </a:ext>
-            </a:extLst>
-          </p:cNvPr>
-          <p:cNvCxnSpPr>
-            <a:cxnSpLocks noGrp="1" noRot="1" noChangeAspect="1" noMove="1" noResize="1" noEditPoints="1" noAdjustHandles="1" noChangeArrowheads="1" noChangeShapeType="1"/>
-          </p:cNvCxnSpPr>
-          <p:nvPr>
-            <p:extLst>
-              <p:ext uri="{386F3935-93C4-4BCD-93E2-E3B085C9AB24}">
-                <p16:designElem xmlns:p16="http://schemas.microsoft.com/office/powerpoint/2015/main" val="1"/>
-              </p:ext>
-            </p:extLst>
-          </p:nvPr>
-        </p:nvCxnSpPr>
-        <p:spPr>
-          <a:xfrm>
-            <a:off x="800100" y="723900"/>
-            <a:ext cx="6583680" cy="0"/>
-          </a:xfrm>
-          <a:prstGeom prst="line">
-            <a:avLst/>
-          </a:prstGeom>
-          <a:ln w="44450">
-            <a:solidFill>
-              <a:schemeClr val="tx1"/>
-            </a:solidFill>
-          </a:ln>
-        </p:spPr>
-        <p:style>
-          <a:lnRef idx="1">
-            <a:schemeClr val="accent1"/>
-          </a:lnRef>
-          <a:fillRef idx="0">
-            <a:schemeClr val="accent1"/>
-          </a:fillRef>
-          <a:effectRef idx="0">
-            <a:schemeClr val="accent1"/>
-          </a:effectRef>
-          <a:fontRef idx="minor">
-            <a:schemeClr val="tx1"/>
-          </a:fontRef>
-        </p:style>
-      </p:cxnSp>
-      <p:sp>
-        <p:nvSpPr>
-          <p:cNvPr id="4" name="Inhaltsplatzhalter 3">
-            <a:extLst>
-              <a:ext uri="{FF2B5EF4-FFF2-40B4-BE49-F238E27FC236}">
-                <a16:creationId xmlns:a16="http://schemas.microsoft.com/office/drawing/2014/main" id="{125368BF-2B42-6484-9A6E-21B7B0E43D73}"/>
-              </a:ext>
-            </a:extLst>
-          </p:cNvPr>
-          <p:cNvSpPr>
-            <a:spLocks noGrp="1"/>
-          </p:cNvSpPr>
-          <p:nvPr>
-            <p:ph sz="half" idx="2"/>
-          </p:nvPr>
-        </p:nvSpPr>
-        <p:spPr>
-          <a:xfrm>
-            <a:off x="704088" y="2221994"/>
-            <a:ext cx="6766560" cy="3739896"/>
-          </a:xfrm>
-        </p:spPr>
-        <p:txBody>
-          <a:bodyPr vert="horz" lIns="91440" tIns="45720" rIns="91440" bIns="45720" rtlCol="0">
-            <a:normAutofit/>
-          </a:bodyPr>
-          <a:lstStyle/>
-          <a:p>
-            <a:pPr>
-              <a:lnSpc>
-                <a:spcPct val="100000"/>
-              </a:lnSpc>
-            </a:pPr>
-            <a:r>
-              <a:rPr lang="en-US" sz="1900"/>
-              <a:t>Projektübersicht</a:t>
-            </a:r>
-          </a:p>
-          <a:p>
-            <a:pPr>
-              <a:lnSpc>
-                <a:spcPct val="100000"/>
-              </a:lnSpc>
-            </a:pPr>
-            <a:r>
-              <a:rPr lang="en-US" sz="1900"/>
-              <a:t>Historie der Dokumentversionen</a:t>
-            </a:r>
-          </a:p>
-          <a:p>
-            <a:pPr>
-              <a:lnSpc>
-                <a:spcPct val="100000"/>
-              </a:lnSpc>
-            </a:pPr>
-            <a:r>
-              <a:rPr lang="en-US" sz="1900"/>
-              <a:t>Einleitung</a:t>
-            </a:r>
-          </a:p>
-          <a:p>
-            <a:pPr>
-              <a:lnSpc>
-                <a:spcPct val="100000"/>
-              </a:lnSpc>
-            </a:pPr>
-            <a:r>
-              <a:rPr lang="en-US" sz="1900"/>
-              <a:t>Verteiler und Freigabe</a:t>
-            </a:r>
-          </a:p>
-          <a:p>
-            <a:pPr>
-              <a:lnSpc>
-                <a:spcPct val="100000"/>
-              </a:lnSpc>
-            </a:pPr>
-            <a:r>
-              <a:rPr lang="en-US" sz="1900"/>
-              <a:t>Reviewvermerke und Meeting-Protokolle</a:t>
-            </a:r>
-          </a:p>
-          <a:p>
-            <a:pPr>
-              <a:lnSpc>
-                <a:spcPct val="100000"/>
-              </a:lnSpc>
-            </a:pPr>
-            <a:r>
-              <a:rPr lang="en-US" sz="1900"/>
-              <a:t>Konzept und Rahmenbedingungen</a:t>
-            </a:r>
-          </a:p>
-          <a:p>
-            <a:pPr>
-              <a:lnSpc>
-                <a:spcPct val="100000"/>
-              </a:lnSpc>
-            </a:pPr>
-            <a:r>
-              <a:rPr lang="en-US" sz="1900"/>
-              <a:t>Beschreibung der Anforderungen</a:t>
-            </a:r>
-          </a:p>
-          <a:p>
-            <a:pPr>
-              <a:lnSpc>
-                <a:spcPct val="100000"/>
-              </a:lnSpc>
-            </a:pPr>
-            <a:r>
-              <a:rPr lang="en-US" sz="1900"/>
-              <a:t>Freigabe / Genehmigung</a:t>
-            </a:r>
-          </a:p>
-          <a:p>
-            <a:pPr>
-              <a:lnSpc>
-                <a:spcPct val="100000"/>
-              </a:lnSpc>
-            </a:pPr>
-            <a:r>
-              <a:rPr lang="en-US" sz="1900"/>
-              <a:t>Anhang / Ressourcen</a:t>
-            </a:r>
-          </a:p>
-        </p:txBody>
-      </p:sp>
-      <p:cxnSp>
-        <p:nvCxnSpPr>
-          <p:cNvPr id="18" name="Straight Connector 17">
-            <a:extLst>
-              <a:ext uri="{FF2B5EF4-FFF2-40B4-BE49-F238E27FC236}">
-                <a16:creationId xmlns:a16="http://schemas.microsoft.com/office/drawing/2014/main" id="{CBA3C59D-8641-484F-A35C-361AD7E1553B}"/>
-              </a:ext>
-              <a:ext uri="{C183D7F6-B498-43B3-948B-1728B52AA6E4}">
-                <adec:decorative xmlns:adec="http://schemas.microsoft.com/office/drawing/2017/decorative" val="1"/>
-              </a:ext>
-            </a:extLst>
-          </p:cNvPr>
-          <p:cNvCxnSpPr>
-            <a:cxnSpLocks noGrp="1" noRot="1" noChangeAspect="1" noMove="1" noResize="1" noEditPoints="1" noAdjustHandles="1" noChangeArrowheads="1" noChangeShapeType="1"/>
-          </p:cNvCxnSpPr>
-          <p:nvPr>
-            <p:extLst>
-              <p:ext uri="{386F3935-93C4-4BCD-93E2-E3B085C9AB24}">
-                <p16:designElem xmlns:p16="http://schemas.microsoft.com/office/powerpoint/2015/main" val="1"/>
-              </p:ext>
-            </p:extLst>
-          </p:nvPr>
-        </p:nvCxnSpPr>
-        <p:spPr>
-          <a:xfrm>
-            <a:off x="800100" y="6144768"/>
-            <a:ext cx="6583680" cy="0"/>
-          </a:xfrm>
-          <a:prstGeom prst="line">
-            <a:avLst/>
-          </a:prstGeom>
-          <a:ln w="12700">
-            <a:solidFill>
-              <a:schemeClr val="tx1"/>
-            </a:solidFill>
-          </a:ln>
-        </p:spPr>
-        <p:style>
-          <a:lnRef idx="1">
-            <a:schemeClr val="accent1"/>
-          </a:lnRef>
-          <a:fillRef idx="0">
-            <a:schemeClr val="accent1"/>
-          </a:fillRef>
-          <a:effectRef idx="0">
-            <a:schemeClr val="accent1"/>
-          </a:effectRef>
-          <a:fontRef idx="minor">
-            <a:schemeClr val="tx1"/>
-          </a:fontRef>
-        </p:style>
-      </p:cxnSp>
-      <p:pic>
-        <p:nvPicPr>
-          <p:cNvPr id="5" name="Inhaltsplatzhalter 4" descr="Viele Umsatzdiagramme dokumentieren auf dem Schreibtisch mit Stift und Taschenrechner">
-            <a:extLst>
-              <a:ext uri="{FF2B5EF4-FFF2-40B4-BE49-F238E27FC236}">
-                <a16:creationId xmlns:a16="http://schemas.microsoft.com/office/drawing/2014/main" id="{D64C7E26-1565-40E4-A24F-7964052579A0}"/>
-              </a:ext>
-            </a:extLst>
-          </p:cNvPr>
-          <p:cNvPicPr>
-            <a:picLocks noGrp="1" noChangeAspect="1"/>
-          </p:cNvPicPr>
-          <p:nvPr>
-            <p:ph sz="half" idx="1"/>
-          </p:nvPr>
-        </p:nvPicPr>
-        <p:blipFill>
-          <a:blip r:embed="rId3"/>
-          <a:srcRect l="27008" r="33313" b="-1"/>
-          <a:stretch/>
-        </p:blipFill>
-        <p:spPr>
-          <a:xfrm>
-            <a:off x="8115300" y="10"/>
-            <a:ext cx="4076700" cy="6857990"/>
-          </a:xfrm>
-          <a:prstGeom prst="rect">
-            <a:avLst/>
-          </a:prstGeom>
-        </p:spPr>
-      </p:pic>
-    </p:spTree>
-    <p:extLst>
-      <p:ext uri="{BB962C8B-B14F-4D97-AF65-F5344CB8AC3E}">
-        <p14:creationId xmlns:p14="http://schemas.microsoft.com/office/powerpoint/2010/main" val="1949552172"/>
-      </p:ext>
-    </p:extLst>
-  </p:cSld>
-  <p:clrMapOvr>
-    <a:masterClrMapping/>
-  </p:clrMapOvr>
-  <p:transition>
-    <p:fade/>
-  </p:transition>
-  <p:timing>
-    <p:tnLst>
-      <p:par>
-        <p:cTn id="1" dur="indefinite" restart="never" nodeType="tmRoot">
-          <p:childTnLst>
-            <p:seq concurrent="1" nextAc="seek">
-              <p:cTn id="2" dur="indefinite" nodeType="mainSeq">
-                <p:childTnLst>
-                  <p:par>
-                    <p:cTn id="3" fill="hold">
-                      <p:stCondLst>
-                        <p:cond delay="indefinite"/>
-                        <p:cond evt="onBegin" delay="0">
-                          <p:tn val="2"/>
-                        </p:cond>
-                      </p:stCondLst>
-                      <p:childTnLst>
-                        <p:par>
-                          <p:cTn id="4" fill="hold">
-                            <p:stCondLst>
-                              <p:cond delay="0"/>
-                            </p:stCondLst>
-                            <p:childTnLst>
-                              <p:par>
-                                <p:cTn id="5" presetID="10" presetClass="entr" presetSubtype="0" fill="hold" grpId="0" nodeType="withEffect">
-                                  <p:stCondLst>
-                                    <p:cond delay="250"/>
-                                  </p:stCondLst>
-                                  <p:iterate>
-                                    <p:tmPct val="10000"/>
-                                  </p:iterate>
-                                  <p:childTnLst>
-                                    <p:set>
-                                      <p:cBhvr>
-                                        <p:cTn id="6" dur="1" fill="hold">
-                                          <p:stCondLst>
-                                            <p:cond delay="0"/>
-                                          </p:stCondLst>
-                                        </p:cTn>
-                                        <p:tgtEl>
-                                          <p:spTgt spid="4"/>
-                                        </p:tgtEl>
-                                        <p:attrNameLst>
-                                          <p:attrName>style.visibility</p:attrName>
-                                        </p:attrNameLst>
-                                      </p:cBhvr>
-                                      <p:to>
-                                        <p:strVal val="visible"/>
-                                      </p:to>
-                                    </p:set>
-                                    <p:animEffect transition="in" filter="fade">
-                                      <p:cBhvr>
-                                        <p:cTn id="7" dur="500"/>
-                                        <p:tgtEl>
-                                          <p:spTgt spid="4"/>
-                                        </p:tgtEl>
-                                      </p:cBhvr>
-                                    </p:animEffect>
-                                  </p:childTnLst>
-                                </p:cTn>
-                              </p:par>
-                            </p:childTnLst>
-                          </p:cTn>
-                        </p:par>
-                      </p:childTnLst>
-                    </p:cTn>
-                  </p:par>
-                </p:childTnLst>
-              </p:cTn>
-              <p:prevCondLst>
-                <p:cond evt="onPrev" delay="0">
-                  <p:tgtEl>
-                    <p:sldTgt/>
-                  </p:tgtEl>
-                </p:cond>
-              </p:prevCondLst>
-              <p:nextCondLst>
-                <p:cond evt="onNext" delay="0">
-                  <p:tgtEl>
-                    <p:sldTgt/>
-                  </p:tgtEl>
-                </p:cond>
-              </p:nextCondLst>
-            </p:seq>
-          </p:childTnLst>
-        </p:cTn>
-      </p:par>
-    </p:tnLst>
-    <p:bldLst>
-      <p:bldP spid="4" grpId="0"/>
-    </p:bldLst>
-  </p:timing>
-</p:sld>
-</file>
-
-<file path=ppt/slides/slide20.xml><?xml version="1.0" encoding="utf-8"?>
+<file path=ppt/slides/slide16.xml><?xml version="1.0" encoding="utf-8"?>
 <p:sld xmlns:a="http://schemas.openxmlformats.org/drawingml/2006/main" xmlns:r="http://schemas.openxmlformats.org/officeDocument/2006/relationships" xmlns:p="http://schemas.openxmlformats.org/presentationml/2006/main">
   <p:cSld>
     <p:bg>
@@ -18953,7 +15774,7 @@
 </p:sld>
 </file>
 
-<file path=ppt/slides/slide21.xml><?xml version="1.0" encoding="utf-8"?>
+<file path=ppt/slides/slide17.xml><?xml version="1.0" encoding="utf-8"?>
 <p:sld xmlns:a="http://schemas.openxmlformats.org/drawingml/2006/main" xmlns:r="http://schemas.openxmlformats.org/officeDocument/2006/relationships" xmlns:p="http://schemas.openxmlformats.org/presentationml/2006/main">
   <p:cSld>
     <p:bg>
@@ -19277,798 +16098,7 @@
 </p:sld>
 </file>
 
-<file path=ppt/slides/slide22.xml><?xml version="1.0" encoding="utf-8"?>
-<p:sld xmlns:a="http://schemas.openxmlformats.org/drawingml/2006/main" xmlns:r="http://schemas.openxmlformats.org/officeDocument/2006/relationships" xmlns:p="http://schemas.openxmlformats.org/presentationml/2006/main">
-  <p:cSld>
-    <p:bg>
-      <p:bgPr>
-        <a:solidFill>
-          <a:schemeClr val="bg1"/>
-        </a:solidFill>
-        <a:effectLst/>
-      </p:bgPr>
-    </p:bg>
-    <p:spTree>
-      <p:nvGrpSpPr>
-        <p:cNvPr id="1" name=""/>
-        <p:cNvGrpSpPr/>
-        <p:nvPr/>
-      </p:nvGrpSpPr>
-      <p:grpSpPr>
-        <a:xfrm>
-          <a:off x="0" y="0"/>
-          <a:ext cx="0" cy="0"/>
-          <a:chOff x="0" y="0"/>
-          <a:chExt cx="0" cy="0"/>
-        </a:xfrm>
-      </p:grpSpPr>
-      <p:sp useBgFill="1">
-        <p:nvSpPr>
-          <p:cNvPr id="7" name="Rectangle 6">
-            <a:extLst>
-              <a:ext uri="{FF2B5EF4-FFF2-40B4-BE49-F238E27FC236}">
-                <a16:creationId xmlns:a16="http://schemas.microsoft.com/office/drawing/2014/main" id="{DEF92653-5D6D-47E6-8744-0DAF76E049C4}"/>
-              </a:ext>
-              <a:ext uri="{C183D7F6-B498-43B3-948B-1728B52AA6E4}">
-                <adec:decorative xmlns:adec="http://schemas.microsoft.com/office/drawing/2017/decorative" val="1"/>
-              </a:ext>
-            </a:extLst>
-          </p:cNvPr>
-          <p:cNvSpPr>
-            <a:spLocks noGrp="1" noRot="1" noChangeAspect="1" noMove="1" noResize="1" noEditPoints="1" noAdjustHandles="1" noChangeArrowheads="1" noChangeShapeType="1" noTextEdit="1"/>
-          </p:cNvSpPr>
-          <p:nvPr>
-            <p:extLst>
-              <p:ext uri="{386F3935-93C4-4BCD-93E2-E3B085C9AB24}">
-                <p16:designElem xmlns:p16="http://schemas.microsoft.com/office/powerpoint/2015/main" val="1"/>
-              </p:ext>
-            </p:extLst>
-          </p:nvPr>
-        </p:nvSpPr>
-        <p:spPr>
-          <a:xfrm>
-            <a:off x="0" y="0"/>
-            <a:ext cx="12192000" cy="6858000"/>
-          </a:xfrm>
-          <a:prstGeom prst="rect">
-            <a:avLst/>
-          </a:prstGeom>
-          <a:ln w="12700" cap="flat" cmpd="sng" algn="ctr">
-            <a:noFill/>
-            <a:prstDash val="solid"/>
-            <a:miter lim="800000"/>
-          </a:ln>
-          <a:effectLst/>
-        </p:spPr>
-        <p:style>
-          <a:lnRef idx="2">
-            <a:schemeClr val="accent1">
-              <a:shade val="50000"/>
-            </a:schemeClr>
-          </a:lnRef>
-          <a:fillRef idx="1">
-            <a:schemeClr val="accent1"/>
-          </a:fillRef>
-          <a:effectRef idx="0">
-            <a:schemeClr val="accent1"/>
-          </a:effectRef>
-          <a:fontRef idx="minor">
-            <a:schemeClr val="lt1"/>
-          </a:fontRef>
-        </p:style>
-        <p:txBody>
-          <a:bodyPr rtlCol="0" anchor="ctr"/>
-          <a:lstStyle/>
-          <a:p>
-            <a:pPr marL="0" marR="0" lvl="0" indent="0" algn="ctr" defTabSz="914400" rtl="0" eaLnBrk="1" fontAlgn="auto" latinLnBrk="0" hangingPunct="1">
-              <a:lnSpc>
-                <a:spcPct val="100000"/>
-              </a:lnSpc>
-              <a:spcBef>
-                <a:spcPts val="0"/>
-              </a:spcBef>
-              <a:spcAft>
-                <a:spcPts val="0"/>
-              </a:spcAft>
-              <a:buClrTx/>
-              <a:buSzTx/>
-              <a:buFontTx/>
-              <a:buNone/>
-              <a:tabLst/>
-              <a:defRPr/>
-            </a:pPr>
-            <a:endParaRPr kumimoji="0" lang="en-US" sz="1800" b="0" i="0" u="none" strike="noStrike" kern="1200" cap="none" spc="0" normalizeH="0" baseline="0" noProof="0">
-              <a:ln>
-                <a:noFill/>
-              </a:ln>
-              <a:solidFill>
-                <a:srgbClr val="FFFFFF"/>
-              </a:solidFill>
-              <a:effectLst/>
-              <a:uLnTx/>
-              <a:uFillTx/>
-              <a:latin typeface="Calisto MT"/>
-              <a:ea typeface="+mn-ea"/>
-              <a:cs typeface="+mn-cs"/>
-            </a:endParaRPr>
-          </a:p>
-        </p:txBody>
-      </p:sp>
-      <p:sp>
-        <p:nvSpPr>
-          <p:cNvPr id="2" name="Titel 1">
-            <a:extLst>
-              <a:ext uri="{FF2B5EF4-FFF2-40B4-BE49-F238E27FC236}">
-                <a16:creationId xmlns:a16="http://schemas.microsoft.com/office/drawing/2014/main" id="{420A9989-417E-A099-EC34-D083C91FEFB3}"/>
-              </a:ext>
-            </a:extLst>
-          </p:cNvPr>
-          <p:cNvSpPr>
-            <a:spLocks noGrp="1"/>
-          </p:cNvSpPr>
-          <p:nvPr>
-            <p:ph type="ctrTitle"/>
-          </p:nvPr>
-        </p:nvSpPr>
-        <p:spPr>
-          <a:xfrm>
-            <a:off x="695324" y="1145308"/>
-            <a:ext cx="7600263" cy="4860947"/>
-          </a:xfrm>
-        </p:spPr>
-        <p:txBody>
-          <a:bodyPr anchor="b">
-            <a:normAutofit/>
-          </a:bodyPr>
-          <a:lstStyle/>
-          <a:p>
-            <a:r>
-              <a:rPr lang="de-DE" sz="7600"/>
-              <a:t>Freigabe / Genehmigung</a:t>
-            </a:r>
-          </a:p>
-        </p:txBody>
-      </p:sp>
-      <p:cxnSp>
-        <p:nvCxnSpPr>
-          <p:cNvPr id="9" name="Straight Connector 8">
-            <a:extLst>
-              <a:ext uri="{FF2B5EF4-FFF2-40B4-BE49-F238E27FC236}">
-                <a16:creationId xmlns:a16="http://schemas.microsoft.com/office/drawing/2014/main" id="{67CEFA70-4D11-644F-D4FB-AFFE8747ECCA}"/>
-              </a:ext>
-              <a:ext uri="{C183D7F6-B498-43B3-948B-1728B52AA6E4}">
-                <adec:decorative xmlns:adec="http://schemas.microsoft.com/office/drawing/2017/decorative" val="1"/>
-              </a:ext>
-            </a:extLst>
-          </p:cNvPr>
-          <p:cNvCxnSpPr>
-            <a:cxnSpLocks noGrp="1" noRot="1" noChangeAspect="1" noMove="1" noResize="1" noEditPoints="1" noAdjustHandles="1" noChangeArrowheads="1" noChangeShapeType="1"/>
-          </p:cNvCxnSpPr>
-          <p:nvPr>
-            <p:extLst>
-              <p:ext uri="{386F3935-93C4-4BCD-93E2-E3B085C9AB24}">
-                <p16:designElem xmlns:p16="http://schemas.microsoft.com/office/powerpoint/2015/main" val="1"/>
-              </p:ext>
-            </p:extLst>
-          </p:nvPr>
-        </p:nvCxnSpPr>
-        <p:spPr>
-          <a:xfrm>
-            <a:off x="800100" y="6142781"/>
-            <a:ext cx="7554201" cy="0"/>
-          </a:xfrm>
-          <a:prstGeom prst="line">
-            <a:avLst/>
-          </a:prstGeom>
-          <a:ln w="12700">
-            <a:solidFill>
-              <a:schemeClr val="tx1"/>
-            </a:solidFill>
-          </a:ln>
-        </p:spPr>
-        <p:style>
-          <a:lnRef idx="1">
-            <a:schemeClr val="accent1"/>
-          </a:lnRef>
-          <a:fillRef idx="0">
-            <a:schemeClr val="accent1"/>
-          </a:fillRef>
-          <a:effectRef idx="0">
-            <a:schemeClr val="accent1"/>
-          </a:effectRef>
-          <a:fontRef idx="minor">
-            <a:schemeClr val="tx1"/>
-          </a:fontRef>
-        </p:style>
-      </p:cxnSp>
-    </p:spTree>
-    <p:extLst>
-      <p:ext uri="{BB962C8B-B14F-4D97-AF65-F5344CB8AC3E}">
-        <p14:creationId xmlns:p14="http://schemas.microsoft.com/office/powerpoint/2010/main" val="3008426319"/>
-      </p:ext>
-    </p:extLst>
-  </p:cSld>
-  <p:clrMapOvr>
-    <a:masterClrMapping/>
-  </p:clrMapOvr>
-  <p:transition>
-    <p:fade/>
-  </p:transition>
-  <p:timing>
-    <p:tnLst>
-      <p:par>
-        <p:cTn id="1" dur="indefinite" restart="never" nodeType="tmRoot">
-          <p:childTnLst>
-            <p:seq concurrent="1" nextAc="seek">
-              <p:cTn id="2" dur="indefinite" nodeType="mainSeq">
-                <p:childTnLst>
-                  <p:par>
-                    <p:cTn id="3" fill="hold">
-                      <p:stCondLst>
-                        <p:cond delay="indefinite"/>
-                        <p:cond evt="onBegin" delay="0">
-                          <p:tn val="2"/>
-                        </p:cond>
-                      </p:stCondLst>
-                      <p:childTnLst>
-                        <p:par>
-                          <p:cTn id="4" fill="hold">
-                            <p:stCondLst>
-                              <p:cond delay="0"/>
-                            </p:stCondLst>
-                            <p:childTnLst>
-                              <p:par>
-                                <p:cTn id="5" presetID="10" presetClass="entr" presetSubtype="0" fill="hold" grpId="0" nodeType="withEffect">
-                                  <p:stCondLst>
-                                    <p:cond delay="500"/>
-                                  </p:stCondLst>
-                                  <p:iterate type="lt">
-                                    <p:tmPct val="10000"/>
-                                  </p:iterate>
-                                  <p:childTnLst>
-                                    <p:set>
-                                      <p:cBhvr>
-                                        <p:cTn id="6" dur="1" fill="hold">
-                                          <p:stCondLst>
-                                            <p:cond delay="0"/>
-                                          </p:stCondLst>
-                                        </p:cTn>
-                                        <p:tgtEl>
-                                          <p:spTgt spid="2"/>
-                                        </p:tgtEl>
-                                        <p:attrNameLst>
-                                          <p:attrName>style.visibility</p:attrName>
-                                        </p:attrNameLst>
-                                      </p:cBhvr>
-                                      <p:to>
-                                        <p:strVal val="visible"/>
-                                      </p:to>
-                                    </p:set>
-                                    <p:animEffect transition="in" filter="fade">
-                                      <p:cBhvr>
-                                        <p:cTn id="7" dur="400"/>
-                                        <p:tgtEl>
-                                          <p:spTgt spid="2"/>
-                                        </p:tgtEl>
-                                      </p:cBhvr>
-                                    </p:animEffect>
-                                  </p:childTnLst>
-                                </p:cTn>
-                              </p:par>
-                            </p:childTnLst>
-                          </p:cTn>
-                        </p:par>
-                      </p:childTnLst>
-                    </p:cTn>
-                  </p:par>
-                </p:childTnLst>
-              </p:cTn>
-              <p:prevCondLst>
-                <p:cond evt="onPrev" delay="0">
-                  <p:tgtEl>
-                    <p:sldTgt/>
-                  </p:tgtEl>
-                </p:cond>
-              </p:prevCondLst>
-              <p:nextCondLst>
-                <p:cond evt="onNext" delay="0">
-                  <p:tgtEl>
-                    <p:sldTgt/>
-                  </p:tgtEl>
-                </p:cond>
-              </p:nextCondLst>
-            </p:seq>
-          </p:childTnLst>
-        </p:cTn>
-      </p:par>
-    </p:tnLst>
-    <p:bldLst>
-      <p:bldP spid="2" grpId="0"/>
-    </p:bldLst>
-  </p:timing>
-</p:sld>
-</file>
-
-<file path=ppt/slides/slide23.xml><?xml version="1.0" encoding="utf-8"?>
-<p:sld xmlns:a="http://schemas.openxmlformats.org/drawingml/2006/main" xmlns:r="http://schemas.openxmlformats.org/officeDocument/2006/relationships" xmlns:p="http://schemas.openxmlformats.org/presentationml/2006/main">
-  <p:cSld>
-    <p:bg>
-      <p:bgPr>
-        <a:solidFill>
-          <a:schemeClr val="bg1"/>
-        </a:solidFill>
-        <a:effectLst/>
-      </p:bgPr>
-    </p:bg>
-    <p:spTree>
-      <p:nvGrpSpPr>
-        <p:cNvPr id="1" name=""/>
-        <p:cNvGrpSpPr/>
-        <p:nvPr/>
-      </p:nvGrpSpPr>
-      <p:grpSpPr>
-        <a:xfrm>
-          <a:off x="0" y="0"/>
-          <a:ext cx="0" cy="0"/>
-          <a:chOff x="0" y="0"/>
-          <a:chExt cx="0" cy="0"/>
-        </a:xfrm>
-      </p:grpSpPr>
-      <p:sp useBgFill="1">
-        <p:nvSpPr>
-          <p:cNvPr id="10" name="Rectangle 9">
-            <a:extLst>
-              <a:ext uri="{FF2B5EF4-FFF2-40B4-BE49-F238E27FC236}">
-                <a16:creationId xmlns:a16="http://schemas.microsoft.com/office/drawing/2014/main" id="{F68B2C62-7648-4430-90D5-AE0F252AF113}"/>
-              </a:ext>
-              <a:ext uri="{C183D7F6-B498-43B3-948B-1728B52AA6E4}">
-                <adec:decorative xmlns:adec="http://schemas.microsoft.com/office/drawing/2017/decorative" val="1"/>
-              </a:ext>
-            </a:extLst>
-          </p:cNvPr>
-          <p:cNvSpPr>
-            <a:spLocks noGrp="1" noRot="1" noChangeAspect="1" noMove="1" noResize="1" noEditPoints="1" noAdjustHandles="1" noChangeArrowheads="1" noChangeShapeType="1" noTextEdit="1"/>
-          </p:cNvSpPr>
-          <p:nvPr>
-            <p:extLst>
-              <p:ext uri="{386F3935-93C4-4BCD-93E2-E3B085C9AB24}">
-                <p16:designElem xmlns:p16="http://schemas.microsoft.com/office/powerpoint/2015/main" val="1"/>
-              </p:ext>
-            </p:extLst>
-          </p:nvPr>
-        </p:nvSpPr>
-        <p:spPr>
-          <a:xfrm>
-            <a:off x="0" y="0"/>
-            <a:ext cx="12192000" cy="6858000"/>
-          </a:xfrm>
-          <a:prstGeom prst="rect">
-            <a:avLst/>
-          </a:prstGeom>
-          <a:ln w="12700" cap="flat" cmpd="sng" algn="ctr">
-            <a:noFill/>
-            <a:prstDash val="solid"/>
-            <a:miter lim="800000"/>
-          </a:ln>
-          <a:effectLst/>
-          <a:extLst>
-            <a:ext uri="{91240B29-F687-4F45-9708-019B960494DF}">
-              <a14:hiddenLine xmlns:a14="http://schemas.microsoft.com/office/drawing/2010/main" w="12700" cap="flat" cmpd="sng" algn="ctr">
-                <a:solidFill>
-                  <a:schemeClr val="accent1">
-                    <a:shade val="50000"/>
-                  </a:schemeClr>
-                </a:solidFill>
-                <a:prstDash val="solid"/>
-                <a:miter lim="800000"/>
-              </a14:hiddenLine>
-            </a:ext>
-          </a:extLst>
-        </p:spPr>
-        <p:style>
-          <a:lnRef idx="2">
-            <a:schemeClr val="accent1">
-              <a:shade val="50000"/>
-            </a:schemeClr>
-          </a:lnRef>
-          <a:fillRef idx="1">
-            <a:schemeClr val="accent1"/>
-          </a:fillRef>
-          <a:effectRef idx="0">
-            <a:schemeClr val="accent1"/>
-          </a:effectRef>
-          <a:fontRef idx="minor">
-            <a:schemeClr val="lt1"/>
-          </a:fontRef>
-        </p:style>
-        <p:txBody>
-          <a:bodyPr rtlCol="0" anchor="ctr"/>
-          <a:lstStyle/>
-          <a:p>
-            <a:pPr algn="ctr"/>
-            <a:endParaRPr lang="en-US"/>
-          </a:p>
-        </p:txBody>
-      </p:sp>
-      <p:sp>
-        <p:nvSpPr>
-          <p:cNvPr id="2" name="Titel 1">
-            <a:extLst>
-              <a:ext uri="{FF2B5EF4-FFF2-40B4-BE49-F238E27FC236}">
-                <a16:creationId xmlns:a16="http://schemas.microsoft.com/office/drawing/2014/main" id="{176D1D4B-CD58-4558-B62E-A64E4F8AB7E1}"/>
-              </a:ext>
-            </a:extLst>
-          </p:cNvPr>
-          <p:cNvSpPr>
-            <a:spLocks noGrp="1"/>
-          </p:cNvSpPr>
-          <p:nvPr>
-            <p:ph type="title"/>
-          </p:nvPr>
-        </p:nvSpPr>
-        <p:spPr>
-          <a:xfrm>
-            <a:off x="700087" y="909638"/>
-            <a:ext cx="10691813" cy="1155618"/>
-          </a:xfrm>
-        </p:spPr>
-        <p:txBody>
-          <a:bodyPr>
-            <a:normAutofit/>
-          </a:bodyPr>
-          <a:lstStyle/>
-          <a:p>
-            <a:r>
-              <a:rPr lang="de-DE"/>
-              <a:t>Genehmigung</a:t>
-            </a:r>
-          </a:p>
-        </p:txBody>
-      </p:sp>
-      <p:cxnSp>
-        <p:nvCxnSpPr>
-          <p:cNvPr id="12" name="Straight Connector 11">
-            <a:extLst>
-              <a:ext uri="{FF2B5EF4-FFF2-40B4-BE49-F238E27FC236}">
-                <a16:creationId xmlns:a16="http://schemas.microsoft.com/office/drawing/2014/main" id="{AAD0195E-7F27-4D06-9427-0C121D721A14}"/>
-              </a:ext>
-              <a:ext uri="{C183D7F6-B498-43B3-948B-1728B52AA6E4}">
-                <adec:decorative xmlns:adec="http://schemas.microsoft.com/office/drawing/2017/decorative" val="1"/>
-              </a:ext>
-            </a:extLst>
-          </p:cNvPr>
-          <p:cNvCxnSpPr>
-            <a:cxnSpLocks noGrp="1" noRot="1" noChangeAspect="1" noMove="1" noResize="1" noEditPoints="1" noAdjustHandles="1" noChangeArrowheads="1" noChangeShapeType="1"/>
-          </p:cNvCxnSpPr>
-          <p:nvPr>
-            <p:extLst>
-              <p:ext uri="{386F3935-93C4-4BCD-93E2-E3B085C9AB24}">
-                <p16:designElem xmlns:p16="http://schemas.microsoft.com/office/powerpoint/2015/main" val="1"/>
-              </p:ext>
-            </p:extLst>
-          </p:nvPr>
-        </p:nvCxnSpPr>
-        <p:spPr>
-          <a:xfrm>
-            <a:off x="800100" y="723900"/>
-            <a:ext cx="10591800" cy="0"/>
-          </a:xfrm>
-          <a:prstGeom prst="line">
-            <a:avLst/>
-          </a:prstGeom>
-          <a:ln w="44450">
-            <a:solidFill>
-              <a:schemeClr val="tx1"/>
-            </a:solidFill>
-          </a:ln>
-        </p:spPr>
-        <p:style>
-          <a:lnRef idx="1">
-            <a:schemeClr val="accent1"/>
-          </a:lnRef>
-          <a:fillRef idx="0">
-            <a:schemeClr val="accent1"/>
-          </a:fillRef>
-          <a:effectRef idx="0">
-            <a:schemeClr val="accent1"/>
-          </a:effectRef>
-          <a:fontRef idx="minor">
-            <a:schemeClr val="tx1"/>
-          </a:fontRef>
-        </p:style>
-      </p:cxnSp>
-      <p:cxnSp>
-        <p:nvCxnSpPr>
-          <p:cNvPr id="14" name="Straight Connector 13">
-            <a:extLst>
-              <a:ext uri="{FF2B5EF4-FFF2-40B4-BE49-F238E27FC236}">
-                <a16:creationId xmlns:a16="http://schemas.microsoft.com/office/drawing/2014/main" id="{9D74C2FC-3228-4FC1-B97B-87AD35508D91}"/>
-              </a:ext>
-              <a:ext uri="{C183D7F6-B498-43B3-948B-1728B52AA6E4}">
-                <adec:decorative xmlns:adec="http://schemas.microsoft.com/office/drawing/2017/decorative" val="1"/>
-              </a:ext>
-            </a:extLst>
-          </p:cNvPr>
-          <p:cNvCxnSpPr>
-            <a:cxnSpLocks noGrp="1" noRot="1" noChangeAspect="1" noMove="1" noResize="1" noEditPoints="1" noAdjustHandles="1" noChangeArrowheads="1" noChangeShapeType="1"/>
-          </p:cNvCxnSpPr>
-          <p:nvPr>
-            <p:extLst>
-              <p:ext uri="{386F3935-93C4-4BCD-93E2-E3B085C9AB24}">
-                <p16:designElem xmlns:p16="http://schemas.microsoft.com/office/powerpoint/2015/main" val="1"/>
-              </p:ext>
-            </p:extLst>
-          </p:nvPr>
-        </p:nvCxnSpPr>
-        <p:spPr>
-          <a:xfrm>
-            <a:off x="800100" y="6142781"/>
-            <a:ext cx="10591800" cy="0"/>
-          </a:xfrm>
-          <a:prstGeom prst="line">
-            <a:avLst/>
-          </a:prstGeom>
-          <a:ln w="12700">
-            <a:solidFill>
-              <a:schemeClr val="tx1"/>
-            </a:solidFill>
-          </a:ln>
-        </p:spPr>
-        <p:style>
-          <a:lnRef idx="1">
-            <a:schemeClr val="accent1"/>
-          </a:lnRef>
-          <a:fillRef idx="0">
-            <a:schemeClr val="accent1"/>
-          </a:fillRef>
-          <a:effectRef idx="0">
-            <a:schemeClr val="accent1"/>
-          </a:effectRef>
-          <a:fontRef idx="minor">
-            <a:schemeClr val="tx1"/>
-          </a:fontRef>
-        </p:style>
-      </p:cxnSp>
-      <p:graphicFrame>
-        <p:nvGraphicFramePr>
-          <p:cNvPr id="5" name="Inhaltsplatzhalter 4">
-            <a:extLst>
-              <a:ext uri="{FF2B5EF4-FFF2-40B4-BE49-F238E27FC236}">
-                <a16:creationId xmlns:a16="http://schemas.microsoft.com/office/drawing/2014/main" id="{6A07C948-0E4D-4C22-BFDB-621EED89DCAB}"/>
-              </a:ext>
-            </a:extLst>
-          </p:cNvPr>
-          <p:cNvGraphicFramePr>
-            <a:graphicFrameLocks noGrp="1"/>
-          </p:cNvGraphicFramePr>
-          <p:nvPr>
-            <p:ph idx="1"/>
-            <p:extLst>
-              <p:ext uri="{D42A27DB-BD31-4B8C-83A1-F6EECF244321}">
-                <p14:modId xmlns:p14="http://schemas.microsoft.com/office/powerpoint/2010/main" val="16140926"/>
-              </p:ext>
-            </p:extLst>
-          </p:nvPr>
-        </p:nvGraphicFramePr>
-        <p:xfrm>
-          <a:off x="2839879" y="2701163"/>
-          <a:ext cx="6412230" cy="2782824"/>
-        </p:xfrm>
-        <a:graphic>
-          <a:graphicData uri="http://schemas.openxmlformats.org/drawingml/2006/table">
-            <a:tbl>
-              <a:tblPr firstRow="1" firstCol="1" lastRow="1" lastCol="1" bandRow="1" bandCol="1">
-                <a:tableStyleId>{5C22544A-7EE6-4342-B048-85BDC9FD1C3A}</a:tableStyleId>
-              </a:tblPr>
-              <a:tblGrid>
-                <a:gridCol w="3939540">
-                  <a:extLst>
-                    <a:ext uri="{9D8B030D-6E8A-4147-A177-3AD203B41FA5}">
-                      <a16:colId xmlns:a16="http://schemas.microsoft.com/office/drawing/2014/main" val="1922045979"/>
-                    </a:ext>
-                  </a:extLst>
-                </a:gridCol>
-                <a:gridCol w="2472690">
-                  <a:extLst>
-                    <a:ext uri="{9D8B030D-6E8A-4147-A177-3AD203B41FA5}">
-                      <a16:colId xmlns:a16="http://schemas.microsoft.com/office/drawing/2014/main" val="908071870"/>
-                    </a:ext>
-                  </a:extLst>
-                </a:gridCol>
-              </a:tblGrid>
-              <a:tr h="569976">
-                <a:tc>
-                  <a:txBody>
-                    <a:bodyPr/>
-                    <a:lstStyle/>
-                    <a:p>
-                      <a:pPr>
-                        <a:buNone/>
-                      </a:pPr>
-                      <a:r>
-                        <a:rPr lang="de-DE" sz="3300">
-                          <a:effectLst/>
-                        </a:rPr>
-                        <a:t>Datum:21.03.2025</a:t>
-                      </a:r>
-                    </a:p>
-                  </a:txBody>
-                  <a:tcPr marL="125730" marR="125730" marT="0" marB="0" anchor="ctr"/>
-                </a:tc>
-                <a:tc>
-                  <a:txBody>
-                    <a:bodyPr/>
-                    <a:lstStyle/>
-                    <a:p>
-                      <a:pPr>
-                        <a:buNone/>
-                      </a:pPr>
-                      <a:r>
-                        <a:rPr lang="de-DE" sz="3300">
-                          <a:effectLst/>
-                        </a:rPr>
-                        <a:t> </a:t>
-                      </a:r>
-                    </a:p>
-                  </a:txBody>
-                  <a:tcPr marL="125730" marR="125730" marT="0" marB="0" anchor="ctr"/>
-                </a:tc>
-                <a:extLst>
-                  <a:ext uri="{0D108BD9-81ED-4DB2-BD59-A6C34878D82A}">
-                    <a16:rowId xmlns:a16="http://schemas.microsoft.com/office/drawing/2014/main" val="1836631813"/>
-                  </a:ext>
-                </a:extLst>
-              </a:tr>
-              <a:tr h="1072896">
-                <a:tc>
-                  <a:txBody>
-                    <a:bodyPr/>
-                    <a:lstStyle/>
-                    <a:p>
-                      <a:pPr>
-                        <a:buNone/>
-                      </a:pPr>
-                      <a:r>
-                        <a:rPr lang="de-DE" sz="3300">
-                          <a:effectLst/>
-                        </a:rPr>
-                        <a:t>Unterschrift Auftraggeber:</a:t>
-                      </a:r>
-                    </a:p>
-                  </a:txBody>
-                  <a:tcPr marL="125730" marR="125730" marT="0" marB="0" anchor="ctr"/>
-                </a:tc>
-                <a:tc>
-                  <a:txBody>
-                    <a:bodyPr/>
-                    <a:lstStyle/>
-                    <a:p>
-                      <a:pPr>
-                        <a:buNone/>
-                      </a:pPr>
-                      <a:r>
-                        <a:rPr lang="de-DE" sz="3300">
-                          <a:effectLst/>
-                        </a:rPr>
-                        <a:t>M. Lindner</a:t>
-                      </a:r>
-                    </a:p>
-                  </a:txBody>
-                  <a:tcPr marL="125730" marR="125730" marT="0" marB="0" anchor="ctr"/>
-                </a:tc>
-                <a:extLst>
-                  <a:ext uri="{0D108BD9-81ED-4DB2-BD59-A6C34878D82A}">
-                    <a16:rowId xmlns:a16="http://schemas.microsoft.com/office/drawing/2014/main" val="4011324366"/>
-                  </a:ext>
-                </a:extLst>
-              </a:tr>
-              <a:tr h="569976">
-                <a:tc>
-                  <a:txBody>
-                    <a:bodyPr/>
-                    <a:lstStyle/>
-                    <a:p>
-                      <a:pPr>
-                        <a:buNone/>
-                      </a:pPr>
-                      <a:r>
-                        <a:rPr lang="de-DE" sz="3300">
-                          <a:effectLst/>
-                        </a:rPr>
-                        <a:t> </a:t>
-                      </a:r>
-                    </a:p>
-                  </a:txBody>
-                  <a:tcPr marL="125730" marR="125730" marT="0" marB="0" anchor="ctr"/>
-                </a:tc>
-                <a:tc>
-                  <a:txBody>
-                    <a:bodyPr/>
-                    <a:lstStyle/>
-                    <a:p>
-                      <a:pPr>
-                        <a:buNone/>
-                      </a:pPr>
-                      <a:r>
-                        <a:rPr lang="de-DE" sz="3300">
-                          <a:effectLst/>
-                        </a:rPr>
-                        <a:t> </a:t>
-                      </a:r>
-                    </a:p>
-                  </a:txBody>
-                  <a:tcPr marL="125730" marR="125730" marT="0" marB="0" anchor="ctr"/>
-                </a:tc>
-                <a:extLst>
-                  <a:ext uri="{0D108BD9-81ED-4DB2-BD59-A6C34878D82A}">
-                    <a16:rowId xmlns:a16="http://schemas.microsoft.com/office/drawing/2014/main" val="2017938388"/>
-                  </a:ext>
-                </a:extLst>
-              </a:tr>
-              <a:tr h="569976">
-                <a:tc>
-                  <a:txBody>
-                    <a:bodyPr/>
-                    <a:lstStyle/>
-                    <a:p>
-                      <a:pPr>
-                        <a:buNone/>
-                      </a:pPr>
-                      <a:r>
-                        <a:rPr lang="de-DE" sz="3300">
-                          <a:effectLst/>
-                        </a:rPr>
-                        <a:t> </a:t>
-                      </a:r>
-                    </a:p>
-                  </a:txBody>
-                  <a:tcPr marL="125730" marR="125730" marT="0" marB="0" anchor="ctr"/>
-                </a:tc>
-                <a:tc>
-                  <a:txBody>
-                    <a:bodyPr/>
-                    <a:lstStyle/>
-                    <a:p>
-                      <a:pPr>
-                        <a:buNone/>
-                      </a:pPr>
-                      <a:r>
-                        <a:rPr lang="de-DE" sz="3300">
-                          <a:effectLst/>
-                        </a:rPr>
-                        <a:t> </a:t>
-                      </a:r>
-                    </a:p>
-                  </a:txBody>
-                  <a:tcPr marL="125730" marR="125730" marT="0" marB="0" anchor="ctr"/>
-                </a:tc>
-                <a:extLst>
-                  <a:ext uri="{0D108BD9-81ED-4DB2-BD59-A6C34878D82A}">
-                    <a16:rowId xmlns:a16="http://schemas.microsoft.com/office/drawing/2014/main" val="2001117184"/>
-                  </a:ext>
-                </a:extLst>
-              </a:tr>
-            </a:tbl>
-          </a:graphicData>
-        </a:graphic>
-      </p:graphicFrame>
-    </p:spTree>
-    <p:extLst>
-      <p:ext uri="{BB962C8B-B14F-4D97-AF65-F5344CB8AC3E}">
-        <p14:creationId xmlns:p14="http://schemas.microsoft.com/office/powerpoint/2010/main" val="2071852760"/>
-      </p:ext>
-    </p:extLst>
-  </p:cSld>
-  <p:clrMapOvr>
-    <a:masterClrMapping/>
-  </p:clrMapOvr>
-  <p:transition>
-    <p:fade/>
-  </p:transition>
-</p:sld>
-</file>
-
-<file path=ppt/slides/slide24.xml><?xml version="1.0" encoding="utf-8"?>
+<file path=ppt/slides/slide18.xml><?xml version="1.0" encoding="utf-8"?>
 <p:sld xmlns:a="http://schemas.openxmlformats.org/drawingml/2006/main" xmlns:r="http://schemas.openxmlformats.org/officeDocument/2006/relationships" xmlns:p="http://schemas.openxmlformats.org/presentationml/2006/main">
   <p:cSld>
     <p:bg>
@@ -20380,7 +16410,7 @@
 </p:sld>
 </file>
 
-<file path=ppt/slides/slide25.xml><?xml version="1.0" encoding="utf-8"?>
+<file path=ppt/slides/slide19.xml><?xml version="1.0" encoding="utf-8"?>
 <p:sld xmlns:a="http://schemas.openxmlformats.org/drawingml/2006/main" xmlns:r="http://schemas.openxmlformats.org/officeDocument/2006/relationships" xmlns:p="http://schemas.openxmlformats.org/presentationml/2006/main">
   <p:cSld>
     <p:bg>
@@ -20643,7 +16673,7 @@
         </p:nvGraphicFramePr>
         <p:xfrm>
           <a:off x="700088" y="2864784"/>
-          <a:ext cx="10691812" cy="2455582"/>
+          <a:ext cx="10691813" cy="2455584"/>
         </p:xfrm>
         <a:graphic>
           <a:graphicData uri="http://schemas.openxmlformats.org/drawingml/2006/table">
@@ -20859,7 +16889,603 @@
 </p:sld>
 </file>
 
-<file path=ppt/slides/slide26.xml><?xml version="1.0" encoding="utf-8"?>
+<file path=ppt/slides/slide2.xml><?xml version="1.0" encoding="utf-8"?>
+<p:sld xmlns:a="http://schemas.openxmlformats.org/drawingml/2006/main" xmlns:r="http://schemas.openxmlformats.org/officeDocument/2006/relationships" xmlns:p="http://schemas.openxmlformats.org/presentationml/2006/main">
+  <p:cSld>
+    <p:bg>
+      <p:bgPr>
+        <a:solidFill>
+          <a:schemeClr val="bg1"/>
+        </a:solidFill>
+        <a:effectLst/>
+      </p:bgPr>
+    </p:bg>
+    <p:spTree>
+      <p:nvGrpSpPr>
+        <p:cNvPr id="1" name=""/>
+        <p:cNvGrpSpPr/>
+        <p:nvPr/>
+      </p:nvGrpSpPr>
+      <p:grpSpPr>
+        <a:xfrm>
+          <a:off x="0" y="0"/>
+          <a:ext cx="0" cy="0"/>
+          <a:chOff x="0" y="0"/>
+          <a:chExt cx="0" cy="0"/>
+        </a:xfrm>
+      </p:grpSpPr>
+      <p:cxnSp>
+        <p:nvCxnSpPr>
+          <p:cNvPr id="10" name="Straight Connector 9">
+            <a:extLst>
+              <a:ext uri="{FF2B5EF4-FFF2-40B4-BE49-F238E27FC236}">
+                <a16:creationId xmlns:a16="http://schemas.microsoft.com/office/drawing/2014/main" id="{F64F9B95-9045-48D2-B9F3-2927E98F54AA}"/>
+              </a:ext>
+              <a:ext uri="{C183D7F6-B498-43B3-948B-1728B52AA6E4}">
+                <adec:decorative xmlns:adec="http://schemas.microsoft.com/office/drawing/2017/decorative" val="1"/>
+              </a:ext>
+            </a:extLst>
+          </p:cNvPr>
+          <p:cNvCxnSpPr>
+            <a:cxnSpLocks noGrp="1" noRot="1" noChangeAspect="1" noMove="1" noResize="1" noEditPoints="1" noAdjustHandles="1" noChangeArrowheads="1" noChangeShapeType="1"/>
+          </p:cNvCxnSpPr>
+          <p:nvPr>
+            <p:extLst>
+              <p:ext uri="{386F3935-93C4-4BCD-93E2-E3B085C9AB24}">
+                <p16:designElem xmlns:p16="http://schemas.microsoft.com/office/powerpoint/2015/main" val="1"/>
+              </p:ext>
+            </p:extLst>
+          </p:nvPr>
+        </p:nvCxnSpPr>
+        <p:spPr>
+          <a:xfrm>
+            <a:off x="800100" y="723900"/>
+            <a:ext cx="10591800" cy="0"/>
+          </a:xfrm>
+          <a:prstGeom prst="line">
+            <a:avLst/>
+          </a:prstGeom>
+          <a:ln w="44450">
+            <a:solidFill>
+              <a:schemeClr val="tx1"/>
+            </a:solidFill>
+          </a:ln>
+        </p:spPr>
+        <p:style>
+          <a:lnRef idx="1">
+            <a:schemeClr val="accent1"/>
+          </a:lnRef>
+          <a:fillRef idx="0">
+            <a:schemeClr val="accent1"/>
+          </a:fillRef>
+          <a:effectRef idx="0">
+            <a:schemeClr val="accent1"/>
+          </a:effectRef>
+          <a:fontRef idx="minor">
+            <a:schemeClr val="tx1"/>
+          </a:fontRef>
+        </p:style>
+      </p:cxnSp>
+      <p:cxnSp>
+        <p:nvCxnSpPr>
+          <p:cNvPr id="12" name="Straight Connector 11">
+            <a:extLst>
+              <a:ext uri="{FF2B5EF4-FFF2-40B4-BE49-F238E27FC236}">
+                <a16:creationId xmlns:a16="http://schemas.microsoft.com/office/drawing/2014/main" id="{085AA86F-6A4D-4BCB-A045-D992CDC2959B}"/>
+              </a:ext>
+              <a:ext uri="{C183D7F6-B498-43B3-948B-1728B52AA6E4}">
+                <adec:decorative xmlns:adec="http://schemas.microsoft.com/office/drawing/2017/decorative" val="1"/>
+              </a:ext>
+            </a:extLst>
+          </p:cNvPr>
+          <p:cNvCxnSpPr>
+            <a:cxnSpLocks noGrp="1" noRot="1" noChangeAspect="1" noMove="1" noResize="1" noEditPoints="1" noAdjustHandles="1" noChangeArrowheads="1" noChangeShapeType="1"/>
+          </p:cNvCxnSpPr>
+          <p:nvPr>
+            <p:extLst>
+              <p:ext uri="{386F3935-93C4-4BCD-93E2-E3B085C9AB24}">
+                <p16:designElem xmlns:p16="http://schemas.microsoft.com/office/powerpoint/2015/main" val="1"/>
+              </p:ext>
+            </p:extLst>
+          </p:nvPr>
+        </p:nvCxnSpPr>
+        <p:spPr>
+          <a:xfrm>
+            <a:off x="800100" y="6142781"/>
+            <a:ext cx="10591800" cy="0"/>
+          </a:xfrm>
+          <a:prstGeom prst="line">
+            <a:avLst/>
+          </a:prstGeom>
+          <a:ln w="12700">
+            <a:solidFill>
+              <a:schemeClr val="tx1"/>
+            </a:solidFill>
+          </a:ln>
+        </p:spPr>
+        <p:style>
+          <a:lnRef idx="1">
+            <a:schemeClr val="accent1"/>
+          </a:lnRef>
+          <a:fillRef idx="0">
+            <a:schemeClr val="accent1"/>
+          </a:fillRef>
+          <a:effectRef idx="0">
+            <a:schemeClr val="accent1"/>
+          </a:effectRef>
+          <a:fontRef idx="minor">
+            <a:schemeClr val="tx1"/>
+          </a:fontRef>
+        </p:style>
+      </p:cxnSp>
+      <p:sp useBgFill="1">
+        <p:nvSpPr>
+          <p:cNvPr id="14" name="Rectangle 13">
+            <a:extLst>
+              <a:ext uri="{FF2B5EF4-FFF2-40B4-BE49-F238E27FC236}">
+                <a16:creationId xmlns:a16="http://schemas.microsoft.com/office/drawing/2014/main" id="{E49D7415-2F11-44C2-B6AA-13A25B6814B9}"/>
+              </a:ext>
+              <a:ext uri="{C183D7F6-B498-43B3-948B-1728B52AA6E4}">
+                <adec:decorative xmlns:adec="http://schemas.microsoft.com/office/drawing/2017/decorative" val="1"/>
+              </a:ext>
+            </a:extLst>
+          </p:cNvPr>
+          <p:cNvSpPr>
+            <a:spLocks noGrp="1" noRot="1" noChangeAspect="1" noMove="1" noResize="1" noEditPoints="1" noAdjustHandles="1" noChangeArrowheads="1" noChangeShapeType="1" noTextEdit="1"/>
+          </p:cNvSpPr>
+          <p:nvPr>
+            <p:extLst>
+              <p:ext uri="{386F3935-93C4-4BCD-93E2-E3B085C9AB24}">
+                <p16:designElem xmlns:p16="http://schemas.microsoft.com/office/powerpoint/2015/main" val="1"/>
+              </p:ext>
+            </p:extLst>
+          </p:nvPr>
+        </p:nvSpPr>
+        <p:spPr>
+          <a:xfrm>
+            <a:off x="0" y="0"/>
+            <a:ext cx="12192000" cy="6858000"/>
+          </a:xfrm>
+          <a:prstGeom prst="rect">
+            <a:avLst/>
+          </a:prstGeom>
+          <a:ln w="12700" cap="flat" cmpd="sng" algn="ctr">
+            <a:noFill/>
+            <a:prstDash val="solid"/>
+            <a:miter lim="800000"/>
+          </a:ln>
+          <a:effectLst/>
+          <a:extLst>
+            <a:ext uri="{91240B29-F687-4F45-9708-019B960494DF}">
+              <a14:hiddenLine xmlns:a14="http://schemas.microsoft.com/office/drawing/2010/main" w="12700" cap="flat" cmpd="sng" algn="ctr">
+                <a:solidFill>
+                  <a:schemeClr val="accent1">
+                    <a:shade val="50000"/>
+                  </a:schemeClr>
+                </a:solidFill>
+                <a:prstDash val="solid"/>
+                <a:miter lim="800000"/>
+              </a14:hiddenLine>
+            </a:ext>
+          </a:extLst>
+        </p:spPr>
+        <p:style>
+          <a:lnRef idx="2">
+            <a:schemeClr val="accent1">
+              <a:shade val="50000"/>
+            </a:schemeClr>
+          </a:lnRef>
+          <a:fillRef idx="1">
+            <a:schemeClr val="accent1"/>
+          </a:fillRef>
+          <a:effectRef idx="0">
+            <a:schemeClr val="accent1"/>
+          </a:effectRef>
+          <a:fontRef idx="minor">
+            <a:schemeClr val="lt1"/>
+          </a:fontRef>
+        </p:style>
+        <p:txBody>
+          <a:bodyPr rtlCol="0" anchor="ctr"/>
+          <a:lstStyle/>
+          <a:p>
+            <a:pPr algn="ctr"/>
+            <a:endParaRPr lang="en-US"/>
+          </a:p>
+        </p:txBody>
+      </p:sp>
+      <p:sp>
+        <p:nvSpPr>
+          <p:cNvPr id="2" name="Titel 1">
+            <a:extLst>
+              <a:ext uri="{FF2B5EF4-FFF2-40B4-BE49-F238E27FC236}">
+                <a16:creationId xmlns:a16="http://schemas.microsoft.com/office/drawing/2014/main" id="{1EDBED82-89DE-CF0D-9037-7617DF9C9789}"/>
+              </a:ext>
+            </a:extLst>
+          </p:cNvPr>
+          <p:cNvSpPr>
+            <a:spLocks noGrp="1"/>
+          </p:cNvSpPr>
+          <p:nvPr>
+            <p:ph type="title"/>
+          </p:nvPr>
+        </p:nvSpPr>
+        <p:spPr>
+          <a:xfrm>
+            <a:off x="704088" y="914401"/>
+            <a:ext cx="6766560" cy="1307592"/>
+          </a:xfrm>
+        </p:spPr>
+        <p:txBody>
+          <a:bodyPr vert="horz" lIns="91440" tIns="45720" rIns="91440" bIns="45720" rtlCol="0" anchor="t">
+            <a:normAutofit/>
+          </a:bodyPr>
+          <a:lstStyle/>
+          <a:p>
+            <a:r>
+              <a:rPr lang="en-US" dirty="0"/>
+              <a:t>Agenda</a:t>
+            </a:r>
+          </a:p>
+        </p:txBody>
+      </p:sp>
+      <p:cxnSp>
+        <p:nvCxnSpPr>
+          <p:cNvPr id="16" name="Straight Connector 15">
+            <a:extLst>
+              <a:ext uri="{FF2B5EF4-FFF2-40B4-BE49-F238E27FC236}">
+                <a16:creationId xmlns:a16="http://schemas.microsoft.com/office/drawing/2014/main" id="{D2E57F3D-33BE-4306-87E6-245763719516}"/>
+              </a:ext>
+              <a:ext uri="{C183D7F6-B498-43B3-948B-1728B52AA6E4}">
+                <adec:decorative xmlns:adec="http://schemas.microsoft.com/office/drawing/2017/decorative" val="1"/>
+              </a:ext>
+            </a:extLst>
+          </p:cNvPr>
+          <p:cNvCxnSpPr>
+            <a:cxnSpLocks noGrp="1" noRot="1" noChangeAspect="1" noMove="1" noResize="1" noEditPoints="1" noAdjustHandles="1" noChangeArrowheads="1" noChangeShapeType="1"/>
+          </p:cNvCxnSpPr>
+          <p:nvPr>
+            <p:extLst>
+              <p:ext uri="{386F3935-93C4-4BCD-93E2-E3B085C9AB24}">
+                <p16:designElem xmlns:p16="http://schemas.microsoft.com/office/powerpoint/2015/main" val="1"/>
+              </p:ext>
+            </p:extLst>
+          </p:nvPr>
+        </p:nvCxnSpPr>
+        <p:spPr>
+          <a:xfrm>
+            <a:off x="800100" y="723900"/>
+            <a:ext cx="6583680" cy="0"/>
+          </a:xfrm>
+          <a:prstGeom prst="line">
+            <a:avLst/>
+          </a:prstGeom>
+          <a:ln w="44450">
+            <a:solidFill>
+              <a:schemeClr val="tx1"/>
+            </a:solidFill>
+          </a:ln>
+        </p:spPr>
+        <p:style>
+          <a:lnRef idx="1">
+            <a:schemeClr val="accent1"/>
+          </a:lnRef>
+          <a:fillRef idx="0">
+            <a:schemeClr val="accent1"/>
+          </a:fillRef>
+          <a:effectRef idx="0">
+            <a:schemeClr val="accent1"/>
+          </a:effectRef>
+          <a:fontRef idx="minor">
+            <a:schemeClr val="tx1"/>
+          </a:fontRef>
+        </p:style>
+      </p:cxnSp>
+      <p:sp>
+        <p:nvSpPr>
+          <p:cNvPr id="4" name="Inhaltsplatzhalter 3">
+            <a:extLst>
+              <a:ext uri="{FF2B5EF4-FFF2-40B4-BE49-F238E27FC236}">
+                <a16:creationId xmlns:a16="http://schemas.microsoft.com/office/drawing/2014/main" id="{125368BF-2B42-6484-9A6E-21B7B0E43D73}"/>
+              </a:ext>
+            </a:extLst>
+          </p:cNvPr>
+          <p:cNvSpPr>
+            <a:spLocks noGrp="1"/>
+          </p:cNvSpPr>
+          <p:nvPr>
+            <p:ph sz="half" idx="2"/>
+          </p:nvPr>
+        </p:nvSpPr>
+        <p:spPr>
+          <a:xfrm>
+            <a:off x="704088" y="2221994"/>
+            <a:ext cx="6766560" cy="3739896"/>
+          </a:xfrm>
+        </p:spPr>
+        <p:txBody>
+          <a:bodyPr vert="horz" lIns="91440" tIns="45720" rIns="91440" bIns="45720" rtlCol="0">
+            <a:normAutofit/>
+          </a:bodyPr>
+          <a:lstStyle/>
+          <a:p>
+            <a:pPr>
+              <a:lnSpc>
+                <a:spcPct val="100000"/>
+              </a:lnSpc>
+            </a:pPr>
+            <a:r>
+              <a:rPr lang="en-US" sz="1900" dirty="0" err="1"/>
+              <a:t>Projektübersicht</a:t>
+            </a:r>
+            <a:endParaRPr lang="en-US" sz="1900" dirty="0"/>
+          </a:p>
+          <a:p>
+            <a:pPr>
+              <a:lnSpc>
+                <a:spcPct val="100000"/>
+              </a:lnSpc>
+            </a:pPr>
+            <a:r>
+              <a:rPr lang="en-US" sz="1900" dirty="0" err="1"/>
+              <a:t>Einleitung</a:t>
+            </a:r>
+            <a:endParaRPr lang="en-US" sz="1900" dirty="0"/>
+          </a:p>
+          <a:p>
+            <a:pPr>
+              <a:lnSpc>
+                <a:spcPct val="100000"/>
+              </a:lnSpc>
+            </a:pPr>
+            <a:r>
+              <a:rPr lang="en-US" sz="1900" dirty="0" err="1"/>
+              <a:t>Konzept</a:t>
+            </a:r>
+            <a:r>
+              <a:rPr lang="en-US" sz="1900" dirty="0"/>
+              <a:t> und </a:t>
+            </a:r>
+            <a:r>
+              <a:rPr lang="en-US" sz="1900" dirty="0" err="1"/>
+              <a:t>Rahmenbedingungen</a:t>
+            </a:r>
+            <a:endParaRPr lang="en-US" sz="1900" dirty="0"/>
+          </a:p>
+          <a:p>
+            <a:pPr>
+              <a:lnSpc>
+                <a:spcPct val="100000"/>
+              </a:lnSpc>
+            </a:pPr>
+            <a:r>
+              <a:rPr lang="en-US" sz="1900" dirty="0" err="1"/>
+              <a:t>Beschreibung</a:t>
+            </a:r>
+            <a:r>
+              <a:rPr lang="en-US" sz="1900" dirty="0"/>
+              <a:t> der </a:t>
+            </a:r>
+            <a:r>
+              <a:rPr lang="en-US" sz="1900" dirty="0" err="1"/>
+              <a:t>Anforderungen</a:t>
+            </a:r>
+            <a:endParaRPr lang="en-US" sz="1900" dirty="0"/>
+          </a:p>
+          <a:p>
+            <a:pPr>
+              <a:lnSpc>
+                <a:spcPct val="100000"/>
+              </a:lnSpc>
+            </a:pPr>
+            <a:r>
+              <a:rPr lang="en-US" sz="1900" dirty="0" err="1"/>
+              <a:t>Anhang</a:t>
+            </a:r>
+            <a:r>
+              <a:rPr lang="en-US" sz="1900" dirty="0"/>
+              <a:t> / </a:t>
+            </a:r>
+            <a:r>
+              <a:rPr lang="en-US" sz="1900" dirty="0" err="1"/>
+              <a:t>Ressourcen</a:t>
+            </a:r>
+            <a:endParaRPr lang="en-US" sz="1900" dirty="0"/>
+          </a:p>
+        </p:txBody>
+      </p:sp>
+      <p:cxnSp>
+        <p:nvCxnSpPr>
+          <p:cNvPr id="18" name="Straight Connector 17">
+            <a:extLst>
+              <a:ext uri="{FF2B5EF4-FFF2-40B4-BE49-F238E27FC236}">
+                <a16:creationId xmlns:a16="http://schemas.microsoft.com/office/drawing/2014/main" id="{CBA3C59D-8641-484F-A35C-361AD7E1553B}"/>
+              </a:ext>
+              <a:ext uri="{C183D7F6-B498-43B3-948B-1728B52AA6E4}">
+                <adec:decorative xmlns:adec="http://schemas.microsoft.com/office/drawing/2017/decorative" val="1"/>
+              </a:ext>
+            </a:extLst>
+          </p:cNvPr>
+          <p:cNvCxnSpPr>
+            <a:cxnSpLocks noGrp="1" noRot="1" noChangeAspect="1" noMove="1" noResize="1" noEditPoints="1" noAdjustHandles="1" noChangeArrowheads="1" noChangeShapeType="1"/>
+          </p:cNvCxnSpPr>
+          <p:nvPr>
+            <p:extLst>
+              <p:ext uri="{386F3935-93C4-4BCD-93E2-E3B085C9AB24}">
+                <p16:designElem xmlns:p16="http://schemas.microsoft.com/office/powerpoint/2015/main" val="1"/>
+              </p:ext>
+            </p:extLst>
+          </p:nvPr>
+        </p:nvCxnSpPr>
+        <p:spPr>
+          <a:xfrm>
+            <a:off x="800100" y="6144768"/>
+            <a:ext cx="6583680" cy="0"/>
+          </a:xfrm>
+          <a:prstGeom prst="line">
+            <a:avLst/>
+          </a:prstGeom>
+          <a:ln w="12700">
+            <a:solidFill>
+              <a:schemeClr val="tx1"/>
+            </a:solidFill>
+          </a:ln>
+        </p:spPr>
+        <p:style>
+          <a:lnRef idx="1">
+            <a:schemeClr val="accent1"/>
+          </a:lnRef>
+          <a:fillRef idx="0">
+            <a:schemeClr val="accent1"/>
+          </a:fillRef>
+          <a:effectRef idx="0">
+            <a:schemeClr val="accent1"/>
+          </a:effectRef>
+          <a:fontRef idx="minor">
+            <a:schemeClr val="tx1"/>
+          </a:fontRef>
+        </p:style>
+      </p:cxnSp>
+      <p:pic>
+        <p:nvPicPr>
+          <p:cNvPr id="5" name="Inhaltsplatzhalter 4" descr="Viele Umsatzdiagramme dokumentieren auf dem Schreibtisch mit Stift und Taschenrechner">
+            <a:extLst>
+              <a:ext uri="{FF2B5EF4-FFF2-40B4-BE49-F238E27FC236}">
+                <a16:creationId xmlns:a16="http://schemas.microsoft.com/office/drawing/2014/main" id="{D64C7E26-1565-40E4-A24F-7964052579A0}"/>
+              </a:ext>
+            </a:extLst>
+          </p:cNvPr>
+          <p:cNvPicPr>
+            <a:picLocks noGrp="1" noChangeAspect="1"/>
+          </p:cNvPicPr>
+          <p:nvPr>
+            <p:ph sz="half" idx="1"/>
+          </p:nvPr>
+        </p:nvPicPr>
+        <p:blipFill>
+          <a:blip r:embed="rId3"/>
+          <a:srcRect l="27008" r="33313" b="-1"/>
+          <a:stretch/>
+        </p:blipFill>
+        <p:spPr>
+          <a:xfrm>
+            <a:off x="8115300" y="10"/>
+            <a:ext cx="4076700" cy="6857990"/>
+          </a:xfrm>
+          <a:prstGeom prst="rect">
+            <a:avLst/>
+          </a:prstGeom>
+        </p:spPr>
+      </p:pic>
+    </p:spTree>
+    <p:extLst>
+      <p:ext uri="{BB962C8B-B14F-4D97-AF65-F5344CB8AC3E}">
+        <p14:creationId xmlns:p14="http://schemas.microsoft.com/office/powerpoint/2010/main" val="1949552172"/>
+      </p:ext>
+    </p:extLst>
+  </p:cSld>
+  <p:clrMapOvr>
+    <a:masterClrMapping/>
+  </p:clrMapOvr>
+  <p:transition>
+    <p:fade/>
+  </p:transition>
+  <p:timing>
+    <p:tnLst>
+      <p:par>
+        <p:cTn id="1" dur="indefinite" restart="never" nodeType="tmRoot">
+          <p:childTnLst>
+            <p:seq concurrent="1" nextAc="seek">
+              <p:cTn id="2" dur="indefinite" nodeType="mainSeq">
+                <p:childTnLst>
+                  <p:par>
+                    <p:cTn id="3" fill="hold">
+                      <p:stCondLst>
+                        <p:cond delay="indefinite"/>
+                        <p:cond evt="onBegin" delay="0">
+                          <p:tn val="2"/>
+                        </p:cond>
+                      </p:stCondLst>
+                      <p:childTnLst>
+                        <p:par>
+                          <p:cTn id="4" fill="hold">
+                            <p:stCondLst>
+                              <p:cond delay="0"/>
+                            </p:stCondLst>
+                            <p:childTnLst>
+                              <p:par>
+                                <p:cTn id="5" presetID="10" presetClass="entr" presetSubtype="0" fill="hold" grpId="0" nodeType="withEffect">
+                                  <p:stCondLst>
+                                    <p:cond delay="250"/>
+                                  </p:stCondLst>
+                                  <p:iterate>
+                                    <p:tmPct val="10000"/>
+                                  </p:iterate>
+                                  <p:childTnLst>
+                                    <p:set>
+                                      <p:cBhvr>
+                                        <p:cTn id="6" dur="1" fill="hold">
+                                          <p:stCondLst>
+                                            <p:cond delay="0"/>
+                                          </p:stCondLst>
+                                        </p:cTn>
+                                        <p:tgtEl>
+                                          <p:spTgt spid="4"/>
+                                        </p:tgtEl>
+                                        <p:attrNameLst>
+                                          <p:attrName>style.visibility</p:attrName>
+                                        </p:attrNameLst>
+                                      </p:cBhvr>
+                                      <p:to>
+                                        <p:strVal val="visible"/>
+                                      </p:to>
+                                    </p:set>
+                                    <p:animEffect transition="in" filter="fade">
+                                      <p:cBhvr>
+                                        <p:cTn id="7" dur="500"/>
+                                        <p:tgtEl>
+                                          <p:spTgt spid="4"/>
+                                        </p:tgtEl>
+                                      </p:cBhvr>
+                                    </p:animEffect>
+                                  </p:childTnLst>
+                                </p:cTn>
+                              </p:par>
+                            </p:childTnLst>
+                          </p:cTn>
+                        </p:par>
+                      </p:childTnLst>
+                    </p:cTn>
+                  </p:par>
+                </p:childTnLst>
+              </p:cTn>
+              <p:prevCondLst>
+                <p:cond evt="onPrev" delay="0">
+                  <p:tgtEl>
+                    <p:sldTgt/>
+                  </p:tgtEl>
+                </p:cond>
+              </p:prevCondLst>
+              <p:nextCondLst>
+                <p:cond evt="onNext" delay="0">
+                  <p:tgtEl>
+                    <p:sldTgt/>
+                  </p:tgtEl>
+                </p:cond>
+              </p:nextCondLst>
+            </p:seq>
+          </p:childTnLst>
+        </p:cTn>
+      </p:par>
+    </p:tnLst>
+    <p:bldLst>
+      <p:bldP spid="4" grpId="0"/>
+    </p:bldLst>
+  </p:timing>
+</p:sld>
+</file>
+
+<file path=ppt/slides/slide20.xml><?xml version="1.0" encoding="utf-8"?>
 <p:sld xmlns:a="http://schemas.openxmlformats.org/drawingml/2006/main" xmlns:r="http://schemas.openxmlformats.org/officeDocument/2006/relationships" xmlns:p="http://schemas.openxmlformats.org/presentationml/2006/main">
   <p:cSld>
     <p:bg>
@@ -22574,7 +19200,7 @@
         </p:nvGraphicFramePr>
         <p:xfrm>
           <a:off x="1068162" y="2222500"/>
-          <a:ext cx="9955664" cy="3740150"/>
+          <a:ext cx="9955667" cy="3740152"/>
         </p:xfrm>
         <a:graphic>
           <a:graphicData uri="http://schemas.openxmlformats.org/drawingml/2006/table">
